--- a/PROYECTO/01 Medium Level/PROY_M00.pptx
+++ b/PROYECTO/01 Medium Level/PROY_M00.pptx
@@ -26,18 +26,11 @@
   <p:notesSz cx="6858000" cy="9144000"/>
   <p:embeddedFontLst>
     <p:embeddedFont>
-      <p:font typeface="72" panose="020B0503030000000003" pitchFamily="34" charset="0"/>
+      <p:font typeface="Roboto" panose="02000000000000000000" pitchFamily="2" charset="0"/>
       <p:regular r:id="rId16"/>
       <p:bold r:id="rId17"/>
       <p:italic r:id="rId18"/>
       <p:boldItalic r:id="rId19"/>
-    </p:embeddedFont>
-    <p:embeddedFont>
-      <p:font typeface="Roboto" panose="02000000000000000000" pitchFamily="2" charset="0"/>
-      <p:regular r:id="rId20"/>
-      <p:bold r:id="rId21"/>
-      <p:italic r:id="rId22"/>
-      <p:boldItalic r:id="rId23"/>
     </p:embeddedFont>
   </p:embeddedFontLst>
   <p:defaultTextStyle>

--- a/PROYECTO/01 Medium Level/PROY_M00.pptx
+++ b/PROYECTO/01 Medium Level/PROY_M00.pptx
@@ -5,7 +5,7 @@
     <p:sldMasterId id="2147483659" r:id="rId1"/>
   </p:sldMasterIdLst>
   <p:notesMasterIdLst>
-    <p:notesMasterId r:id="rId15"/>
+    <p:notesMasterId r:id="rId14"/>
   </p:notesMasterIdLst>
   <p:sldIdLst>
     <p:sldId id="256" r:id="rId2"/>
@@ -19,18 +19,17 @@
     <p:sldId id="272" r:id="rId10"/>
     <p:sldId id="267" r:id="rId11"/>
     <p:sldId id="265" r:id="rId12"/>
-    <p:sldId id="274" r:id="rId13"/>
-    <p:sldId id="273" r:id="rId14"/>
+    <p:sldId id="273" r:id="rId13"/>
   </p:sldIdLst>
   <p:sldSz cx="9144000" cy="5143500" type="screen16x9"/>
   <p:notesSz cx="6858000" cy="9144000"/>
   <p:embeddedFontLst>
     <p:embeddedFont>
       <p:font typeface="Roboto" panose="02000000000000000000" pitchFamily="2" charset="0"/>
-      <p:regular r:id="rId16"/>
-      <p:bold r:id="rId17"/>
-      <p:italic r:id="rId18"/>
-      <p:boldItalic r:id="rId19"/>
+      <p:regular r:id="rId15"/>
+      <p:bold r:id="rId16"/>
+      <p:italic r:id="rId17"/>
+      <p:boldItalic r:id="rId18"/>
     </p:embeddedFont>
   </p:embeddedFontLst>
   <p:defaultTextStyle>
@@ -5968,15 +5967,27 @@
               <a:buNone/>
             </a:pPr>
             <a:r>
+              <a:rPr lang="es-MX" dirty="0" err="1"/>
+              <a:t>Computer</a:t>
+            </a:r>
+            <a:r>
               <a:rPr lang="es-MX" dirty="0"/>
-              <a:t>Informática II</a:t>
+              <a:t> </a:t>
+            </a:r>
+            <a:r>
+              <a:rPr lang="es-MX" dirty="0" err="1"/>
+              <a:t>Science</a:t>
+            </a:r>
+            <a:r>
+              <a:rPr lang="es-MX" dirty="0"/>
+              <a:t> 2</a:t>
             </a:r>
             <a:br>
               <a:rPr lang="es-MX" dirty="0"/>
             </a:br>
             <a:r>
               <a:rPr lang="es-MX" dirty="0"/>
-              <a:t>Actividad Integradora</a:t>
+              <a:t>Final Project</a:t>
             </a:r>
             <a:endParaRPr dirty="0"/>
           </a:p>
@@ -6062,15 +6073,7 @@
                   <a:schemeClr val="bg1"/>
                 </a:solidFill>
               </a:rPr>
-              <a:t>2. </a:t>
-            </a:r>
-            <a:r>
-              <a:rPr lang="en-US" sz="3000" b="1" dirty="0" err="1">
-                <a:solidFill>
-                  <a:schemeClr val="bg1"/>
-                </a:solidFill>
-              </a:rPr>
-              <a:t>Codificación</a:t>
+              <a:t>2. Coding</a:t>
             </a:r>
             <a:endParaRPr lang="es-MX" sz="3000" b="1" dirty="0">
               <a:solidFill>
@@ -6095,7 +6098,7 @@
         <p:spPr>
           <a:xfrm>
             <a:off x="0" y="893134"/>
-            <a:ext cx="9101470" cy="2246769"/>
+            <a:ext cx="9101470" cy="3170099"/>
           </a:xfrm>
           <a:prstGeom prst="rect">
             <a:avLst/>
@@ -6108,39 +6111,309 @@
           </a:bodyPr>
           <a:lstStyle/>
           <a:p>
+            <a:r>
+              <a:rPr lang="es-MX" sz="2000" dirty="0" err="1">
+                <a:latin typeface="Arial" panose="020B0604020202020204" pitchFamily="34" charset="0"/>
+                <a:cs typeface="Arial" panose="020B0604020202020204" pitchFamily="34" charset="0"/>
+              </a:rPr>
+              <a:t>All</a:t>
+            </a:r>
+            <a:r>
+              <a:rPr lang="es-MX" sz="2000" dirty="0">
+                <a:latin typeface="Arial" panose="020B0604020202020204" pitchFamily="34" charset="0"/>
+                <a:cs typeface="Arial" panose="020B0604020202020204" pitchFamily="34" charset="0"/>
+              </a:rPr>
+              <a:t> </a:t>
+            </a:r>
+            <a:r>
+              <a:rPr lang="es-MX" sz="2000" dirty="0" err="1">
+                <a:latin typeface="Arial" panose="020B0604020202020204" pitchFamily="34" charset="0"/>
+                <a:cs typeface="Arial" panose="020B0604020202020204" pitchFamily="34" charset="0"/>
+              </a:rPr>
+              <a:t>project</a:t>
+            </a:r>
+            <a:r>
+              <a:rPr lang="es-MX" sz="2000" dirty="0">
+                <a:latin typeface="Arial" panose="020B0604020202020204" pitchFamily="34" charset="0"/>
+                <a:cs typeface="Arial" panose="020B0604020202020204" pitchFamily="34" charset="0"/>
+              </a:rPr>
+              <a:t> files </a:t>
+            </a:r>
+            <a:r>
+              <a:rPr lang="es-MX" sz="2000" dirty="0" err="1">
+                <a:latin typeface="Arial" panose="020B0604020202020204" pitchFamily="34" charset="0"/>
+                <a:cs typeface="Arial" panose="020B0604020202020204" pitchFamily="34" charset="0"/>
+              </a:rPr>
+              <a:t>must</a:t>
+            </a:r>
+            <a:r>
+              <a:rPr lang="es-MX" sz="2000" dirty="0">
+                <a:latin typeface="Arial" panose="020B0604020202020204" pitchFamily="34" charset="0"/>
+                <a:cs typeface="Arial" panose="020B0604020202020204" pitchFamily="34" charset="0"/>
+              </a:rPr>
+              <a:t> be </a:t>
+            </a:r>
+            <a:r>
+              <a:rPr lang="es-MX" sz="2000" dirty="0" err="1">
+                <a:latin typeface="Arial" panose="020B0604020202020204" pitchFamily="34" charset="0"/>
+                <a:cs typeface="Arial" panose="020B0604020202020204" pitchFamily="34" charset="0"/>
+              </a:rPr>
+              <a:t>submitted</a:t>
+            </a:r>
+            <a:r>
+              <a:rPr lang="es-MX" sz="2000" dirty="0">
+                <a:latin typeface="Arial" panose="020B0604020202020204" pitchFamily="34" charset="0"/>
+                <a:cs typeface="Arial" panose="020B0604020202020204" pitchFamily="34" charset="0"/>
+              </a:rPr>
+              <a:t> </a:t>
+            </a:r>
+            <a:r>
+              <a:rPr lang="es-MX" sz="2000" dirty="0" err="1">
+                <a:latin typeface="Arial" panose="020B0604020202020204" pitchFamily="34" charset="0"/>
+                <a:cs typeface="Arial" panose="020B0604020202020204" pitchFamily="34" charset="0"/>
+              </a:rPr>
+              <a:t>to</a:t>
+            </a:r>
+            <a:r>
+              <a:rPr lang="es-MX" sz="2000" dirty="0">
+                <a:latin typeface="Arial" panose="020B0604020202020204" pitchFamily="34" charset="0"/>
+                <a:cs typeface="Arial" panose="020B0604020202020204" pitchFamily="34" charset="0"/>
+              </a:rPr>
+              <a:t> </a:t>
+            </a:r>
+            <a:r>
+              <a:rPr lang="es-MX" sz="2000" dirty="0" err="1">
+                <a:latin typeface="Arial" panose="020B0604020202020204" pitchFamily="34" charset="0"/>
+                <a:cs typeface="Arial" panose="020B0604020202020204" pitchFamily="34" charset="0"/>
+              </a:rPr>
+              <a:t>Canvas</a:t>
+            </a:r>
+            <a:r>
+              <a:rPr lang="es-MX" sz="2000" dirty="0">
+                <a:latin typeface="Arial" panose="020B0604020202020204" pitchFamily="34" charset="0"/>
+                <a:cs typeface="Arial" panose="020B0604020202020204" pitchFamily="34" charset="0"/>
+              </a:rPr>
+              <a:t>. </a:t>
+            </a:r>
+            <a:r>
+              <a:rPr lang="es-MX" sz="2000" dirty="0" err="1">
+                <a:latin typeface="Arial" panose="020B0604020202020204" pitchFamily="34" charset="0"/>
+                <a:cs typeface="Arial" panose="020B0604020202020204" pitchFamily="34" charset="0"/>
+              </a:rPr>
+              <a:t>This</a:t>
+            </a:r>
+            <a:r>
+              <a:rPr lang="es-MX" sz="2000" dirty="0">
+                <a:latin typeface="Arial" panose="020B0604020202020204" pitchFamily="34" charset="0"/>
+                <a:cs typeface="Arial" panose="020B0604020202020204" pitchFamily="34" charset="0"/>
+              </a:rPr>
+              <a:t> </a:t>
+            </a:r>
+            <a:r>
+              <a:rPr lang="es-MX" sz="2000" dirty="0" err="1">
+                <a:latin typeface="Arial" panose="020B0604020202020204" pitchFamily="34" charset="0"/>
+                <a:cs typeface="Arial" panose="020B0604020202020204" pitchFamily="34" charset="0"/>
+              </a:rPr>
+              <a:t>includes</a:t>
+            </a:r>
+            <a:r>
+              <a:rPr lang="es-MX" sz="2000" dirty="0">
+                <a:latin typeface="Arial" panose="020B0604020202020204" pitchFamily="34" charset="0"/>
+                <a:cs typeface="Arial" panose="020B0604020202020204" pitchFamily="34" charset="0"/>
+              </a:rPr>
+              <a:t>:</a:t>
+            </a:r>
+          </a:p>
+          <a:p>
+            <a:pPr marL="342900" indent="-342900">
+              <a:buFontTx/>
+              <a:buChar char="-"/>
+            </a:pPr>
+            <a:r>
+              <a:rPr lang="es-MX" sz="2000" dirty="0" err="1">
+                <a:latin typeface="Arial" panose="020B0604020202020204" pitchFamily="34" charset="0"/>
+                <a:cs typeface="Arial" panose="020B0604020202020204" pitchFamily="34" charset="0"/>
+              </a:rPr>
+              <a:t>Classes</a:t>
+            </a:r>
             <a:endParaRPr lang="es-MX" sz="2000" dirty="0">
-              <a:latin typeface="72" panose="020B0503030000000003" pitchFamily="34" charset="0"/>
-              <a:cs typeface="72" panose="020B0503030000000003" pitchFamily="34" charset="0"/>
+              <a:latin typeface="Arial" panose="020B0604020202020204" pitchFamily="34" charset="0"/>
+              <a:cs typeface="Arial" panose="020B0604020202020204" pitchFamily="34" charset="0"/>
             </a:endParaRPr>
           </a:p>
           <a:p>
+            <a:pPr marL="342900" indent="-342900">
+              <a:buFontTx/>
+              <a:buChar char="-"/>
+            </a:pPr>
             <a:r>
               <a:rPr lang="es-MX" sz="2000" dirty="0">
-                <a:latin typeface="72" panose="020B0503030000000003" pitchFamily="34" charset="0"/>
-                <a:cs typeface="72" panose="020B0503030000000003" pitchFamily="34" charset="0"/>
-              </a:rPr>
-              <a:t>Se entregarán todos los archivos del proyecto generados, incluyendo clases, folders y archivos adicionales. Se debe entregar el proyecto completo en un archivo comprimido (.zip) a través de Canvas.</a:t>
+                <a:latin typeface="Arial" panose="020B0604020202020204" pitchFamily="34" charset="0"/>
+                <a:cs typeface="Arial" panose="020B0604020202020204" pitchFamily="34" charset="0"/>
+              </a:rPr>
+              <a:t>Folders</a:t>
+            </a:r>
+          </a:p>
+          <a:p>
+            <a:pPr marL="342900" indent="-342900">
+              <a:buFontTx/>
+              <a:buChar char="-"/>
+            </a:pPr>
+            <a:r>
+              <a:rPr lang="es-MX" sz="2000" dirty="0" err="1">
+                <a:latin typeface="Arial" panose="020B0604020202020204" pitchFamily="34" charset="0"/>
+                <a:cs typeface="Arial" panose="020B0604020202020204" pitchFamily="34" charset="0"/>
+              </a:rPr>
+              <a:t>Images</a:t>
+            </a:r>
+            <a:endParaRPr lang="es-MX" sz="2000" dirty="0">
+              <a:latin typeface="Arial" panose="020B0604020202020204" pitchFamily="34" charset="0"/>
+              <a:cs typeface="Arial" panose="020B0604020202020204" pitchFamily="34" charset="0"/>
+            </a:endParaRPr>
+          </a:p>
+          <a:p>
+            <a:pPr marL="342900" indent="-342900">
+              <a:buFontTx/>
+              <a:buChar char="-"/>
+            </a:pPr>
+            <a:endParaRPr lang="es-MX" sz="2000" dirty="0">
+              <a:latin typeface="Arial" panose="020B0604020202020204" pitchFamily="34" charset="0"/>
+              <a:cs typeface="Arial" panose="020B0604020202020204" pitchFamily="34" charset="0"/>
+            </a:endParaRPr>
+          </a:p>
+          <a:p>
+            <a:r>
+              <a:rPr lang="es-MX" sz="2000" dirty="0" err="1">
+                <a:latin typeface="Arial" panose="020B0604020202020204" pitchFamily="34" charset="0"/>
+                <a:cs typeface="Arial" panose="020B0604020202020204" pitchFamily="34" charset="0"/>
+              </a:rPr>
+              <a:t>The</a:t>
+            </a:r>
+            <a:r>
+              <a:rPr lang="es-MX" sz="2000" dirty="0">
+                <a:latin typeface="Arial" panose="020B0604020202020204" pitchFamily="34" charset="0"/>
+                <a:cs typeface="Arial" panose="020B0604020202020204" pitchFamily="34" charset="0"/>
+              </a:rPr>
+              <a:t> file </a:t>
+            </a:r>
+            <a:r>
+              <a:rPr lang="es-MX" sz="2000" dirty="0" err="1">
+                <a:latin typeface="Arial" panose="020B0604020202020204" pitchFamily="34" charset="0"/>
+                <a:cs typeface="Arial" panose="020B0604020202020204" pitchFamily="34" charset="0"/>
+              </a:rPr>
+              <a:t>must</a:t>
+            </a:r>
+            <a:r>
+              <a:rPr lang="es-MX" sz="2000" dirty="0">
+                <a:latin typeface="Arial" panose="020B0604020202020204" pitchFamily="34" charset="0"/>
+                <a:cs typeface="Arial" panose="020B0604020202020204" pitchFamily="34" charset="0"/>
+              </a:rPr>
+              <a:t> be </a:t>
+            </a:r>
+            <a:r>
+              <a:rPr lang="es-MX" sz="2000" dirty="0" err="1">
+                <a:latin typeface="Arial" panose="020B0604020202020204" pitchFamily="34" charset="0"/>
+                <a:cs typeface="Arial" panose="020B0604020202020204" pitchFamily="34" charset="0"/>
+              </a:rPr>
+              <a:t>submitted</a:t>
+            </a:r>
+            <a:r>
+              <a:rPr lang="es-MX" sz="2000" dirty="0">
+                <a:latin typeface="Arial" panose="020B0604020202020204" pitchFamily="34" charset="0"/>
+                <a:cs typeface="Arial" panose="020B0604020202020204" pitchFamily="34" charset="0"/>
+              </a:rPr>
+              <a:t> as a .zip file</a:t>
             </a:r>
           </a:p>
           <a:p>
             <a:endParaRPr lang="es-MX" sz="2000" dirty="0">
-              <a:latin typeface="72" panose="020B0503030000000003" pitchFamily="34" charset="0"/>
-              <a:cs typeface="72" panose="020B0503030000000003" pitchFamily="34" charset="0"/>
+              <a:latin typeface="Arial" panose="020B0604020202020204" pitchFamily="34" charset="0"/>
+              <a:cs typeface="Arial" panose="020B0604020202020204" pitchFamily="34" charset="0"/>
             </a:endParaRPr>
           </a:p>
           <a:p>
             <a:r>
               <a:rPr lang="es-MX" sz="2000" b="1" dirty="0">
-                <a:latin typeface="72" panose="020B0503030000000003" pitchFamily="34" charset="0"/>
-                <a:cs typeface="72" panose="020B0503030000000003" pitchFamily="34" charset="0"/>
-              </a:rPr>
-              <a:t>No se aceptarán ligas a Dropbox, Google Drive, iCloud, etc.</a:t>
+                <a:latin typeface="Arial" panose="020B0604020202020204" pitchFamily="34" charset="0"/>
+                <a:cs typeface="Arial" panose="020B0604020202020204" pitchFamily="34" charset="0"/>
+              </a:rPr>
+              <a:t>Links </a:t>
+            </a:r>
+            <a:r>
+              <a:rPr lang="es-MX" sz="2000" b="1" dirty="0" err="1">
+                <a:latin typeface="Arial" panose="020B0604020202020204" pitchFamily="34" charset="0"/>
+                <a:cs typeface="Arial" panose="020B0604020202020204" pitchFamily="34" charset="0"/>
+              </a:rPr>
+              <a:t>to</a:t>
+            </a:r>
+            <a:r>
+              <a:rPr lang="es-MX" sz="2000" b="1" dirty="0">
+                <a:latin typeface="Arial" panose="020B0604020202020204" pitchFamily="34" charset="0"/>
+                <a:cs typeface="Arial" panose="020B0604020202020204" pitchFamily="34" charset="0"/>
+              </a:rPr>
+              <a:t> </a:t>
+            </a:r>
+            <a:r>
+              <a:rPr lang="es-MX" sz="2000" b="1" dirty="0" err="1">
+                <a:latin typeface="Arial" panose="020B0604020202020204" pitchFamily="34" charset="0"/>
+                <a:cs typeface="Arial" panose="020B0604020202020204" pitchFamily="34" charset="0"/>
+              </a:rPr>
+              <a:t>external</a:t>
+            </a:r>
+            <a:r>
+              <a:rPr lang="es-MX" sz="2000" b="1" dirty="0">
+                <a:latin typeface="Arial" panose="020B0604020202020204" pitchFamily="34" charset="0"/>
+                <a:cs typeface="Arial" panose="020B0604020202020204" pitchFamily="34" charset="0"/>
+              </a:rPr>
+              <a:t> hosting sites (Dropbox, Google Drive, iCloud, </a:t>
+            </a:r>
+            <a:r>
+              <a:rPr lang="es-MX" sz="2000" b="1" dirty="0" err="1">
+                <a:latin typeface="Arial" panose="020B0604020202020204" pitchFamily="34" charset="0"/>
+                <a:cs typeface="Arial" panose="020B0604020202020204" pitchFamily="34" charset="0"/>
+              </a:rPr>
+              <a:t>etc</a:t>
+            </a:r>
+            <a:r>
+              <a:rPr lang="es-MX" sz="2000" b="1" dirty="0">
+                <a:latin typeface="Arial" panose="020B0604020202020204" pitchFamily="34" charset="0"/>
+                <a:cs typeface="Arial" panose="020B0604020202020204" pitchFamily="34" charset="0"/>
+              </a:rPr>
+              <a:t>) </a:t>
+            </a:r>
+            <a:r>
+              <a:rPr lang="es-MX" sz="2000" b="1" dirty="0" err="1">
+                <a:latin typeface="Arial" panose="020B0604020202020204" pitchFamily="34" charset="0"/>
+                <a:cs typeface="Arial" panose="020B0604020202020204" pitchFamily="34" charset="0"/>
+              </a:rPr>
+              <a:t>will</a:t>
+            </a:r>
+            <a:r>
+              <a:rPr lang="es-MX" sz="2000" b="1" dirty="0">
+                <a:latin typeface="Arial" panose="020B0604020202020204" pitchFamily="34" charset="0"/>
+                <a:cs typeface="Arial" panose="020B0604020202020204" pitchFamily="34" charset="0"/>
+              </a:rPr>
+              <a:t> NOT be </a:t>
+            </a:r>
+            <a:r>
+              <a:rPr lang="es-MX" sz="2000" b="1" dirty="0" err="1">
+                <a:latin typeface="Arial" panose="020B0604020202020204" pitchFamily="34" charset="0"/>
+                <a:cs typeface="Arial" panose="020B0604020202020204" pitchFamily="34" charset="0"/>
+              </a:rPr>
+              <a:t>accepted</a:t>
+            </a:r>
+            <a:r>
+              <a:rPr lang="es-MX" sz="2000" b="1" dirty="0">
+                <a:latin typeface="Arial" panose="020B0604020202020204" pitchFamily="34" charset="0"/>
+                <a:cs typeface="Arial" panose="020B0604020202020204" pitchFamily="34" charset="0"/>
+              </a:rPr>
+              <a:t>.</a:t>
             </a:r>
           </a:p>
           <a:p>
             <a:endParaRPr lang="es-MX" sz="2000" dirty="0">
-              <a:latin typeface="72" panose="020B0503030000000003" pitchFamily="34" charset="0"/>
-              <a:cs typeface="72" panose="020B0503030000000003" pitchFamily="34" charset="0"/>
+              <a:latin typeface="Arial" panose="020B0604020202020204" pitchFamily="34" charset="0"/>
+              <a:cs typeface="Arial" panose="020B0604020202020204" pitchFamily="34" charset="0"/>
             </a:endParaRPr>
           </a:p>
         </p:txBody>
@@ -6266,15 +6539,7 @@
                   <a:schemeClr val="bg1"/>
                 </a:solidFill>
               </a:rPr>
-              <a:t>3. </a:t>
-            </a:r>
-            <a:r>
-              <a:rPr lang="en-US" sz="3000" b="1" dirty="0" err="1">
-                <a:solidFill>
-                  <a:schemeClr val="bg1"/>
-                </a:solidFill>
-              </a:rPr>
-              <a:t>Demostración</a:t>
+              <a:t>3. Demo</a:t>
             </a:r>
             <a:endParaRPr lang="es-MX" sz="3000" b="1" dirty="0">
               <a:solidFill>
@@ -6335,7 +6600,7 @@
         <p:spPr>
           <a:xfrm>
             <a:off x="0" y="1041990"/>
-            <a:ext cx="8745279" cy="2862322"/>
+            <a:ext cx="8745279" cy="1631216"/>
           </a:xfrm>
           <a:prstGeom prst="rect">
             <a:avLst/>
@@ -6349,130 +6614,218 @@
           <a:lstStyle/>
           <a:p>
             <a:r>
-              <a:rPr lang="en-US" sz="2000" b="1" dirty="0" err="1">
-                <a:latin typeface="72" panose="020B0503030000000003" pitchFamily="34" charset="0"/>
-                <a:cs typeface="72" panose="020B0503030000000003" pitchFamily="34" charset="0"/>
-              </a:rPr>
-              <a:t>Fecha</a:t>
-            </a:r>
-            <a:r>
               <a:rPr lang="en-US" sz="2000" b="1" dirty="0">
-                <a:latin typeface="72" panose="020B0503030000000003" pitchFamily="34" charset="0"/>
-                <a:cs typeface="72" panose="020B0503030000000003" pitchFamily="34" charset="0"/>
-              </a:rPr>
-              <a:t> de </a:t>
-            </a:r>
-            <a:r>
-              <a:rPr lang="en-US" sz="2000" b="1" dirty="0" err="1">
-                <a:latin typeface="72" panose="020B0503030000000003" pitchFamily="34" charset="0"/>
-                <a:cs typeface="72" panose="020B0503030000000003" pitchFamily="34" charset="0"/>
-              </a:rPr>
-              <a:t>entrega</a:t>
-            </a:r>
-            <a:r>
-              <a:rPr lang="en-US" sz="2000" b="1" dirty="0">
-                <a:latin typeface="72" panose="020B0503030000000003" pitchFamily="34" charset="0"/>
-                <a:cs typeface="72" panose="020B0503030000000003" pitchFamily="34" charset="0"/>
-              </a:rPr>
-              <a:t>: </a:t>
+                <a:latin typeface="Arial" panose="020B0604020202020204" pitchFamily="34" charset="0"/>
+                <a:cs typeface="Arial" panose="020B0604020202020204" pitchFamily="34" charset="0"/>
+              </a:rPr>
+              <a:t>Demo: </a:t>
             </a:r>
             <a:r>
               <a:rPr lang="en-US" sz="2000" dirty="0">
-                <a:latin typeface="72" panose="020B0503030000000003" pitchFamily="34" charset="0"/>
-                <a:cs typeface="72" panose="020B0503030000000003" pitchFamily="34" charset="0"/>
-              </a:rPr>
-              <a:t>3 de mayo @ 7:30 AM</a:t>
+                <a:latin typeface="Arial" panose="020B0604020202020204" pitchFamily="34" charset="0"/>
+                <a:cs typeface="Arial" panose="020B0604020202020204" pitchFamily="34" charset="0"/>
+              </a:rPr>
+              <a:t>Week of April 22</a:t>
+            </a:r>
+            <a:r>
+              <a:rPr lang="en-US" sz="2000" baseline="30000" dirty="0">
+                <a:latin typeface="Arial" panose="020B0604020202020204" pitchFamily="34" charset="0"/>
+                <a:cs typeface="Arial" panose="020B0604020202020204" pitchFamily="34" charset="0"/>
+              </a:rPr>
+              <a:t>nd</a:t>
+            </a:r>
+            <a:r>
+              <a:rPr lang="en-US" sz="2000" dirty="0">
+                <a:latin typeface="Arial" panose="020B0604020202020204" pitchFamily="34" charset="0"/>
+                <a:cs typeface="Arial" panose="020B0604020202020204" pitchFamily="34" charset="0"/>
+              </a:rPr>
+              <a:t> @ 7:30 AM</a:t>
             </a:r>
           </a:p>
           <a:p>
             <a:endParaRPr lang="en-US" sz="2000" dirty="0">
-              <a:latin typeface="72" panose="020B0503030000000003" pitchFamily="34" charset="0"/>
-              <a:cs typeface="72" panose="020B0503030000000003" pitchFamily="34" charset="0"/>
+              <a:latin typeface="Arial" panose="020B0604020202020204" pitchFamily="34" charset="0"/>
+              <a:cs typeface="Arial" panose="020B0604020202020204" pitchFamily="34" charset="0"/>
             </a:endParaRPr>
           </a:p>
           <a:p>
             <a:r>
+              <a:rPr lang="es-MX" sz="2000" b="1" dirty="0" err="1">
+                <a:latin typeface="Arial" panose="020B0604020202020204" pitchFamily="34" charset="0"/>
+                <a:cs typeface="Arial" panose="020B0604020202020204" pitchFamily="34" charset="0"/>
+              </a:rPr>
+              <a:t>Deliverable</a:t>
+            </a:r>
+            <a:r>
               <a:rPr lang="es-MX" sz="2000" b="1" dirty="0">
-                <a:latin typeface="72" panose="020B0503030000000003" pitchFamily="34" charset="0"/>
-                <a:cs typeface="72" panose="020B0503030000000003" pitchFamily="34" charset="0"/>
-              </a:rPr>
-              <a:t>Entregable: </a:t>
+                <a:latin typeface="Arial" panose="020B0604020202020204" pitchFamily="34" charset="0"/>
+                <a:cs typeface="Arial" panose="020B0604020202020204" pitchFamily="34" charset="0"/>
+              </a:rPr>
+              <a:t>: </a:t>
+            </a:r>
+            <a:r>
+              <a:rPr lang="es-MX" sz="2000" dirty="0" err="1">
+                <a:latin typeface="Arial" panose="020B0604020202020204" pitchFamily="34" charset="0"/>
+                <a:cs typeface="Arial" panose="020B0604020202020204" pitchFamily="34" charset="0"/>
+              </a:rPr>
+              <a:t>Every</a:t>
             </a:r>
             <a:r>
               <a:rPr lang="es-MX" sz="2000" dirty="0">
-                <a:latin typeface="72" panose="020B0503030000000003" pitchFamily="34" charset="0"/>
-                <a:cs typeface="72" panose="020B0503030000000003" pitchFamily="34" charset="0"/>
-              </a:rPr>
-              <a:t>El equipo deberá subir a YouTube un video de entre 2 y 5 minutos explicando el funcionamiento de su proyecto. Por cuestiones de privacidad, se sugiere catalogar el video con privacidad “</a:t>
+                <a:latin typeface="Arial" panose="020B0604020202020204" pitchFamily="34" charset="0"/>
+                <a:cs typeface="Arial" panose="020B0604020202020204" pitchFamily="34" charset="0"/>
+              </a:rPr>
+              <a:t> </a:t>
             </a:r>
             <a:r>
               <a:rPr lang="es-MX" sz="2000" dirty="0" err="1">
-                <a:latin typeface="72" panose="020B0503030000000003" pitchFamily="34" charset="0"/>
-                <a:cs typeface="72" panose="020B0503030000000003" pitchFamily="34" charset="0"/>
-              </a:rPr>
-              <a:t>unlisted</a:t>
+                <a:latin typeface="Arial" panose="020B0604020202020204" pitchFamily="34" charset="0"/>
+                <a:cs typeface="Arial" panose="020B0604020202020204" pitchFamily="34" charset="0"/>
+              </a:rPr>
+              <a:t>team</a:t>
             </a:r>
             <a:r>
               <a:rPr lang="es-MX" sz="2000" dirty="0">
-                <a:latin typeface="72" panose="020B0503030000000003" pitchFamily="34" charset="0"/>
-                <a:cs typeface="72" panose="020B0503030000000003" pitchFamily="34" charset="0"/>
-              </a:rPr>
-              <a:t>”.</a:t>
-            </a:r>
-          </a:p>
-          <a:p>
-            <a:endParaRPr lang="es-MX" sz="2000" dirty="0">
-              <a:latin typeface="72" panose="020B0503030000000003" pitchFamily="34" charset="0"/>
-              <a:cs typeface="72" panose="020B0503030000000003" pitchFamily="34" charset="0"/>
-            </a:endParaRPr>
-          </a:p>
-          <a:p>
+                <a:latin typeface="Arial" panose="020B0604020202020204" pitchFamily="34" charset="0"/>
+                <a:cs typeface="Arial" panose="020B0604020202020204" pitchFamily="34" charset="0"/>
+              </a:rPr>
+              <a:t> </a:t>
+            </a:r>
+            <a:r>
+              <a:rPr lang="es-MX" sz="2000" dirty="0" err="1">
+                <a:latin typeface="Arial" panose="020B0604020202020204" pitchFamily="34" charset="0"/>
+                <a:cs typeface="Arial" panose="020B0604020202020204" pitchFamily="34" charset="0"/>
+              </a:rPr>
+              <a:t>will</a:t>
+            </a:r>
             <a:r>
               <a:rPr lang="es-MX" sz="2000" dirty="0">
-                <a:latin typeface="72" panose="020B0503030000000003" pitchFamily="34" charset="0"/>
-                <a:cs typeface="72" panose="020B0503030000000003" pitchFamily="34" charset="0"/>
-              </a:rPr>
-              <a:t>En el video es suficiente mostrar la ejecución, navegación y uso de su programa. No es necesario mostrar y explicar el código fuente.</a:t>
+                <a:latin typeface="Arial" panose="020B0604020202020204" pitchFamily="34" charset="0"/>
+                <a:cs typeface="Arial" panose="020B0604020202020204" pitchFamily="34" charset="0"/>
+              </a:rPr>
+              <a:t> do a </a:t>
+            </a:r>
+            <a:r>
+              <a:rPr lang="es-MX" sz="2000" dirty="0" err="1">
+                <a:latin typeface="Arial" panose="020B0604020202020204" pitchFamily="34" charset="0"/>
+                <a:cs typeface="Arial" panose="020B0604020202020204" pitchFamily="34" charset="0"/>
+              </a:rPr>
+              <a:t>live</a:t>
+            </a:r>
+            <a:r>
+              <a:rPr lang="es-MX" sz="2000" dirty="0">
+                <a:latin typeface="Arial" panose="020B0604020202020204" pitchFamily="34" charset="0"/>
+                <a:cs typeface="Arial" panose="020B0604020202020204" pitchFamily="34" charset="0"/>
+              </a:rPr>
+              <a:t>-demo in </a:t>
+            </a:r>
+            <a:r>
+              <a:rPr lang="es-MX" sz="2000" dirty="0" err="1">
+                <a:latin typeface="Arial" panose="020B0604020202020204" pitchFamily="34" charset="0"/>
+                <a:cs typeface="Arial" panose="020B0604020202020204" pitchFamily="34" charset="0"/>
+              </a:rPr>
+              <a:t>front</a:t>
+            </a:r>
+            <a:r>
+              <a:rPr lang="es-MX" sz="2000" dirty="0">
+                <a:latin typeface="Arial" panose="020B0604020202020204" pitchFamily="34" charset="0"/>
+                <a:cs typeface="Arial" panose="020B0604020202020204" pitchFamily="34" charset="0"/>
+              </a:rPr>
+              <a:t> </a:t>
+            </a:r>
+            <a:r>
+              <a:rPr lang="es-MX" sz="2000" dirty="0" err="1">
+                <a:latin typeface="Arial" panose="020B0604020202020204" pitchFamily="34" charset="0"/>
+                <a:cs typeface="Arial" panose="020B0604020202020204" pitchFamily="34" charset="0"/>
+              </a:rPr>
+              <a:t>of</a:t>
+            </a:r>
+            <a:r>
+              <a:rPr lang="es-MX" sz="2000" dirty="0">
+                <a:latin typeface="Arial" panose="020B0604020202020204" pitchFamily="34" charset="0"/>
+                <a:cs typeface="Arial" panose="020B0604020202020204" pitchFamily="34" charset="0"/>
+              </a:rPr>
+              <a:t> </a:t>
+            </a:r>
+            <a:r>
+              <a:rPr lang="es-MX" sz="2000" dirty="0" err="1">
+                <a:latin typeface="Arial" panose="020B0604020202020204" pitchFamily="34" charset="0"/>
+                <a:cs typeface="Arial" panose="020B0604020202020204" pitchFamily="34" charset="0"/>
+              </a:rPr>
+              <a:t>the</a:t>
+            </a:r>
+            <a:r>
+              <a:rPr lang="es-MX" sz="2000" dirty="0">
+                <a:latin typeface="Arial" panose="020B0604020202020204" pitchFamily="34" charset="0"/>
+                <a:cs typeface="Arial" panose="020B0604020202020204" pitchFamily="34" charset="0"/>
+              </a:rPr>
+              <a:t> </a:t>
+            </a:r>
+            <a:r>
+              <a:rPr lang="es-MX" sz="2000" dirty="0" err="1">
+                <a:latin typeface="Arial" panose="020B0604020202020204" pitchFamily="34" charset="0"/>
+                <a:cs typeface="Arial" panose="020B0604020202020204" pitchFamily="34" charset="0"/>
+              </a:rPr>
+              <a:t>class</a:t>
+            </a:r>
+            <a:r>
+              <a:rPr lang="es-MX" sz="2000" dirty="0">
+                <a:latin typeface="Arial" panose="020B0604020202020204" pitchFamily="34" charset="0"/>
+                <a:cs typeface="Arial" panose="020B0604020202020204" pitchFamily="34" charset="0"/>
+              </a:rPr>
+              <a:t> </a:t>
+            </a:r>
+            <a:r>
+              <a:rPr lang="es-MX" sz="2000" dirty="0" err="1">
+                <a:latin typeface="Arial" panose="020B0604020202020204" pitchFamily="34" charset="0"/>
+                <a:cs typeface="Arial" panose="020B0604020202020204" pitchFamily="34" charset="0"/>
+              </a:rPr>
+              <a:t>of</a:t>
+            </a:r>
+            <a:r>
+              <a:rPr lang="es-MX" sz="2000" dirty="0">
+                <a:latin typeface="Arial" panose="020B0604020202020204" pitchFamily="34" charset="0"/>
+                <a:cs typeface="Arial" panose="020B0604020202020204" pitchFamily="34" charset="0"/>
+              </a:rPr>
+              <a:t> </a:t>
+            </a:r>
+            <a:r>
+              <a:rPr lang="es-MX" sz="2000" dirty="0" err="1">
+                <a:latin typeface="Arial" panose="020B0604020202020204" pitchFamily="34" charset="0"/>
+                <a:cs typeface="Arial" panose="020B0604020202020204" pitchFamily="34" charset="0"/>
+              </a:rPr>
+              <a:t>their</a:t>
+            </a:r>
+            <a:r>
+              <a:rPr lang="es-MX" sz="2000" dirty="0">
+                <a:latin typeface="Arial" panose="020B0604020202020204" pitchFamily="34" charset="0"/>
+                <a:cs typeface="Arial" panose="020B0604020202020204" pitchFamily="34" charset="0"/>
+              </a:rPr>
+              <a:t> </a:t>
+            </a:r>
+            <a:r>
+              <a:rPr lang="es-MX" sz="2000" dirty="0" err="1">
+                <a:latin typeface="Arial" panose="020B0604020202020204" pitchFamily="34" charset="0"/>
+                <a:cs typeface="Arial" panose="020B0604020202020204" pitchFamily="34" charset="0"/>
+              </a:rPr>
+              <a:t>project</a:t>
+            </a:r>
+            <a:r>
+              <a:rPr lang="es-MX" sz="2000" dirty="0">
+                <a:latin typeface="Arial" panose="020B0604020202020204" pitchFamily="34" charset="0"/>
+                <a:cs typeface="Arial" panose="020B0604020202020204" pitchFamily="34" charset="0"/>
+              </a:rPr>
+              <a:t>. 5 minutes </a:t>
             </a:r>
           </a:p>
           <a:p>
             <a:endParaRPr lang="es-MX" sz="2000" b="1" dirty="0">
-              <a:latin typeface="72" panose="020B0503030000000003" pitchFamily="34" charset="0"/>
-              <a:cs typeface="72" panose="020B0503030000000003" pitchFamily="34" charset="0"/>
+              <a:latin typeface="Arial" panose="020B0604020202020204" pitchFamily="34" charset="0"/>
+              <a:cs typeface="Arial" panose="020B0604020202020204" pitchFamily="34" charset="0"/>
             </a:endParaRPr>
           </a:p>
         </p:txBody>
       </p:sp>
-      <p:pic>
-        <p:nvPicPr>
-          <p:cNvPr id="4" name="Picture 3">
-            <a:extLst>
-              <a:ext uri="{FF2B5EF4-FFF2-40B4-BE49-F238E27FC236}">
-                <a16:creationId xmlns:a16="http://schemas.microsoft.com/office/drawing/2014/main" id="{366AD2EB-3D67-4956-B38C-F364929A49F2}"/>
-              </a:ext>
-            </a:extLst>
-          </p:cNvPr>
-          <p:cNvPicPr>
-            <a:picLocks noChangeAspect="1"/>
-          </p:cNvPicPr>
-          <p:nvPr/>
-        </p:nvPicPr>
-        <p:blipFill>
-          <a:blip r:embed="rId4"/>
-          <a:stretch>
-            <a:fillRect/>
-          </a:stretch>
-        </p:blipFill>
-        <p:spPr>
-          <a:xfrm>
-            <a:off x="120579" y="3735805"/>
-            <a:ext cx="3038904" cy="1203158"/>
-          </a:xfrm>
-          <a:prstGeom prst="rect">
-            <a:avLst/>
-          </a:prstGeom>
-        </p:spPr>
-      </p:pic>
     </p:spTree>
     <p:extLst>
       <p:ext uri="{BB962C8B-B14F-4D97-AF65-F5344CB8AC3E}">
@@ -6680,55 +7033,6 @@
                       </p:childTnLst>
                     </p:cTn>
                   </p:par>
-                  <p:par>
-                    <p:cTn id="17" fill="hold">
-                      <p:stCondLst>
-                        <p:cond delay="indefinite"/>
-                      </p:stCondLst>
-                      <p:childTnLst>
-                        <p:par>
-                          <p:cTn id="18" fill="hold">
-                            <p:stCondLst>
-                              <p:cond delay="0"/>
-                            </p:stCondLst>
-                            <p:childTnLst>
-                              <p:par>
-                                <p:cTn id="19" presetID="1" presetClass="entr" presetSubtype="0" fill="hold" nodeType="clickEffect">
-                                  <p:stCondLst>
-                                    <p:cond delay="0"/>
-                                  </p:stCondLst>
-                                  <p:childTnLst>
-                                    <p:set>
-                                      <p:cBhvr>
-                                        <p:cTn id="20" dur="1" fill="hold">
-                                          <p:stCondLst>
-                                            <p:cond delay="0"/>
-                                          </p:stCondLst>
-                                        </p:cTn>
-                                        <p:tgtEl>
-                                          <p:spTgt spid="2">
-                                            <p:txEl>
-                                              <p:pRg st="4" end="4"/>
-                                            </p:txEl>
-                                          </p:spTgt>
-                                        </p:tgtEl>
-                                        <p:attrNameLst>
-                                          <p:attrName>style.visibility</p:attrName>
-                                        </p:attrNameLst>
-                                      </p:cBhvr>
-                                      <p:to>
-                                        <p:strVal val="visible"/>
-                                      </p:to>
-                                    </p:set>
-                                  </p:childTnLst>
-                                </p:cTn>
-                              </p:par>
-                            </p:childTnLst>
-                          </p:cTn>
-                        </p:par>
-                      </p:childTnLst>
-                    </p:cTn>
-                  </p:par>
                 </p:childTnLst>
               </p:cTn>
               <p:prevCondLst>
@@ -6773,515 +7077,6 @@
       </p:grpSpPr>
       <p:sp>
         <p:nvSpPr>
-          <p:cNvPr id="11" name="Rectangle 10">
-            <a:extLst>
-              <a:ext uri="{FF2B5EF4-FFF2-40B4-BE49-F238E27FC236}">
-                <a16:creationId xmlns:a16="http://schemas.microsoft.com/office/drawing/2014/main" id="{1BF55567-E569-4783-8A9A-A17C6B815A8F}"/>
-              </a:ext>
-            </a:extLst>
-          </p:cNvPr>
-          <p:cNvSpPr/>
-          <p:nvPr/>
-        </p:nvSpPr>
-        <p:spPr>
-          <a:xfrm>
-            <a:off x="0" y="-1"/>
-            <a:ext cx="9143999" cy="893135"/>
-          </a:xfrm>
-          <a:prstGeom prst="rect">
-            <a:avLst/>
-          </a:prstGeom>
-          <a:solidFill>
-            <a:schemeClr val="accent3"/>
-          </a:solidFill>
-          <a:ln>
-            <a:solidFill>
-              <a:schemeClr val="accent3"/>
-            </a:solidFill>
-          </a:ln>
-        </p:spPr>
-        <p:style>
-          <a:lnRef idx="2">
-            <a:schemeClr val="accent1">
-              <a:shade val="50000"/>
-            </a:schemeClr>
-          </a:lnRef>
-          <a:fillRef idx="1">
-            <a:schemeClr val="accent1"/>
-          </a:fillRef>
-          <a:effectRef idx="0">
-            <a:schemeClr val="accent1"/>
-          </a:effectRef>
-          <a:fontRef idx="minor">
-            <a:schemeClr val="lt1"/>
-          </a:fontRef>
-        </p:style>
-        <p:txBody>
-          <a:bodyPr rtlCol="0" anchor="ctr"/>
-          <a:lstStyle/>
-          <a:p>
-            <a:r>
-              <a:rPr lang="en-US" sz="3000" b="1" dirty="0">
-                <a:solidFill>
-                  <a:schemeClr val="bg1"/>
-                </a:solidFill>
-              </a:rPr>
-              <a:t>3. </a:t>
-            </a:r>
-            <a:r>
-              <a:rPr lang="en-US" sz="3000" b="1" dirty="0" err="1">
-                <a:solidFill>
-                  <a:schemeClr val="bg1"/>
-                </a:solidFill>
-              </a:rPr>
-              <a:t>Demostración</a:t>
-            </a:r>
-            <a:endParaRPr lang="es-MX" sz="3000" b="1" dirty="0">
-              <a:solidFill>
-                <a:schemeClr val="bg1"/>
-              </a:solidFill>
-            </a:endParaRPr>
-          </a:p>
-        </p:txBody>
-      </p:sp>
-      <p:pic>
-        <p:nvPicPr>
-          <p:cNvPr id="12" name="Graphic 11" descr="Checklist">
-            <a:extLst>
-              <a:ext uri="{FF2B5EF4-FFF2-40B4-BE49-F238E27FC236}">
-                <a16:creationId xmlns:a16="http://schemas.microsoft.com/office/drawing/2014/main" id="{563C072D-4195-4CE4-9E4E-E732D21E1755}"/>
-              </a:ext>
-            </a:extLst>
-          </p:cNvPr>
-          <p:cNvPicPr>
-            <a:picLocks noChangeAspect="1"/>
-          </p:cNvPicPr>
-          <p:nvPr/>
-        </p:nvPicPr>
-        <p:blipFill>
-          <a:blip r:embed="rId2">
-            <a:extLst>
-              <a:ext uri="{96DAC541-7B7A-43D3-8B79-37D633B846F1}">
-                <asvg:svgBlip xmlns:asvg="http://schemas.microsoft.com/office/drawing/2016/SVG/main" r:embed="rId3"/>
-              </a:ext>
-            </a:extLst>
-          </a:blip>
-          <a:stretch>
-            <a:fillRect/>
-          </a:stretch>
-        </p:blipFill>
-        <p:spPr>
-          <a:xfrm>
-            <a:off x="7659034" y="0"/>
-            <a:ext cx="893135" cy="893135"/>
-          </a:xfrm>
-          <a:prstGeom prst="rect">
-            <a:avLst/>
-          </a:prstGeom>
-        </p:spPr>
-      </p:pic>
-      <p:sp>
-        <p:nvSpPr>
-          <p:cNvPr id="2" name="TextBox 1">
-            <a:extLst>
-              <a:ext uri="{FF2B5EF4-FFF2-40B4-BE49-F238E27FC236}">
-                <a16:creationId xmlns:a16="http://schemas.microsoft.com/office/drawing/2014/main" id="{26E30AAB-29BC-4CE7-B288-6FE748B82A42}"/>
-              </a:ext>
-            </a:extLst>
-          </p:cNvPr>
-          <p:cNvSpPr txBox="1"/>
-          <p:nvPr/>
-        </p:nvSpPr>
-        <p:spPr>
-          <a:xfrm>
-            <a:off x="0" y="1041990"/>
-            <a:ext cx="8745279" cy="2246769"/>
-          </a:xfrm>
-          <a:prstGeom prst="rect">
-            <a:avLst/>
-          </a:prstGeom>
-          <a:noFill/>
-        </p:spPr>
-        <p:txBody>
-          <a:bodyPr wrap="square" rtlCol="0">
-            <a:spAutoFit/>
-          </a:bodyPr>
-          <a:lstStyle/>
-          <a:p>
-            <a:r>
-              <a:rPr lang="en-US" sz="2000" b="1" dirty="0" err="1">
-                <a:latin typeface="72" panose="020B0503030000000003" pitchFamily="34" charset="0"/>
-                <a:cs typeface="72" panose="020B0503030000000003" pitchFamily="34" charset="0"/>
-              </a:rPr>
-              <a:t>Fecha</a:t>
-            </a:r>
-            <a:r>
-              <a:rPr lang="en-US" sz="2000" b="1" dirty="0">
-                <a:latin typeface="72" panose="020B0503030000000003" pitchFamily="34" charset="0"/>
-                <a:cs typeface="72" panose="020B0503030000000003" pitchFamily="34" charset="0"/>
-              </a:rPr>
-              <a:t> de </a:t>
-            </a:r>
-            <a:r>
-              <a:rPr lang="en-US" sz="2000" b="1" dirty="0" err="1">
-                <a:latin typeface="72" panose="020B0503030000000003" pitchFamily="34" charset="0"/>
-                <a:cs typeface="72" panose="020B0503030000000003" pitchFamily="34" charset="0"/>
-              </a:rPr>
-              <a:t>entrega</a:t>
-            </a:r>
-            <a:r>
-              <a:rPr lang="en-US" sz="2000" b="1" dirty="0">
-                <a:latin typeface="72" panose="020B0503030000000003" pitchFamily="34" charset="0"/>
-                <a:cs typeface="72" panose="020B0503030000000003" pitchFamily="34" charset="0"/>
-              </a:rPr>
-              <a:t>: </a:t>
-            </a:r>
-            <a:r>
-              <a:rPr lang="en-US" sz="2000" dirty="0">
-                <a:latin typeface="72" panose="020B0503030000000003" pitchFamily="34" charset="0"/>
-                <a:cs typeface="72" panose="020B0503030000000003" pitchFamily="34" charset="0"/>
-              </a:rPr>
-              <a:t>3 de mayo @ 7:30 AM</a:t>
-            </a:r>
-          </a:p>
-          <a:p>
-            <a:endParaRPr lang="en-US" sz="2000" dirty="0">
-              <a:latin typeface="72" panose="020B0503030000000003" pitchFamily="34" charset="0"/>
-              <a:cs typeface="72" panose="020B0503030000000003" pitchFamily="34" charset="0"/>
-            </a:endParaRPr>
-          </a:p>
-          <a:p>
-            <a:r>
-              <a:rPr lang="es-MX" sz="2000" dirty="0">
-                <a:latin typeface="72" panose="020B0503030000000003" pitchFamily="34" charset="0"/>
-                <a:cs typeface="72" panose="020B0503030000000003" pitchFamily="34" charset="0"/>
-              </a:rPr>
-              <a:t>Adicionalmente, de manera aleatoria, 5 equipos tendrán que presentar sus proyectos frente al salón de clase. </a:t>
-            </a:r>
-          </a:p>
-          <a:p>
-            <a:endParaRPr lang="es-MX" sz="2000" dirty="0">
-              <a:latin typeface="72" panose="020B0503030000000003" pitchFamily="34" charset="0"/>
-              <a:cs typeface="72" panose="020B0503030000000003" pitchFamily="34" charset="0"/>
-            </a:endParaRPr>
-          </a:p>
-          <a:p>
-            <a:r>
-              <a:rPr lang="es-MX" sz="2000" dirty="0">
-                <a:latin typeface="72" panose="020B0503030000000003" pitchFamily="34" charset="0"/>
-                <a:cs typeface="72" panose="020B0503030000000003" pitchFamily="34" charset="0"/>
-              </a:rPr>
-              <a:t>La demostración deberá ser similar al video grabado, pero en vivo.</a:t>
-            </a:r>
-          </a:p>
-          <a:p>
-            <a:endParaRPr lang="es-MX" sz="2000" b="1" dirty="0">
-              <a:latin typeface="72" panose="020B0503030000000003" pitchFamily="34" charset="0"/>
-              <a:cs typeface="72" panose="020B0503030000000003" pitchFamily="34" charset="0"/>
-            </a:endParaRPr>
-          </a:p>
-        </p:txBody>
-      </p:sp>
-    </p:spTree>
-    <p:extLst>
-      <p:ext uri="{BB962C8B-B14F-4D97-AF65-F5344CB8AC3E}">
-        <p14:creationId xmlns:p14="http://schemas.microsoft.com/office/powerpoint/2010/main" val="2263232405"/>
-      </p:ext>
-    </p:extLst>
-  </p:cSld>
-  <p:clrMapOvr>
-    <a:masterClrMapping/>
-  </p:clrMapOvr>
-  <p:timing>
-    <p:tnLst>
-      <p:par>
-        <p:cTn id="1" dur="indefinite" restart="never" nodeType="tmRoot">
-          <p:childTnLst>
-            <p:seq concurrent="1" nextAc="seek">
-              <p:cTn id="2" dur="indefinite" nodeType="mainSeq">
-                <p:childTnLst>
-                  <p:par>
-                    <p:cTn id="3" fill="hold">
-                      <p:stCondLst>
-                        <p:cond delay="indefinite"/>
-                      </p:stCondLst>
-                      <p:childTnLst>
-                        <p:par>
-                          <p:cTn id="4" fill="hold">
-                            <p:stCondLst>
-                              <p:cond delay="0"/>
-                            </p:stCondLst>
-                            <p:childTnLst>
-                              <p:par>
-                                <p:cTn id="5" presetID="2" presetClass="entr" presetSubtype="4" fill="hold" nodeType="clickEffect">
-                                  <p:stCondLst>
-                                    <p:cond delay="0"/>
-                                  </p:stCondLst>
-                                  <p:childTnLst>
-                                    <p:set>
-                                      <p:cBhvr>
-                                        <p:cTn id="6" dur="1" fill="hold">
-                                          <p:stCondLst>
-                                            <p:cond delay="0"/>
-                                          </p:stCondLst>
-                                        </p:cTn>
-                                        <p:tgtEl>
-                                          <p:spTgt spid="12"/>
-                                        </p:tgtEl>
-                                        <p:attrNameLst>
-                                          <p:attrName>style.visibility</p:attrName>
-                                        </p:attrNameLst>
-                                      </p:cBhvr>
-                                      <p:to>
-                                        <p:strVal val="visible"/>
-                                      </p:to>
-                                    </p:set>
-                                    <p:anim calcmode="lin" valueType="num">
-                                      <p:cBhvr additive="base">
-                                        <p:cTn id="7" dur="500" fill="hold"/>
-                                        <p:tgtEl>
-                                          <p:spTgt spid="12"/>
-                                        </p:tgtEl>
-                                        <p:attrNameLst>
-                                          <p:attrName>ppt_x</p:attrName>
-                                        </p:attrNameLst>
-                                      </p:cBhvr>
-                                      <p:tavLst>
-                                        <p:tav tm="0">
-                                          <p:val>
-                                            <p:strVal val="#ppt_x"/>
-                                          </p:val>
-                                        </p:tav>
-                                        <p:tav tm="100000">
-                                          <p:val>
-                                            <p:strVal val="#ppt_x"/>
-                                          </p:val>
-                                        </p:tav>
-                                      </p:tavLst>
-                                    </p:anim>
-                                    <p:anim calcmode="lin" valueType="num">
-                                      <p:cBhvr additive="base">
-                                        <p:cTn id="8" dur="500" fill="hold"/>
-                                        <p:tgtEl>
-                                          <p:spTgt spid="12"/>
-                                        </p:tgtEl>
-                                        <p:attrNameLst>
-                                          <p:attrName>ppt_y</p:attrName>
-                                        </p:attrNameLst>
-                                      </p:cBhvr>
-                                      <p:tavLst>
-                                        <p:tav tm="0">
-                                          <p:val>
-                                            <p:strVal val="1+#ppt_h/2"/>
-                                          </p:val>
-                                        </p:tav>
-                                        <p:tav tm="100000">
-                                          <p:val>
-                                            <p:strVal val="#ppt_y"/>
-                                          </p:val>
-                                        </p:tav>
-                                      </p:tavLst>
-                                    </p:anim>
-                                  </p:childTnLst>
-                                </p:cTn>
-                              </p:par>
-                            </p:childTnLst>
-                          </p:cTn>
-                        </p:par>
-                      </p:childTnLst>
-                    </p:cTn>
-                  </p:par>
-                  <p:par>
-                    <p:cTn id="9" fill="hold">
-                      <p:stCondLst>
-                        <p:cond delay="indefinite"/>
-                      </p:stCondLst>
-                      <p:childTnLst>
-                        <p:par>
-                          <p:cTn id="10" fill="hold">
-                            <p:stCondLst>
-                              <p:cond delay="0"/>
-                            </p:stCondLst>
-                            <p:childTnLst>
-                              <p:par>
-                                <p:cTn id="11" presetID="1" presetClass="entr" presetSubtype="0" fill="hold" nodeType="clickEffect">
-                                  <p:stCondLst>
-                                    <p:cond delay="0"/>
-                                  </p:stCondLst>
-                                  <p:childTnLst>
-                                    <p:set>
-                                      <p:cBhvr>
-                                        <p:cTn id="12" dur="1" fill="hold">
-                                          <p:stCondLst>
-                                            <p:cond delay="0"/>
-                                          </p:stCondLst>
-                                        </p:cTn>
-                                        <p:tgtEl>
-                                          <p:spTgt spid="2">
-                                            <p:txEl>
-                                              <p:pRg st="0" end="0"/>
-                                            </p:txEl>
-                                          </p:spTgt>
-                                        </p:tgtEl>
-                                        <p:attrNameLst>
-                                          <p:attrName>style.visibility</p:attrName>
-                                        </p:attrNameLst>
-                                      </p:cBhvr>
-                                      <p:to>
-                                        <p:strVal val="visible"/>
-                                      </p:to>
-                                    </p:set>
-                                  </p:childTnLst>
-                                </p:cTn>
-                              </p:par>
-                            </p:childTnLst>
-                          </p:cTn>
-                        </p:par>
-                      </p:childTnLst>
-                    </p:cTn>
-                  </p:par>
-                  <p:par>
-                    <p:cTn id="13" fill="hold">
-                      <p:stCondLst>
-                        <p:cond delay="indefinite"/>
-                      </p:stCondLst>
-                      <p:childTnLst>
-                        <p:par>
-                          <p:cTn id="14" fill="hold">
-                            <p:stCondLst>
-                              <p:cond delay="0"/>
-                            </p:stCondLst>
-                            <p:childTnLst>
-                              <p:par>
-                                <p:cTn id="15" presetID="1" presetClass="entr" presetSubtype="0" fill="hold" nodeType="clickEffect">
-                                  <p:stCondLst>
-                                    <p:cond delay="0"/>
-                                  </p:stCondLst>
-                                  <p:childTnLst>
-                                    <p:set>
-                                      <p:cBhvr>
-                                        <p:cTn id="16" dur="1" fill="hold">
-                                          <p:stCondLst>
-                                            <p:cond delay="0"/>
-                                          </p:stCondLst>
-                                        </p:cTn>
-                                        <p:tgtEl>
-                                          <p:spTgt spid="2">
-                                            <p:txEl>
-                                              <p:pRg st="2" end="2"/>
-                                            </p:txEl>
-                                          </p:spTgt>
-                                        </p:tgtEl>
-                                        <p:attrNameLst>
-                                          <p:attrName>style.visibility</p:attrName>
-                                        </p:attrNameLst>
-                                      </p:cBhvr>
-                                      <p:to>
-                                        <p:strVal val="visible"/>
-                                      </p:to>
-                                    </p:set>
-                                  </p:childTnLst>
-                                </p:cTn>
-                              </p:par>
-                            </p:childTnLst>
-                          </p:cTn>
-                        </p:par>
-                      </p:childTnLst>
-                    </p:cTn>
-                  </p:par>
-                  <p:par>
-                    <p:cTn id="17" fill="hold">
-                      <p:stCondLst>
-                        <p:cond delay="indefinite"/>
-                      </p:stCondLst>
-                      <p:childTnLst>
-                        <p:par>
-                          <p:cTn id="18" fill="hold">
-                            <p:stCondLst>
-                              <p:cond delay="0"/>
-                            </p:stCondLst>
-                            <p:childTnLst>
-                              <p:par>
-                                <p:cTn id="19" presetID="1" presetClass="entr" presetSubtype="0" fill="hold" nodeType="clickEffect">
-                                  <p:stCondLst>
-                                    <p:cond delay="0"/>
-                                  </p:stCondLst>
-                                  <p:childTnLst>
-                                    <p:set>
-                                      <p:cBhvr>
-                                        <p:cTn id="20" dur="1" fill="hold">
-                                          <p:stCondLst>
-                                            <p:cond delay="0"/>
-                                          </p:stCondLst>
-                                        </p:cTn>
-                                        <p:tgtEl>
-                                          <p:spTgt spid="2">
-                                            <p:txEl>
-                                              <p:pRg st="4" end="4"/>
-                                            </p:txEl>
-                                          </p:spTgt>
-                                        </p:tgtEl>
-                                        <p:attrNameLst>
-                                          <p:attrName>style.visibility</p:attrName>
-                                        </p:attrNameLst>
-                                      </p:cBhvr>
-                                      <p:to>
-                                        <p:strVal val="visible"/>
-                                      </p:to>
-                                    </p:set>
-                                  </p:childTnLst>
-                                </p:cTn>
-                              </p:par>
-                            </p:childTnLst>
-                          </p:cTn>
-                        </p:par>
-                      </p:childTnLst>
-                    </p:cTn>
-                  </p:par>
-                </p:childTnLst>
-              </p:cTn>
-              <p:prevCondLst>
-                <p:cond evt="onPrev" delay="0">
-                  <p:tgtEl>
-                    <p:sldTgt/>
-                  </p:tgtEl>
-                </p:cond>
-              </p:prevCondLst>
-              <p:nextCondLst>
-                <p:cond evt="onNext" delay="0">
-                  <p:tgtEl>
-                    <p:sldTgt/>
-                  </p:tgtEl>
-                </p:cond>
-              </p:nextCondLst>
-            </p:seq>
-          </p:childTnLst>
-        </p:cTn>
-      </p:par>
-    </p:tnLst>
-  </p:timing>
-</p:sld>
-</file>
-
-<file path=ppt/slides/slide13.xml><?xml version="1.0" encoding="utf-8"?>
-<p:sld xmlns:a="http://schemas.openxmlformats.org/drawingml/2006/main" xmlns:r="http://schemas.openxmlformats.org/officeDocument/2006/relationships" xmlns:p="http://schemas.openxmlformats.org/presentationml/2006/main">
-  <p:cSld>
-    <p:spTree>
-      <p:nvGrpSpPr>
-        <p:cNvPr id="1" name=""/>
-        <p:cNvGrpSpPr/>
-        <p:nvPr/>
-      </p:nvGrpSpPr>
-      <p:grpSpPr>
-        <a:xfrm>
-          <a:off x="0" y="0"/>
-          <a:ext cx="0" cy="0"/>
-          <a:chOff x="0" y="0"/>
-          <a:chExt cx="0" cy="0"/>
-        </a:xfrm>
-      </p:grpSpPr>
-      <p:sp>
-        <p:nvSpPr>
           <p:cNvPr id="2" name="Title 1">
             <a:extLst>
               <a:ext uri="{FF2B5EF4-FFF2-40B4-BE49-F238E27FC236}">
@@ -7308,7 +7103,11 @@
           <a:p>
             <a:r>
               <a:rPr lang="es-MX" dirty="0"/>
-              <a:t>Comentarios Finales</a:t>
+              <a:t>Final </a:t>
+            </a:r>
+            <a:r>
+              <a:rPr lang="es-MX" dirty="0" err="1"/>
+              <a:t>Comments</a:t>
             </a:r>
             <a:endParaRPr lang="en-US" dirty="0"/>
           </a:p>
@@ -7329,7 +7128,7 @@
         <p:spPr>
           <a:xfrm>
             <a:off x="3567545" y="357800"/>
-            <a:ext cx="5146964" cy="2862322"/>
+            <a:ext cx="5146964" cy="1938992"/>
           </a:xfrm>
           <a:prstGeom prst="rect">
             <a:avLst/>
@@ -7342,13 +7141,57 @@
           </a:bodyPr>
           <a:lstStyle/>
           <a:p>
-            <a:r>
-              <a:rPr lang="es-MX" sz="2000" b="1" dirty="0">
-                <a:latin typeface="72" panose="020B0503030000000003" pitchFamily="34" charset="0"/>
+            <a:pPr marL="342900" indent="-342900">
+              <a:buFont typeface="Arial" panose="020B0604020202020204" pitchFamily="34" charset="0"/>
+              <a:buChar char="•"/>
+            </a:pPr>
+            <a:r>
+              <a:rPr lang="es-MX" sz="2000" dirty="0" err="1">
+                <a:latin typeface="Arial" panose="020B0604020202020204" pitchFamily="34" charset="0"/>
                 <a:ea typeface="Roboto" panose="020B0604020202020204" charset="0"/>
-                <a:cs typeface="72" panose="020B0503030000000003" pitchFamily="34" charset="0"/>
-              </a:rPr>
-              <a:t>Modalidad de trabajo</a:t>
+                <a:cs typeface="Arial" panose="020B0604020202020204" pitchFamily="34" charset="0"/>
+              </a:rPr>
+              <a:t>Teams</a:t>
+            </a:r>
+            <a:r>
+              <a:rPr lang="es-MX" sz="2000" dirty="0">
+                <a:latin typeface="Arial" panose="020B0604020202020204" pitchFamily="34" charset="0"/>
+                <a:ea typeface="Roboto" panose="020B0604020202020204" charset="0"/>
+                <a:cs typeface="Arial" panose="020B0604020202020204" pitchFamily="34" charset="0"/>
+              </a:rPr>
+              <a:t> </a:t>
+            </a:r>
+            <a:r>
+              <a:rPr lang="es-MX" sz="2000" dirty="0" err="1">
+                <a:latin typeface="Arial" panose="020B0604020202020204" pitchFamily="34" charset="0"/>
+                <a:ea typeface="Roboto" panose="020B0604020202020204" charset="0"/>
+                <a:cs typeface="Arial" panose="020B0604020202020204" pitchFamily="34" charset="0"/>
+              </a:rPr>
+              <a:t>of</a:t>
+            </a:r>
+            <a:r>
+              <a:rPr lang="es-MX" sz="2000" dirty="0">
+                <a:latin typeface="Arial" panose="020B0604020202020204" pitchFamily="34" charset="0"/>
+                <a:ea typeface="Roboto" panose="020B0604020202020204" charset="0"/>
+                <a:cs typeface="Arial" panose="020B0604020202020204" pitchFamily="34" charset="0"/>
+              </a:rPr>
+              <a:t> up </a:t>
+            </a:r>
+            <a:r>
+              <a:rPr lang="es-MX" sz="2000" dirty="0" err="1">
+                <a:latin typeface="Arial" panose="020B0604020202020204" pitchFamily="34" charset="0"/>
+                <a:ea typeface="Roboto" panose="020B0604020202020204" charset="0"/>
+                <a:cs typeface="Arial" panose="020B0604020202020204" pitchFamily="34" charset="0"/>
+              </a:rPr>
+              <a:t>to</a:t>
+            </a:r>
+            <a:r>
+              <a:rPr lang="es-MX" sz="2000" dirty="0">
+                <a:latin typeface="Arial" panose="020B0604020202020204" pitchFamily="34" charset="0"/>
+                <a:ea typeface="Roboto" panose="020B0604020202020204" charset="0"/>
+                <a:cs typeface="Arial" panose="020B0604020202020204" pitchFamily="34" charset="0"/>
+              </a:rPr>
+              <a:t> 3</a:t>
             </a:r>
           </a:p>
           <a:p>
@@ -7356,30 +7199,76 @@
               <a:buFont typeface="Arial" panose="020B0604020202020204" pitchFamily="34" charset="0"/>
               <a:buChar char="•"/>
             </a:pPr>
-            <a:r>
-              <a:rPr lang="es-MX" sz="2000" dirty="0">
-                <a:latin typeface="72" panose="020B0503030000000003" pitchFamily="34" charset="0"/>
-                <a:ea typeface="Roboto" panose="020B0604020202020204" charset="0"/>
-                <a:cs typeface="72" panose="020B0503030000000003" pitchFamily="34" charset="0"/>
-              </a:rPr>
-              <a:t>Individual, o en equipos de 2 ó 3 personas</a:t>
-            </a:r>
-          </a:p>
-          <a:p>
             <a:endParaRPr lang="es-MX" sz="2000" dirty="0">
-              <a:latin typeface="72" panose="020B0503030000000003" pitchFamily="34" charset="0"/>
+              <a:latin typeface="Arial" panose="020B0604020202020204" pitchFamily="34" charset="0"/>
               <a:ea typeface="Roboto" panose="020B0604020202020204" charset="0"/>
-              <a:cs typeface="72" panose="020B0503030000000003" pitchFamily="34" charset="0"/>
+              <a:cs typeface="Arial" panose="020B0604020202020204" pitchFamily="34" charset="0"/>
             </a:endParaRPr>
           </a:p>
           <a:p>
             <a:r>
+              <a:rPr lang="es-MX" sz="2000" b="1" dirty="0" err="1">
+                <a:latin typeface="Arial" panose="020B0604020202020204" pitchFamily="34" charset="0"/>
+                <a:ea typeface="Roboto" panose="020B0604020202020204" charset="0"/>
+                <a:cs typeface="Arial" panose="020B0604020202020204" pitchFamily="34" charset="0"/>
+              </a:rPr>
+              <a:t>Grading</a:t>
+            </a:r>
+            <a:r>
               <a:rPr lang="es-MX" sz="2000" b="1" dirty="0">
-                <a:latin typeface="72" panose="020B0503030000000003" pitchFamily="34" charset="0"/>
+                <a:latin typeface="Arial" panose="020B0604020202020204" pitchFamily="34" charset="0"/>
                 <a:ea typeface="Roboto" panose="020B0604020202020204" charset="0"/>
-                <a:cs typeface="72" panose="020B0503030000000003" pitchFamily="34" charset="0"/>
-              </a:rPr>
-              <a:t>Ponderación (20 puntos de calificación final)</a:t>
+                <a:cs typeface="Arial" panose="020B0604020202020204" pitchFamily="34" charset="0"/>
+              </a:rPr>
+              <a:t> (20 </a:t>
+            </a:r>
+            <a:r>
+              <a:rPr lang="es-MX" sz="2000" b="1" dirty="0" err="1">
+                <a:latin typeface="Arial" panose="020B0604020202020204" pitchFamily="34" charset="0"/>
+                <a:ea typeface="Roboto" panose="020B0604020202020204" charset="0"/>
+                <a:cs typeface="Arial" panose="020B0604020202020204" pitchFamily="34" charset="0"/>
+              </a:rPr>
+              <a:t>points</a:t>
+            </a:r>
+            <a:r>
+              <a:rPr lang="es-MX" sz="2000" b="1" dirty="0">
+                <a:latin typeface="Arial" panose="020B0604020202020204" pitchFamily="34" charset="0"/>
+                <a:ea typeface="Roboto" panose="020B0604020202020204" charset="0"/>
+                <a:cs typeface="Arial" panose="020B0604020202020204" pitchFamily="34" charset="0"/>
+              </a:rPr>
+              <a:t> </a:t>
+            </a:r>
+            <a:r>
+              <a:rPr lang="es-MX" sz="2000" b="1" dirty="0" err="1">
+                <a:latin typeface="Arial" panose="020B0604020202020204" pitchFamily="34" charset="0"/>
+                <a:ea typeface="Roboto" panose="020B0604020202020204" charset="0"/>
+                <a:cs typeface="Arial" panose="020B0604020202020204" pitchFamily="34" charset="0"/>
+              </a:rPr>
+              <a:t>of</a:t>
+            </a:r>
+            <a:r>
+              <a:rPr lang="es-MX" sz="2000" b="1" dirty="0">
+                <a:latin typeface="Arial" panose="020B0604020202020204" pitchFamily="34" charset="0"/>
+                <a:ea typeface="Roboto" panose="020B0604020202020204" charset="0"/>
+                <a:cs typeface="Arial" panose="020B0604020202020204" pitchFamily="34" charset="0"/>
+              </a:rPr>
+              <a:t> </a:t>
+            </a:r>
+            <a:r>
+              <a:rPr lang="es-MX" sz="2000" b="1" dirty="0" err="1">
+                <a:latin typeface="Arial" panose="020B0604020202020204" pitchFamily="34" charset="0"/>
+                <a:ea typeface="Roboto" panose="020B0604020202020204" charset="0"/>
+                <a:cs typeface="Arial" panose="020B0604020202020204" pitchFamily="34" charset="0"/>
+              </a:rPr>
+              <a:t>the</a:t>
+            </a:r>
+            <a:r>
+              <a:rPr lang="es-MX" sz="2000" b="1" dirty="0">
+                <a:latin typeface="Arial" panose="020B0604020202020204" pitchFamily="34" charset="0"/>
+                <a:ea typeface="Roboto" panose="020B0604020202020204" charset="0"/>
+                <a:cs typeface="Arial" panose="020B0604020202020204" pitchFamily="34" charset="0"/>
+              </a:rPr>
+              <a:t> final grade)</a:t>
             </a:r>
           </a:p>
           <a:p>
@@ -7388,13 +7277,34 @@
               <a:buChar char="•"/>
             </a:pPr>
             <a:r>
+              <a:rPr lang="es-MX" sz="2000" dirty="0" err="1">
+                <a:latin typeface="Arial" panose="020B0604020202020204" pitchFamily="34" charset="0"/>
+                <a:ea typeface="Roboto" panose="020B0604020202020204" charset="0"/>
+                <a:cs typeface="Arial" panose="020B0604020202020204" pitchFamily="34" charset="0"/>
+              </a:rPr>
+              <a:t>Design</a:t>
+            </a:r>
+            <a:r>
               <a:rPr lang="es-MX" sz="2000" dirty="0">
-                <a:latin typeface="72" panose="020B0503030000000003" pitchFamily="34" charset="0"/>
+                <a:latin typeface="Arial" panose="020B0604020202020204" pitchFamily="34" charset="0"/>
                 <a:ea typeface="Roboto" panose="020B0604020202020204" charset="0"/>
-                <a:cs typeface="72" panose="020B0503030000000003" pitchFamily="34" charset="0"/>
-              </a:rPr>
-              <a:t>Diseño: 5 puntos</a:t>
-            </a:r>
+                <a:cs typeface="Arial" panose="020B0604020202020204" pitchFamily="34" charset="0"/>
+              </a:rPr>
+              <a:t>: 5 </a:t>
+            </a:r>
+            <a:r>
+              <a:rPr lang="es-MX" sz="2000" dirty="0" err="1">
+                <a:latin typeface="Arial" panose="020B0604020202020204" pitchFamily="34" charset="0"/>
+                <a:ea typeface="Roboto" panose="020B0604020202020204" charset="0"/>
+                <a:cs typeface="Arial" panose="020B0604020202020204" pitchFamily="34" charset="0"/>
+              </a:rPr>
+              <a:t>points</a:t>
+            </a:r>
+            <a:endParaRPr lang="es-MX" sz="2000" dirty="0">
+              <a:latin typeface="Arial" panose="020B0604020202020204" pitchFamily="34" charset="0"/>
+              <a:ea typeface="Roboto" panose="020B0604020202020204" charset="0"/>
+              <a:cs typeface="Arial" panose="020B0604020202020204" pitchFamily="34" charset="0"/>
+            </a:endParaRPr>
           </a:p>
           <a:p>
             <a:pPr marL="342900" indent="-342900">
@@ -7402,13 +7312,34 @@
               <a:buChar char="•"/>
             </a:pPr>
             <a:r>
+              <a:rPr lang="es-MX" sz="2000" dirty="0" err="1">
+                <a:latin typeface="Arial" panose="020B0604020202020204" pitchFamily="34" charset="0"/>
+                <a:ea typeface="Roboto" panose="020B0604020202020204" charset="0"/>
+                <a:cs typeface="Arial" panose="020B0604020202020204" pitchFamily="34" charset="0"/>
+              </a:rPr>
+              <a:t>Coding</a:t>
+            </a:r>
+            <a:r>
               <a:rPr lang="es-MX" sz="2000" dirty="0">
-                <a:latin typeface="72" panose="020B0503030000000003" pitchFamily="34" charset="0"/>
+                <a:latin typeface="Arial" panose="020B0604020202020204" pitchFamily="34" charset="0"/>
                 <a:ea typeface="Roboto" panose="020B0604020202020204" charset="0"/>
-                <a:cs typeface="72" panose="020B0503030000000003" pitchFamily="34" charset="0"/>
-              </a:rPr>
-              <a:t>Codificación: 10 puntos</a:t>
-            </a:r>
+                <a:cs typeface="Arial" panose="020B0604020202020204" pitchFamily="34" charset="0"/>
+              </a:rPr>
+              <a:t>: 10 </a:t>
+            </a:r>
+            <a:r>
+              <a:rPr lang="es-MX" sz="2000" dirty="0" err="1">
+                <a:latin typeface="Arial" panose="020B0604020202020204" pitchFamily="34" charset="0"/>
+                <a:ea typeface="Roboto" panose="020B0604020202020204" charset="0"/>
+                <a:cs typeface="Arial" panose="020B0604020202020204" pitchFamily="34" charset="0"/>
+              </a:rPr>
+              <a:t>points</a:t>
+            </a:r>
+            <a:endParaRPr lang="es-MX" sz="2000" dirty="0">
+              <a:latin typeface="Arial" panose="020B0604020202020204" pitchFamily="34" charset="0"/>
+              <a:ea typeface="Roboto" panose="020B0604020202020204" charset="0"/>
+              <a:cs typeface="Arial" panose="020B0604020202020204" pitchFamily="34" charset="0"/>
+            </a:endParaRPr>
           </a:p>
           <a:p>
             <a:pPr marL="342900" indent="-342900">
@@ -7417,16 +7348,24 @@
             </a:pPr>
             <a:r>
               <a:rPr lang="es-MX" sz="2000" dirty="0">
-                <a:latin typeface="72" panose="020B0503030000000003" pitchFamily="34" charset="0"/>
+                <a:latin typeface="Arial" panose="020B0604020202020204" pitchFamily="34" charset="0"/>
                 <a:ea typeface="Roboto" panose="020B0604020202020204" charset="0"/>
-                <a:cs typeface="72" panose="020B0503030000000003" pitchFamily="34" charset="0"/>
-              </a:rPr>
-              <a:t>Grabación y/o Demo: 5 puntos</a:t>
+                <a:cs typeface="Arial" panose="020B0604020202020204" pitchFamily="34" charset="0"/>
+              </a:rPr>
+              <a:t>Demo: 5 </a:t>
+            </a:r>
+            <a:r>
+              <a:rPr lang="es-MX" sz="2000" dirty="0" err="1">
+                <a:latin typeface="Arial" panose="020B0604020202020204" pitchFamily="34" charset="0"/>
+                <a:ea typeface="Roboto" panose="020B0604020202020204" charset="0"/>
+                <a:cs typeface="Arial" panose="020B0604020202020204" pitchFamily="34" charset="0"/>
+              </a:rPr>
+              <a:t>points</a:t>
             </a:r>
             <a:endParaRPr lang="en-US" sz="2000" dirty="0">
-              <a:latin typeface="72" panose="020B0503030000000003" pitchFamily="34" charset="0"/>
+              <a:latin typeface="Arial" panose="020B0604020202020204" pitchFamily="34" charset="0"/>
               <a:ea typeface="Roboto" panose="020B0604020202020204" charset="0"/>
-              <a:cs typeface="72" panose="020B0503030000000003" pitchFamily="34" charset="0"/>
+              <a:cs typeface="Arial" panose="020B0604020202020204" pitchFamily="34" charset="0"/>
             </a:endParaRPr>
           </a:p>
         </p:txBody>
@@ -7491,11 +7430,130 @@
               <a:buNone/>
             </a:pPr>
             <a:r>
+              <a:rPr lang="es-MX" sz="2000" dirty="0" err="1">
+                <a:latin typeface="Arial" panose="020B0604020202020204" pitchFamily="34" charset="0"/>
+                <a:cs typeface="Arial" panose="020B0604020202020204" pitchFamily="34" charset="0"/>
+              </a:rPr>
+              <a:t>Consolidate</a:t>
+            </a:r>
+            <a:r>
               <a:rPr lang="es-MX" sz="2000" dirty="0">
-                <a:latin typeface="72" panose="020B0503030000000003" pitchFamily="34" charset="0"/>
-                <a:cs typeface="72" panose="020B0503030000000003" pitchFamily="34" charset="0"/>
-              </a:rPr>
-              <a:t>El objetivo de la actividad integradora servirá para evaluar el aprendizaje aplicado obtenido durante la clase de Informática II.</a:t>
+                <a:latin typeface="Arial" panose="020B0604020202020204" pitchFamily="34" charset="0"/>
+                <a:cs typeface="Arial" panose="020B0604020202020204" pitchFamily="34" charset="0"/>
+              </a:rPr>
+              <a:t> </a:t>
+            </a:r>
+            <a:r>
+              <a:rPr lang="es-MX" sz="2000" dirty="0" err="1">
+                <a:latin typeface="Arial" panose="020B0604020202020204" pitchFamily="34" charset="0"/>
+                <a:cs typeface="Arial" panose="020B0604020202020204" pitchFamily="34" charset="0"/>
+              </a:rPr>
+              <a:t>the</a:t>
+            </a:r>
+            <a:r>
+              <a:rPr lang="es-MX" sz="2000" dirty="0">
+                <a:latin typeface="Arial" panose="020B0604020202020204" pitchFamily="34" charset="0"/>
+                <a:cs typeface="Arial" panose="020B0604020202020204" pitchFamily="34" charset="0"/>
+              </a:rPr>
+              <a:t> </a:t>
+            </a:r>
+            <a:r>
+              <a:rPr lang="es-MX" sz="2000" dirty="0" err="1">
+                <a:latin typeface="Arial" panose="020B0604020202020204" pitchFamily="34" charset="0"/>
+                <a:cs typeface="Arial" panose="020B0604020202020204" pitchFamily="34" charset="0"/>
+              </a:rPr>
+              <a:t>knowledge</a:t>
+            </a:r>
+            <a:r>
+              <a:rPr lang="es-MX" sz="2000" dirty="0">
+                <a:latin typeface="Arial" panose="020B0604020202020204" pitchFamily="34" charset="0"/>
+                <a:cs typeface="Arial" panose="020B0604020202020204" pitchFamily="34" charset="0"/>
+              </a:rPr>
+              <a:t> </a:t>
+            </a:r>
+            <a:r>
+              <a:rPr lang="es-MX" sz="2000" dirty="0" err="1">
+                <a:latin typeface="Arial" panose="020B0604020202020204" pitchFamily="34" charset="0"/>
+                <a:cs typeface="Arial" panose="020B0604020202020204" pitchFamily="34" charset="0"/>
+              </a:rPr>
+              <a:t>obtained</a:t>
+            </a:r>
+            <a:r>
+              <a:rPr lang="es-MX" sz="2000" dirty="0">
+                <a:latin typeface="Arial" panose="020B0604020202020204" pitchFamily="34" charset="0"/>
+                <a:cs typeface="Arial" panose="020B0604020202020204" pitchFamily="34" charset="0"/>
+              </a:rPr>
+              <a:t> </a:t>
+            </a:r>
+            <a:r>
+              <a:rPr lang="es-MX" sz="2000" dirty="0" err="1">
+                <a:latin typeface="Arial" panose="020B0604020202020204" pitchFamily="34" charset="0"/>
+                <a:cs typeface="Arial" panose="020B0604020202020204" pitchFamily="34" charset="0"/>
+              </a:rPr>
+              <a:t>throughout</a:t>
+            </a:r>
+            <a:r>
+              <a:rPr lang="es-MX" sz="2000" dirty="0">
+                <a:latin typeface="Arial" panose="020B0604020202020204" pitchFamily="34" charset="0"/>
+                <a:cs typeface="Arial" panose="020B0604020202020204" pitchFamily="34" charset="0"/>
+              </a:rPr>
+              <a:t> </a:t>
+            </a:r>
+            <a:r>
+              <a:rPr lang="es-MX" sz="2000" dirty="0" err="1">
+                <a:latin typeface="Arial" panose="020B0604020202020204" pitchFamily="34" charset="0"/>
+                <a:cs typeface="Arial" panose="020B0604020202020204" pitchFamily="34" charset="0"/>
+              </a:rPr>
+              <a:t>the</a:t>
+            </a:r>
+            <a:r>
+              <a:rPr lang="es-MX" sz="2000" dirty="0">
+                <a:latin typeface="Arial" panose="020B0604020202020204" pitchFamily="34" charset="0"/>
+                <a:cs typeface="Arial" panose="020B0604020202020204" pitchFamily="34" charset="0"/>
+              </a:rPr>
+              <a:t> </a:t>
+            </a:r>
+            <a:r>
+              <a:rPr lang="es-MX" sz="2000" dirty="0" err="1">
+                <a:latin typeface="Arial" panose="020B0604020202020204" pitchFamily="34" charset="0"/>
+                <a:cs typeface="Arial" panose="020B0604020202020204" pitchFamily="34" charset="0"/>
+              </a:rPr>
+              <a:t>Computer</a:t>
+            </a:r>
+            <a:r>
+              <a:rPr lang="es-MX" sz="2000" dirty="0">
+                <a:latin typeface="Arial" panose="020B0604020202020204" pitchFamily="34" charset="0"/>
+                <a:cs typeface="Arial" panose="020B0604020202020204" pitchFamily="34" charset="0"/>
+              </a:rPr>
+              <a:t> </a:t>
+            </a:r>
+            <a:r>
+              <a:rPr lang="es-MX" sz="2000" dirty="0" err="1">
+                <a:latin typeface="Arial" panose="020B0604020202020204" pitchFamily="34" charset="0"/>
+                <a:cs typeface="Arial" panose="020B0604020202020204" pitchFamily="34" charset="0"/>
+              </a:rPr>
+              <a:t>Science</a:t>
+            </a:r>
+            <a:r>
+              <a:rPr lang="es-MX" sz="2000" dirty="0">
+                <a:latin typeface="Arial" panose="020B0604020202020204" pitchFamily="34" charset="0"/>
+                <a:cs typeface="Arial" panose="020B0604020202020204" pitchFamily="34" charset="0"/>
+              </a:rPr>
+              <a:t> 2 </a:t>
+            </a:r>
+            <a:r>
+              <a:rPr lang="es-MX" sz="2000" dirty="0" err="1">
+                <a:latin typeface="Arial" panose="020B0604020202020204" pitchFamily="34" charset="0"/>
+                <a:cs typeface="Arial" panose="020B0604020202020204" pitchFamily="34" charset="0"/>
+              </a:rPr>
+              <a:t>course</a:t>
+            </a:r>
+            <a:r>
+              <a:rPr lang="es-MX" sz="2000" dirty="0">
+                <a:latin typeface="Arial" panose="020B0604020202020204" pitchFamily="34" charset="0"/>
+                <a:cs typeface="Arial" panose="020B0604020202020204" pitchFamily="34" charset="0"/>
+              </a:rPr>
+              <a:t>.</a:t>
             </a:r>
           </a:p>
           <a:p>
@@ -7503,21 +7561,9 @@
               <a:buNone/>
             </a:pPr>
             <a:endParaRPr lang="es-MX" sz="2000" dirty="0">
-              <a:latin typeface="72" panose="020B0503030000000003" pitchFamily="34" charset="0"/>
-              <a:cs typeface="72" panose="020B0503030000000003" pitchFamily="34" charset="0"/>
+              <a:latin typeface="Arial" panose="020B0604020202020204" pitchFamily="34" charset="0"/>
+              <a:cs typeface="Arial" panose="020B0604020202020204" pitchFamily="34" charset="0"/>
             </a:endParaRPr>
-          </a:p>
-          <a:p>
-            <a:pPr marL="114300" indent="0">
-              <a:buNone/>
-            </a:pPr>
-            <a:r>
-              <a:rPr lang="es-MX" sz="2000" dirty="0">
-                <a:latin typeface="72" panose="020B0503030000000003" pitchFamily="34" charset="0"/>
-                <a:cs typeface="72" panose="020B0503030000000003" pitchFamily="34" charset="0"/>
-              </a:rPr>
-              <a:t>Se evaluarán:</a:t>
-            </a:r>
           </a:p>
           <a:p>
             <a:pPr>
@@ -7525,12 +7571,44 @@
               <a:buChar char="-"/>
             </a:pPr>
             <a:r>
+              <a:rPr lang="es-MX" sz="2000" dirty="0" err="1">
+                <a:latin typeface="Arial" panose="020B0604020202020204" pitchFamily="34" charset="0"/>
+                <a:cs typeface="Arial" panose="020B0604020202020204" pitchFamily="34" charset="0"/>
+              </a:rPr>
+              <a:t>Coding</a:t>
+            </a:r>
+            <a:r>
               <a:rPr lang="es-MX" sz="2000" dirty="0">
-                <a:latin typeface="72" panose="020B0503030000000003" pitchFamily="34" charset="0"/>
-                <a:cs typeface="72" panose="020B0503030000000003" pitchFamily="34" charset="0"/>
-              </a:rPr>
-              <a:t>Habilidades de diseño y programación</a:t>
-            </a:r>
+                <a:latin typeface="Arial" panose="020B0604020202020204" pitchFamily="34" charset="0"/>
+                <a:cs typeface="Arial" panose="020B0604020202020204" pitchFamily="34" charset="0"/>
+              </a:rPr>
+              <a:t> and </a:t>
+            </a:r>
+            <a:r>
+              <a:rPr lang="es-MX" sz="2000" dirty="0" err="1">
+                <a:latin typeface="Arial" panose="020B0604020202020204" pitchFamily="34" charset="0"/>
+                <a:cs typeface="Arial" panose="020B0604020202020204" pitchFamily="34" charset="0"/>
+              </a:rPr>
+              <a:t>design</a:t>
+            </a:r>
+            <a:r>
+              <a:rPr lang="es-MX" sz="2000" dirty="0">
+                <a:latin typeface="Arial" panose="020B0604020202020204" pitchFamily="34" charset="0"/>
+                <a:cs typeface="Arial" panose="020B0604020202020204" pitchFamily="34" charset="0"/>
+              </a:rPr>
+              <a:t> </a:t>
+            </a:r>
+            <a:r>
+              <a:rPr lang="es-MX" sz="2000" dirty="0" err="1">
+                <a:latin typeface="Arial" panose="020B0604020202020204" pitchFamily="34" charset="0"/>
+                <a:cs typeface="Arial" panose="020B0604020202020204" pitchFamily="34" charset="0"/>
+              </a:rPr>
+              <a:t>skills</a:t>
+            </a:r>
+            <a:endParaRPr lang="es-MX" sz="2000" dirty="0">
+              <a:latin typeface="Arial" panose="020B0604020202020204" pitchFamily="34" charset="0"/>
+              <a:cs typeface="Arial" panose="020B0604020202020204" pitchFamily="34" charset="0"/>
+            </a:endParaRPr>
           </a:p>
           <a:p>
             <a:pPr>
@@ -7538,12 +7616,44 @@
               <a:buChar char="-"/>
             </a:pPr>
             <a:r>
+              <a:rPr lang="es-MX" sz="2000" dirty="0" err="1">
+                <a:latin typeface="Arial" panose="020B0604020202020204" pitchFamily="34" charset="0"/>
+                <a:cs typeface="Arial" panose="020B0604020202020204" pitchFamily="34" charset="0"/>
+              </a:rPr>
+              <a:t>Logical</a:t>
+            </a:r>
+            <a:r>
               <a:rPr lang="es-MX" sz="2000" dirty="0">
-                <a:latin typeface="72" panose="020B0503030000000003" pitchFamily="34" charset="0"/>
-                <a:cs typeface="72" panose="020B0503030000000003" pitchFamily="34" charset="0"/>
-              </a:rPr>
-              <a:t>Pensamiento algorítmico y lógico</a:t>
-            </a:r>
+                <a:latin typeface="Arial" panose="020B0604020202020204" pitchFamily="34" charset="0"/>
+                <a:cs typeface="Arial" panose="020B0604020202020204" pitchFamily="34" charset="0"/>
+              </a:rPr>
+              <a:t> and </a:t>
+            </a:r>
+            <a:r>
+              <a:rPr lang="es-MX" sz="2000" dirty="0" err="1">
+                <a:latin typeface="Arial" panose="020B0604020202020204" pitchFamily="34" charset="0"/>
+                <a:cs typeface="Arial" panose="020B0604020202020204" pitchFamily="34" charset="0"/>
+              </a:rPr>
+              <a:t>algorithmical</a:t>
+            </a:r>
+            <a:r>
+              <a:rPr lang="es-MX" sz="2000" dirty="0">
+                <a:latin typeface="Arial" panose="020B0604020202020204" pitchFamily="34" charset="0"/>
+                <a:cs typeface="Arial" panose="020B0604020202020204" pitchFamily="34" charset="0"/>
+              </a:rPr>
+              <a:t> </a:t>
+            </a:r>
+            <a:r>
+              <a:rPr lang="es-MX" sz="2000" dirty="0" err="1">
+                <a:latin typeface="Arial" panose="020B0604020202020204" pitchFamily="34" charset="0"/>
+                <a:cs typeface="Arial" panose="020B0604020202020204" pitchFamily="34" charset="0"/>
+              </a:rPr>
+              <a:t>thinking</a:t>
+            </a:r>
+            <a:endParaRPr lang="es-MX" sz="2000" dirty="0">
+              <a:latin typeface="Arial" panose="020B0604020202020204" pitchFamily="34" charset="0"/>
+              <a:cs typeface="Arial" panose="020B0604020202020204" pitchFamily="34" charset="0"/>
+            </a:endParaRPr>
           </a:p>
         </p:txBody>
       </p:sp>
@@ -7728,8 +7838,44 @@
               <a:buNone/>
             </a:pPr>
             <a:r>
+              <a:rPr lang="es-MX" sz="3900" dirty="0" err="1"/>
+              <a:t>What</a:t>
+            </a:r>
+            <a:r>
               <a:rPr lang="es-MX" sz="3900" dirty="0"/>
-              <a:t>¿En qué consiste el proyecto?</a:t>
+              <a:t> </a:t>
+            </a:r>
+            <a:r>
+              <a:rPr lang="es-MX" sz="3900" dirty="0" err="1"/>
+              <a:t>is</a:t>
+            </a:r>
+            <a:r>
+              <a:rPr lang="es-MX" sz="3900" dirty="0"/>
+              <a:t> </a:t>
+            </a:r>
+            <a:r>
+              <a:rPr lang="es-MX" sz="3900" dirty="0" err="1"/>
+              <a:t>the</a:t>
+            </a:r>
+            <a:r>
+              <a:rPr lang="es-MX" sz="3900" dirty="0"/>
+              <a:t> </a:t>
+            </a:r>
+            <a:r>
+              <a:rPr lang="es-MX" sz="3900" dirty="0" err="1"/>
+              <a:t>project</a:t>
+            </a:r>
+            <a:r>
+              <a:rPr lang="es-MX" sz="3900" dirty="0"/>
+              <a:t> </a:t>
+            </a:r>
+            <a:r>
+              <a:rPr lang="es-MX" sz="3900" dirty="0" err="1"/>
+              <a:t>about</a:t>
+            </a:r>
+            <a:r>
+              <a:rPr lang="es-MX" sz="3900" dirty="0"/>
+              <a:t>?</a:t>
             </a:r>
           </a:p>
         </p:txBody>
@@ -7776,14 +7922,64 @@
               <a:buNone/>
             </a:pPr>
             <a:r>
+              <a:rPr lang="es-MX" sz="2400" dirty="0" err="1">
+                <a:solidFill>
+                  <a:srgbClr val="000000"/>
+                </a:solidFill>
+                <a:latin typeface="Arial" panose="020B0604020202020204" pitchFamily="34" charset="0"/>
+                <a:cs typeface="Arial" panose="020B0604020202020204" pitchFamily="34" charset="0"/>
+              </a:rPr>
+              <a:t>Analysis</a:t>
+            </a:r>
+            <a:r>
               <a:rPr lang="es-MX" sz="2400" dirty="0">
                 <a:solidFill>
                   <a:srgbClr val="000000"/>
                 </a:solidFill>
-                <a:latin typeface="72" panose="020B0503030000000003" pitchFamily="34" charset="0"/>
-                <a:cs typeface="72" panose="020B0503030000000003" pitchFamily="34" charset="0"/>
-              </a:rPr>
-              <a:t>Análisis de sets de datos utilizando Java</a:t>
+                <a:latin typeface="Arial" panose="020B0604020202020204" pitchFamily="34" charset="0"/>
+                <a:cs typeface="Arial" panose="020B0604020202020204" pitchFamily="34" charset="0"/>
+              </a:rPr>
+              <a:t> </a:t>
+            </a:r>
+            <a:r>
+              <a:rPr lang="es-MX" sz="2400" dirty="0" err="1">
+                <a:solidFill>
+                  <a:srgbClr val="000000"/>
+                </a:solidFill>
+                <a:latin typeface="Arial" panose="020B0604020202020204" pitchFamily="34" charset="0"/>
+                <a:cs typeface="Arial" panose="020B0604020202020204" pitchFamily="34" charset="0"/>
+              </a:rPr>
+              <a:t>of</a:t>
+            </a:r>
+            <a:r>
+              <a:rPr lang="es-MX" sz="2400" dirty="0">
+                <a:solidFill>
+                  <a:srgbClr val="000000"/>
+                </a:solidFill>
+                <a:latin typeface="Arial" panose="020B0604020202020204" pitchFamily="34" charset="0"/>
+                <a:cs typeface="Arial" panose="020B0604020202020204" pitchFamily="34" charset="0"/>
+              </a:rPr>
+              <a:t> a data set </a:t>
+            </a:r>
+            <a:r>
+              <a:rPr lang="es-MX" sz="2400" dirty="0" err="1">
+                <a:solidFill>
+                  <a:srgbClr val="000000"/>
+                </a:solidFill>
+                <a:latin typeface="Arial" panose="020B0604020202020204" pitchFamily="34" charset="0"/>
+                <a:cs typeface="Arial" panose="020B0604020202020204" pitchFamily="34" charset="0"/>
+              </a:rPr>
+              <a:t>using</a:t>
+            </a:r>
+            <a:r>
+              <a:rPr lang="es-MX" sz="2400" dirty="0">
+                <a:solidFill>
+                  <a:srgbClr val="000000"/>
+                </a:solidFill>
+                <a:latin typeface="Arial" panose="020B0604020202020204" pitchFamily="34" charset="0"/>
+                <a:cs typeface="Arial" panose="020B0604020202020204" pitchFamily="34" charset="0"/>
+              </a:rPr>
+              <a:t> Java</a:t>
             </a:r>
           </a:p>
           <a:p>
@@ -7793,14 +7989,204 @@
               </a:lnSpc>
             </a:pPr>
             <a:r>
+              <a:rPr lang="es-MX" dirty="0" err="1">
+                <a:solidFill>
+                  <a:srgbClr val="000000"/>
+                </a:solidFill>
+                <a:latin typeface="Arial" panose="020B0604020202020204" pitchFamily="34" charset="0"/>
+                <a:cs typeface="Arial" panose="020B0604020202020204" pitchFamily="34" charset="0"/>
+              </a:rPr>
+              <a:t>For</a:t>
+            </a:r>
+            <a:r>
               <a:rPr lang="es-MX" dirty="0">
                 <a:solidFill>
                   <a:srgbClr val="000000"/>
                 </a:solidFill>
-                <a:latin typeface="72" panose="020B0503030000000003" pitchFamily="34" charset="0"/>
-                <a:cs typeface="72" panose="020B0503030000000003" pitchFamily="34" charset="0"/>
-              </a:rPr>
-              <a:t>En este proyecto, utilizarás Java para analizar un set de datos de tu elección.</a:t>
+                <a:latin typeface="Arial" panose="020B0604020202020204" pitchFamily="34" charset="0"/>
+                <a:cs typeface="Arial" panose="020B0604020202020204" pitchFamily="34" charset="0"/>
+              </a:rPr>
+              <a:t> </a:t>
+            </a:r>
+            <a:r>
+              <a:rPr lang="es-MX" dirty="0" err="1">
+                <a:solidFill>
+                  <a:srgbClr val="000000"/>
+                </a:solidFill>
+                <a:latin typeface="Arial" panose="020B0604020202020204" pitchFamily="34" charset="0"/>
+                <a:cs typeface="Arial" panose="020B0604020202020204" pitchFamily="34" charset="0"/>
+              </a:rPr>
+              <a:t>this</a:t>
+            </a:r>
+            <a:r>
+              <a:rPr lang="es-MX" dirty="0">
+                <a:solidFill>
+                  <a:srgbClr val="000000"/>
+                </a:solidFill>
+                <a:latin typeface="Arial" panose="020B0604020202020204" pitchFamily="34" charset="0"/>
+                <a:cs typeface="Arial" panose="020B0604020202020204" pitchFamily="34" charset="0"/>
+              </a:rPr>
+              <a:t> </a:t>
+            </a:r>
+            <a:r>
+              <a:rPr lang="es-MX" dirty="0" err="1">
+                <a:solidFill>
+                  <a:srgbClr val="000000"/>
+                </a:solidFill>
+                <a:latin typeface="Arial" panose="020B0604020202020204" pitchFamily="34" charset="0"/>
+                <a:cs typeface="Arial" panose="020B0604020202020204" pitchFamily="34" charset="0"/>
+              </a:rPr>
+              <a:t>project</a:t>
+            </a:r>
+            <a:r>
+              <a:rPr lang="es-MX" dirty="0">
+                <a:solidFill>
+                  <a:srgbClr val="000000"/>
+                </a:solidFill>
+                <a:latin typeface="Arial" panose="020B0604020202020204" pitchFamily="34" charset="0"/>
+                <a:cs typeface="Arial" panose="020B0604020202020204" pitchFamily="34" charset="0"/>
+              </a:rPr>
+              <a:t>, </a:t>
+            </a:r>
+            <a:r>
+              <a:rPr lang="es-MX" dirty="0" err="1">
+                <a:solidFill>
+                  <a:srgbClr val="000000"/>
+                </a:solidFill>
+                <a:latin typeface="Arial" panose="020B0604020202020204" pitchFamily="34" charset="0"/>
+                <a:cs typeface="Arial" panose="020B0604020202020204" pitchFamily="34" charset="0"/>
+              </a:rPr>
+              <a:t>you</a:t>
+            </a:r>
+            <a:r>
+              <a:rPr lang="es-MX" dirty="0">
+                <a:solidFill>
+                  <a:srgbClr val="000000"/>
+                </a:solidFill>
+                <a:latin typeface="Arial" panose="020B0604020202020204" pitchFamily="34" charset="0"/>
+                <a:cs typeface="Arial" panose="020B0604020202020204" pitchFamily="34" charset="0"/>
+              </a:rPr>
+              <a:t> </a:t>
+            </a:r>
+            <a:r>
+              <a:rPr lang="es-MX" dirty="0" err="1">
+                <a:solidFill>
+                  <a:srgbClr val="000000"/>
+                </a:solidFill>
+                <a:latin typeface="Arial" panose="020B0604020202020204" pitchFamily="34" charset="0"/>
+                <a:cs typeface="Arial" panose="020B0604020202020204" pitchFamily="34" charset="0"/>
+              </a:rPr>
+              <a:t>will</a:t>
+            </a:r>
+            <a:r>
+              <a:rPr lang="es-MX" dirty="0">
+                <a:solidFill>
+                  <a:srgbClr val="000000"/>
+                </a:solidFill>
+                <a:latin typeface="Arial" panose="020B0604020202020204" pitchFamily="34" charset="0"/>
+                <a:cs typeface="Arial" panose="020B0604020202020204" pitchFamily="34" charset="0"/>
+              </a:rPr>
+              <a:t> use Java </a:t>
+            </a:r>
+            <a:r>
+              <a:rPr lang="es-MX" dirty="0" err="1">
+                <a:solidFill>
+                  <a:srgbClr val="000000"/>
+                </a:solidFill>
+                <a:latin typeface="Arial" panose="020B0604020202020204" pitchFamily="34" charset="0"/>
+                <a:cs typeface="Arial" panose="020B0604020202020204" pitchFamily="34" charset="0"/>
+              </a:rPr>
+              <a:t>to</a:t>
+            </a:r>
+            <a:r>
+              <a:rPr lang="es-MX" dirty="0">
+                <a:solidFill>
+                  <a:srgbClr val="000000"/>
+                </a:solidFill>
+                <a:latin typeface="Arial" panose="020B0604020202020204" pitchFamily="34" charset="0"/>
+                <a:cs typeface="Arial" panose="020B0604020202020204" pitchFamily="34" charset="0"/>
+              </a:rPr>
+              <a:t> </a:t>
+            </a:r>
+            <a:r>
+              <a:rPr lang="es-MX" dirty="0" err="1">
+                <a:solidFill>
+                  <a:srgbClr val="000000"/>
+                </a:solidFill>
+                <a:latin typeface="Arial" panose="020B0604020202020204" pitchFamily="34" charset="0"/>
+                <a:cs typeface="Arial" panose="020B0604020202020204" pitchFamily="34" charset="0"/>
+              </a:rPr>
+              <a:t>analyse</a:t>
+            </a:r>
+            <a:r>
+              <a:rPr lang="es-MX" dirty="0">
+                <a:solidFill>
+                  <a:srgbClr val="000000"/>
+                </a:solidFill>
+                <a:latin typeface="Arial" panose="020B0604020202020204" pitchFamily="34" charset="0"/>
+                <a:cs typeface="Arial" panose="020B0604020202020204" pitchFamily="34" charset="0"/>
+              </a:rPr>
+              <a:t> a data set </a:t>
+            </a:r>
+            <a:r>
+              <a:rPr lang="es-MX" dirty="0" err="1">
+                <a:solidFill>
+                  <a:srgbClr val="000000"/>
+                </a:solidFill>
+                <a:latin typeface="Arial" panose="020B0604020202020204" pitchFamily="34" charset="0"/>
+                <a:cs typeface="Arial" panose="020B0604020202020204" pitchFamily="34" charset="0"/>
+              </a:rPr>
+              <a:t>of</a:t>
+            </a:r>
+            <a:r>
+              <a:rPr lang="es-MX" dirty="0">
+                <a:solidFill>
+                  <a:srgbClr val="000000"/>
+                </a:solidFill>
+                <a:latin typeface="Arial" panose="020B0604020202020204" pitchFamily="34" charset="0"/>
+                <a:cs typeface="Arial" panose="020B0604020202020204" pitchFamily="34" charset="0"/>
+              </a:rPr>
+              <a:t> </a:t>
+            </a:r>
+            <a:r>
+              <a:rPr lang="es-MX" dirty="0" err="1">
+                <a:solidFill>
+                  <a:srgbClr val="000000"/>
+                </a:solidFill>
+                <a:latin typeface="Arial" panose="020B0604020202020204" pitchFamily="34" charset="0"/>
+                <a:cs typeface="Arial" panose="020B0604020202020204" pitchFamily="34" charset="0"/>
+              </a:rPr>
+              <a:t>your</a:t>
+            </a:r>
+            <a:r>
+              <a:rPr lang="es-MX" dirty="0">
+                <a:solidFill>
+                  <a:srgbClr val="000000"/>
+                </a:solidFill>
+                <a:latin typeface="Arial" panose="020B0604020202020204" pitchFamily="34" charset="0"/>
+                <a:cs typeface="Arial" panose="020B0604020202020204" pitchFamily="34" charset="0"/>
+              </a:rPr>
+              <a:t> </a:t>
+            </a:r>
+            <a:r>
+              <a:rPr lang="es-MX" dirty="0" err="1">
+                <a:solidFill>
+                  <a:srgbClr val="000000"/>
+                </a:solidFill>
+                <a:latin typeface="Arial" panose="020B0604020202020204" pitchFamily="34" charset="0"/>
+                <a:cs typeface="Arial" panose="020B0604020202020204" pitchFamily="34" charset="0"/>
+              </a:rPr>
+              <a:t>choosing</a:t>
+            </a:r>
+            <a:r>
+              <a:rPr lang="es-MX" dirty="0">
+                <a:solidFill>
+                  <a:srgbClr val="000000"/>
+                </a:solidFill>
+                <a:latin typeface="Arial" panose="020B0604020202020204" pitchFamily="34" charset="0"/>
+                <a:cs typeface="Arial" panose="020B0604020202020204" pitchFamily="34" charset="0"/>
+              </a:rPr>
+              <a:t>.</a:t>
             </a:r>
           </a:p>
           <a:p>
@@ -7810,14 +8196,144 @@
               </a:lnSpc>
             </a:pPr>
             <a:r>
+              <a:rPr lang="es-MX" dirty="0" err="1">
+                <a:solidFill>
+                  <a:srgbClr val="000000"/>
+                </a:solidFill>
+                <a:latin typeface="Arial" panose="020B0604020202020204" pitchFamily="34" charset="0"/>
+                <a:cs typeface="Arial" panose="020B0604020202020204" pitchFamily="34" charset="0"/>
+              </a:rPr>
+              <a:t>Your</a:t>
+            </a:r>
+            <a:r>
               <a:rPr lang="es-MX" dirty="0">
                 <a:solidFill>
                   <a:srgbClr val="000000"/>
                 </a:solidFill>
-                <a:latin typeface="72" panose="020B0503030000000003" pitchFamily="34" charset="0"/>
-                <a:cs typeface="72" panose="020B0503030000000003" pitchFamily="34" charset="0"/>
-              </a:rPr>
-              <a:t>Identificarás un set de datos que te interese, y deberás crear un programa que se encargue de leer, procesar y analizar la información.</a:t>
+                <a:latin typeface="Arial" panose="020B0604020202020204" pitchFamily="34" charset="0"/>
+                <a:cs typeface="Arial" panose="020B0604020202020204" pitchFamily="34" charset="0"/>
+              </a:rPr>
+              <a:t> </a:t>
+            </a:r>
+            <a:r>
+              <a:rPr lang="es-MX" dirty="0" err="1">
+                <a:solidFill>
+                  <a:srgbClr val="000000"/>
+                </a:solidFill>
+                <a:latin typeface="Arial" panose="020B0604020202020204" pitchFamily="34" charset="0"/>
+                <a:cs typeface="Arial" panose="020B0604020202020204" pitchFamily="34" charset="0"/>
+              </a:rPr>
+              <a:t>program</a:t>
+            </a:r>
+            <a:r>
+              <a:rPr lang="es-MX" dirty="0">
+                <a:solidFill>
+                  <a:srgbClr val="000000"/>
+                </a:solidFill>
+                <a:latin typeface="Arial" panose="020B0604020202020204" pitchFamily="34" charset="0"/>
+                <a:cs typeface="Arial" panose="020B0604020202020204" pitchFamily="34" charset="0"/>
+              </a:rPr>
+              <a:t> </a:t>
+            </a:r>
+            <a:r>
+              <a:rPr lang="es-MX" dirty="0" err="1">
+                <a:solidFill>
+                  <a:srgbClr val="000000"/>
+                </a:solidFill>
+                <a:latin typeface="Arial" panose="020B0604020202020204" pitchFamily="34" charset="0"/>
+                <a:cs typeface="Arial" panose="020B0604020202020204" pitchFamily="34" charset="0"/>
+              </a:rPr>
+              <a:t>will</a:t>
+            </a:r>
+            <a:r>
+              <a:rPr lang="es-MX" dirty="0">
+                <a:solidFill>
+                  <a:srgbClr val="000000"/>
+                </a:solidFill>
+                <a:latin typeface="Arial" panose="020B0604020202020204" pitchFamily="34" charset="0"/>
+                <a:cs typeface="Arial" panose="020B0604020202020204" pitchFamily="34" charset="0"/>
+              </a:rPr>
+              <a:t> </a:t>
+            </a:r>
+            <a:r>
+              <a:rPr lang="es-MX" dirty="0" err="1">
+                <a:solidFill>
+                  <a:srgbClr val="000000"/>
+                </a:solidFill>
+                <a:latin typeface="Arial" panose="020B0604020202020204" pitchFamily="34" charset="0"/>
+                <a:cs typeface="Arial" panose="020B0604020202020204" pitchFamily="34" charset="0"/>
+              </a:rPr>
+              <a:t>read</a:t>
+            </a:r>
+            <a:r>
+              <a:rPr lang="es-MX" dirty="0">
+                <a:solidFill>
+                  <a:srgbClr val="000000"/>
+                </a:solidFill>
+                <a:latin typeface="Arial" panose="020B0604020202020204" pitchFamily="34" charset="0"/>
+                <a:cs typeface="Arial" panose="020B0604020202020204" pitchFamily="34" charset="0"/>
+              </a:rPr>
+              <a:t>, </a:t>
+            </a:r>
+            <a:r>
+              <a:rPr lang="es-MX" dirty="0" err="1">
+                <a:solidFill>
+                  <a:srgbClr val="000000"/>
+                </a:solidFill>
+                <a:latin typeface="Arial" panose="020B0604020202020204" pitchFamily="34" charset="0"/>
+                <a:cs typeface="Arial" panose="020B0604020202020204" pitchFamily="34" charset="0"/>
+              </a:rPr>
+              <a:t>process</a:t>
+            </a:r>
+            <a:r>
+              <a:rPr lang="es-MX" dirty="0">
+                <a:solidFill>
+                  <a:srgbClr val="000000"/>
+                </a:solidFill>
+                <a:latin typeface="Arial" panose="020B0604020202020204" pitchFamily="34" charset="0"/>
+                <a:cs typeface="Arial" panose="020B0604020202020204" pitchFamily="34" charset="0"/>
+              </a:rPr>
+              <a:t>, and </a:t>
+            </a:r>
+            <a:r>
+              <a:rPr lang="es-MX" dirty="0" err="1">
+                <a:solidFill>
+                  <a:srgbClr val="000000"/>
+                </a:solidFill>
+                <a:latin typeface="Arial" panose="020B0604020202020204" pitchFamily="34" charset="0"/>
+                <a:cs typeface="Arial" panose="020B0604020202020204" pitchFamily="34" charset="0"/>
+              </a:rPr>
+              <a:t>analyse</a:t>
+            </a:r>
+            <a:r>
+              <a:rPr lang="es-MX" dirty="0">
+                <a:solidFill>
+                  <a:srgbClr val="000000"/>
+                </a:solidFill>
+                <a:latin typeface="Arial" panose="020B0604020202020204" pitchFamily="34" charset="0"/>
+                <a:cs typeface="Arial" panose="020B0604020202020204" pitchFamily="34" charset="0"/>
+              </a:rPr>
+              <a:t> </a:t>
+            </a:r>
+            <a:r>
+              <a:rPr lang="es-MX" dirty="0" err="1">
+                <a:solidFill>
+                  <a:srgbClr val="000000"/>
+                </a:solidFill>
+                <a:latin typeface="Arial" panose="020B0604020202020204" pitchFamily="34" charset="0"/>
+                <a:cs typeface="Arial" panose="020B0604020202020204" pitchFamily="34" charset="0"/>
+              </a:rPr>
+              <a:t>information</a:t>
+            </a:r>
+            <a:r>
+              <a:rPr lang="es-MX" dirty="0">
+                <a:solidFill>
+                  <a:srgbClr val="000000"/>
+                </a:solidFill>
+                <a:latin typeface="Arial" panose="020B0604020202020204" pitchFamily="34" charset="0"/>
+                <a:cs typeface="Arial" panose="020B0604020202020204" pitchFamily="34" charset="0"/>
+              </a:rPr>
+              <a:t>.</a:t>
             </a:r>
           </a:p>
           <a:p>
@@ -7831,10 +8347,290 @@
                 <a:solidFill>
                   <a:srgbClr val="000000"/>
                 </a:solidFill>
-                <a:latin typeface="72" panose="020B0503030000000003" pitchFamily="34" charset="0"/>
-                <a:cs typeface="72" panose="020B0503030000000003" pitchFamily="34" charset="0"/>
-              </a:rPr>
-              <a:t>Al finalizar, deberás desplegar resultados sobre el set de datos que has analizado.</a:t>
+                <a:latin typeface="Arial" panose="020B0604020202020204" pitchFamily="34" charset="0"/>
+                <a:cs typeface="Arial" panose="020B0604020202020204" pitchFamily="34" charset="0"/>
+              </a:rPr>
+              <a:t>At </a:t>
+            </a:r>
+            <a:r>
+              <a:rPr lang="es-MX" dirty="0" err="1">
+                <a:solidFill>
+                  <a:srgbClr val="000000"/>
+                </a:solidFill>
+                <a:latin typeface="Arial" panose="020B0604020202020204" pitchFamily="34" charset="0"/>
+                <a:cs typeface="Arial" panose="020B0604020202020204" pitchFamily="34" charset="0"/>
+              </a:rPr>
+              <a:t>the</a:t>
+            </a:r>
+            <a:r>
+              <a:rPr lang="es-MX" dirty="0">
+                <a:solidFill>
+                  <a:srgbClr val="000000"/>
+                </a:solidFill>
+                <a:latin typeface="Arial" panose="020B0604020202020204" pitchFamily="34" charset="0"/>
+                <a:cs typeface="Arial" panose="020B0604020202020204" pitchFamily="34" charset="0"/>
+              </a:rPr>
+              <a:t> </a:t>
+            </a:r>
+            <a:r>
+              <a:rPr lang="es-MX" dirty="0" err="1">
+                <a:solidFill>
+                  <a:srgbClr val="000000"/>
+                </a:solidFill>
+                <a:latin typeface="Arial" panose="020B0604020202020204" pitchFamily="34" charset="0"/>
+                <a:cs typeface="Arial" panose="020B0604020202020204" pitchFamily="34" charset="0"/>
+              </a:rPr>
+              <a:t>end</a:t>
+            </a:r>
+            <a:r>
+              <a:rPr lang="es-MX" dirty="0">
+                <a:solidFill>
+                  <a:srgbClr val="000000"/>
+                </a:solidFill>
+                <a:latin typeface="Arial" panose="020B0604020202020204" pitchFamily="34" charset="0"/>
+                <a:cs typeface="Arial" panose="020B0604020202020204" pitchFamily="34" charset="0"/>
+              </a:rPr>
+              <a:t>, </a:t>
+            </a:r>
+            <a:r>
+              <a:rPr lang="es-MX" dirty="0" err="1">
+                <a:solidFill>
+                  <a:srgbClr val="000000"/>
+                </a:solidFill>
+                <a:latin typeface="Arial" panose="020B0604020202020204" pitchFamily="34" charset="0"/>
+                <a:cs typeface="Arial" panose="020B0604020202020204" pitchFamily="34" charset="0"/>
+              </a:rPr>
+              <a:t>you</a:t>
+            </a:r>
+            <a:r>
+              <a:rPr lang="es-MX" dirty="0">
+                <a:solidFill>
+                  <a:srgbClr val="000000"/>
+                </a:solidFill>
+                <a:latin typeface="Arial" panose="020B0604020202020204" pitchFamily="34" charset="0"/>
+                <a:cs typeface="Arial" panose="020B0604020202020204" pitchFamily="34" charset="0"/>
+              </a:rPr>
+              <a:t> </a:t>
+            </a:r>
+            <a:r>
+              <a:rPr lang="es-MX" dirty="0" err="1">
+                <a:solidFill>
+                  <a:srgbClr val="000000"/>
+                </a:solidFill>
+                <a:latin typeface="Arial" panose="020B0604020202020204" pitchFamily="34" charset="0"/>
+                <a:cs typeface="Arial" panose="020B0604020202020204" pitchFamily="34" charset="0"/>
+              </a:rPr>
+              <a:t>should</a:t>
+            </a:r>
+            <a:r>
+              <a:rPr lang="es-MX" dirty="0">
+                <a:solidFill>
+                  <a:srgbClr val="000000"/>
+                </a:solidFill>
+                <a:latin typeface="Arial" panose="020B0604020202020204" pitchFamily="34" charset="0"/>
+                <a:cs typeface="Arial" panose="020B0604020202020204" pitchFamily="34" charset="0"/>
+              </a:rPr>
+              <a:t> </a:t>
+            </a:r>
+            <a:r>
+              <a:rPr lang="es-MX" dirty="0" err="1">
+                <a:solidFill>
+                  <a:srgbClr val="000000"/>
+                </a:solidFill>
+                <a:latin typeface="Arial" panose="020B0604020202020204" pitchFamily="34" charset="0"/>
+                <a:cs typeface="Arial" panose="020B0604020202020204" pitchFamily="34" charset="0"/>
+              </a:rPr>
+              <a:t>display</a:t>
+            </a:r>
+            <a:r>
+              <a:rPr lang="es-MX" dirty="0">
+                <a:solidFill>
+                  <a:srgbClr val="000000"/>
+                </a:solidFill>
+                <a:latin typeface="Arial" panose="020B0604020202020204" pitchFamily="34" charset="0"/>
+                <a:cs typeface="Arial" panose="020B0604020202020204" pitchFamily="34" charset="0"/>
+              </a:rPr>
+              <a:t> </a:t>
+            </a:r>
+            <a:r>
+              <a:rPr lang="es-MX" dirty="0" err="1">
+                <a:solidFill>
+                  <a:srgbClr val="000000"/>
+                </a:solidFill>
+                <a:latin typeface="Arial" panose="020B0604020202020204" pitchFamily="34" charset="0"/>
+                <a:cs typeface="Arial" panose="020B0604020202020204" pitchFamily="34" charset="0"/>
+              </a:rPr>
+              <a:t>some</a:t>
+            </a:r>
+            <a:r>
+              <a:rPr lang="es-MX" dirty="0">
+                <a:solidFill>
+                  <a:srgbClr val="000000"/>
+                </a:solidFill>
+                <a:latin typeface="Arial" panose="020B0604020202020204" pitchFamily="34" charset="0"/>
+                <a:cs typeface="Arial" panose="020B0604020202020204" pitchFamily="34" charset="0"/>
+              </a:rPr>
+              <a:t> </a:t>
+            </a:r>
+            <a:r>
+              <a:rPr lang="es-MX" dirty="0" err="1">
+                <a:solidFill>
+                  <a:srgbClr val="000000"/>
+                </a:solidFill>
+                <a:latin typeface="Arial" panose="020B0604020202020204" pitchFamily="34" charset="0"/>
+                <a:cs typeface="Arial" panose="020B0604020202020204" pitchFamily="34" charset="0"/>
+              </a:rPr>
+              <a:t>results</a:t>
+            </a:r>
+            <a:r>
+              <a:rPr lang="es-MX" dirty="0">
+                <a:solidFill>
+                  <a:srgbClr val="000000"/>
+                </a:solidFill>
+                <a:latin typeface="Arial" panose="020B0604020202020204" pitchFamily="34" charset="0"/>
+                <a:cs typeface="Arial" panose="020B0604020202020204" pitchFamily="34" charset="0"/>
+              </a:rPr>
+              <a:t> </a:t>
+            </a:r>
+            <a:r>
+              <a:rPr lang="es-MX" dirty="0" err="1">
+                <a:solidFill>
+                  <a:srgbClr val="000000"/>
+                </a:solidFill>
+                <a:latin typeface="Arial" panose="020B0604020202020204" pitchFamily="34" charset="0"/>
+                <a:cs typeface="Arial" panose="020B0604020202020204" pitchFamily="34" charset="0"/>
+              </a:rPr>
+              <a:t>or</a:t>
+            </a:r>
+            <a:r>
+              <a:rPr lang="es-MX" dirty="0">
+                <a:solidFill>
+                  <a:srgbClr val="000000"/>
+                </a:solidFill>
+                <a:latin typeface="Arial" panose="020B0604020202020204" pitchFamily="34" charset="0"/>
+                <a:cs typeface="Arial" panose="020B0604020202020204" pitchFamily="34" charset="0"/>
+              </a:rPr>
+              <a:t> </a:t>
+            </a:r>
+            <a:r>
+              <a:rPr lang="es-MX" dirty="0" err="1">
+                <a:solidFill>
+                  <a:srgbClr val="000000"/>
+                </a:solidFill>
+                <a:latin typeface="Arial" panose="020B0604020202020204" pitchFamily="34" charset="0"/>
+                <a:cs typeface="Arial" panose="020B0604020202020204" pitchFamily="34" charset="0"/>
+              </a:rPr>
+              <a:t>analysis</a:t>
+            </a:r>
+            <a:r>
+              <a:rPr lang="es-MX" dirty="0">
+                <a:solidFill>
+                  <a:srgbClr val="000000"/>
+                </a:solidFill>
+                <a:latin typeface="Arial" panose="020B0604020202020204" pitchFamily="34" charset="0"/>
+                <a:cs typeface="Arial" panose="020B0604020202020204" pitchFamily="34" charset="0"/>
+              </a:rPr>
+              <a:t> </a:t>
+            </a:r>
+            <a:r>
+              <a:rPr lang="es-MX" dirty="0" err="1">
+                <a:solidFill>
+                  <a:srgbClr val="000000"/>
+                </a:solidFill>
+                <a:latin typeface="Arial" panose="020B0604020202020204" pitchFamily="34" charset="0"/>
+                <a:cs typeface="Arial" panose="020B0604020202020204" pitchFamily="34" charset="0"/>
+              </a:rPr>
+              <a:t>of</a:t>
+            </a:r>
+            <a:r>
+              <a:rPr lang="es-MX" dirty="0">
+                <a:solidFill>
+                  <a:srgbClr val="000000"/>
+                </a:solidFill>
+                <a:latin typeface="Arial" panose="020B0604020202020204" pitchFamily="34" charset="0"/>
+                <a:cs typeface="Arial" panose="020B0604020202020204" pitchFamily="34" charset="0"/>
+              </a:rPr>
+              <a:t> </a:t>
+            </a:r>
+            <a:r>
+              <a:rPr lang="es-MX" dirty="0" err="1">
+                <a:solidFill>
+                  <a:srgbClr val="000000"/>
+                </a:solidFill>
+                <a:latin typeface="Arial" panose="020B0604020202020204" pitchFamily="34" charset="0"/>
+                <a:cs typeface="Arial" panose="020B0604020202020204" pitchFamily="34" charset="0"/>
+              </a:rPr>
+              <a:t>the</a:t>
+            </a:r>
+            <a:r>
+              <a:rPr lang="es-MX" dirty="0">
+                <a:solidFill>
+                  <a:srgbClr val="000000"/>
+                </a:solidFill>
+                <a:latin typeface="Arial" panose="020B0604020202020204" pitchFamily="34" charset="0"/>
+                <a:cs typeface="Arial" panose="020B0604020202020204" pitchFamily="34" charset="0"/>
+              </a:rPr>
+              <a:t> </a:t>
+            </a:r>
+            <a:r>
+              <a:rPr lang="es-MX" dirty="0" err="1">
+                <a:solidFill>
+                  <a:srgbClr val="000000"/>
+                </a:solidFill>
+                <a:latin typeface="Arial" panose="020B0604020202020204" pitchFamily="34" charset="0"/>
+                <a:cs typeface="Arial" panose="020B0604020202020204" pitchFamily="34" charset="0"/>
+              </a:rPr>
+              <a:t>dataset</a:t>
+            </a:r>
+            <a:r>
+              <a:rPr lang="es-MX" dirty="0">
+                <a:solidFill>
+                  <a:srgbClr val="000000"/>
+                </a:solidFill>
+                <a:latin typeface="Arial" panose="020B0604020202020204" pitchFamily="34" charset="0"/>
+                <a:cs typeface="Arial" panose="020B0604020202020204" pitchFamily="34" charset="0"/>
+              </a:rPr>
+              <a:t> </a:t>
+            </a:r>
+            <a:r>
+              <a:rPr lang="es-MX" dirty="0" err="1">
+                <a:solidFill>
+                  <a:srgbClr val="000000"/>
+                </a:solidFill>
+                <a:latin typeface="Arial" panose="020B0604020202020204" pitchFamily="34" charset="0"/>
+                <a:cs typeface="Arial" panose="020B0604020202020204" pitchFamily="34" charset="0"/>
+              </a:rPr>
+              <a:t>you</a:t>
+            </a:r>
+            <a:r>
+              <a:rPr lang="es-MX" dirty="0">
+                <a:solidFill>
+                  <a:srgbClr val="000000"/>
+                </a:solidFill>
+                <a:latin typeface="Arial" panose="020B0604020202020204" pitchFamily="34" charset="0"/>
+                <a:cs typeface="Arial" panose="020B0604020202020204" pitchFamily="34" charset="0"/>
+              </a:rPr>
+              <a:t> </a:t>
+            </a:r>
+            <a:r>
+              <a:rPr lang="es-MX" dirty="0" err="1">
+                <a:solidFill>
+                  <a:srgbClr val="000000"/>
+                </a:solidFill>
+                <a:latin typeface="Arial" panose="020B0604020202020204" pitchFamily="34" charset="0"/>
+                <a:cs typeface="Arial" panose="020B0604020202020204" pitchFamily="34" charset="0"/>
+              </a:rPr>
+              <a:t>chose</a:t>
+            </a:r>
+            <a:r>
+              <a:rPr lang="es-MX" dirty="0">
+                <a:solidFill>
+                  <a:srgbClr val="000000"/>
+                </a:solidFill>
+                <a:latin typeface="Arial" panose="020B0604020202020204" pitchFamily="34" charset="0"/>
+                <a:cs typeface="Arial" panose="020B0604020202020204" pitchFamily="34" charset="0"/>
+              </a:rPr>
+              <a:t>.</a:t>
             </a:r>
           </a:p>
         </p:txBody>
@@ -7952,8 +8748,44 @@
               <a:buNone/>
             </a:pPr>
             <a:r>
+              <a:rPr lang="es-MX" sz="3900" dirty="0" err="1"/>
+              <a:t>What</a:t>
+            </a:r>
+            <a:r>
               <a:rPr lang="es-MX" sz="3900" dirty="0"/>
-              <a:t>¿En qué consiste el proyecto?</a:t>
+              <a:t> </a:t>
+            </a:r>
+            <a:r>
+              <a:rPr lang="es-MX" sz="3900" dirty="0" err="1"/>
+              <a:t>is</a:t>
+            </a:r>
+            <a:r>
+              <a:rPr lang="es-MX" sz="3900" dirty="0"/>
+              <a:t> </a:t>
+            </a:r>
+            <a:r>
+              <a:rPr lang="es-MX" sz="3900" dirty="0" err="1"/>
+              <a:t>the</a:t>
+            </a:r>
+            <a:r>
+              <a:rPr lang="es-MX" sz="3900" dirty="0"/>
+              <a:t> </a:t>
+            </a:r>
+            <a:r>
+              <a:rPr lang="es-MX" sz="3900" dirty="0" err="1"/>
+              <a:t>project</a:t>
+            </a:r>
+            <a:r>
+              <a:rPr lang="es-MX" sz="3900" dirty="0"/>
+              <a:t> </a:t>
+            </a:r>
+            <a:r>
+              <a:rPr lang="es-MX" sz="3900" dirty="0" err="1"/>
+              <a:t>about</a:t>
+            </a:r>
+            <a:r>
+              <a:rPr lang="es-MX" sz="3900" dirty="0"/>
+              <a:t>?</a:t>
             </a:r>
           </a:p>
         </p:txBody>
@@ -7973,7 +8805,7 @@
         <p:spPr>
           <a:xfrm>
             <a:off x="471055" y="746897"/>
-            <a:ext cx="8342077" cy="2980624"/>
+            <a:ext cx="8342077" cy="2108141"/>
           </a:xfrm>
           <a:prstGeom prst="rect">
             <a:avLst/>
@@ -7999,18 +8831,68 @@
               <a:buNone/>
             </a:pPr>
             <a:r>
+              <a:rPr lang="es-MX" sz="1800" dirty="0" err="1">
+                <a:solidFill>
+                  <a:srgbClr val="000000"/>
+                </a:solidFill>
+                <a:latin typeface="Arial" panose="020B0604020202020204" pitchFamily="34" charset="0"/>
+                <a:cs typeface="Arial" panose="020B0604020202020204" pitchFamily="34" charset="0"/>
+              </a:rPr>
+              <a:t>Some</a:t>
+            </a:r>
+            <a:r>
               <a:rPr lang="es-MX" sz="1800" dirty="0">
                 <a:solidFill>
                   <a:srgbClr val="000000"/>
                 </a:solidFill>
-                <a:latin typeface="72" panose="020B0503030000000003" pitchFamily="34" charset="0"/>
-                <a:cs typeface="72" panose="020B0503030000000003" pitchFamily="34" charset="0"/>
-              </a:rPr>
-              <a:t>Los datos que procese tu programa deberán estar contenidos en un archivo de texto. Algunas ideas de fuentes de datos que puedes consultar están:</a:t>
+                <a:latin typeface="Arial" panose="020B0604020202020204" pitchFamily="34" charset="0"/>
+                <a:cs typeface="Arial" panose="020B0604020202020204" pitchFamily="34" charset="0"/>
+              </a:rPr>
+              <a:t> data </a:t>
+            </a:r>
+            <a:r>
+              <a:rPr lang="es-MX" sz="1800" dirty="0" err="1">
+                <a:solidFill>
+                  <a:srgbClr val="000000"/>
+                </a:solidFill>
+                <a:latin typeface="Arial" panose="020B0604020202020204" pitchFamily="34" charset="0"/>
+                <a:cs typeface="Arial" panose="020B0604020202020204" pitchFamily="34" charset="0"/>
+              </a:rPr>
+              <a:t>sources</a:t>
+            </a:r>
+            <a:r>
+              <a:rPr lang="es-MX" sz="1800" dirty="0">
+                <a:solidFill>
+                  <a:srgbClr val="000000"/>
+                </a:solidFill>
+                <a:latin typeface="Arial" panose="020B0604020202020204" pitchFamily="34" charset="0"/>
+                <a:cs typeface="Arial" panose="020B0604020202020204" pitchFamily="34" charset="0"/>
+              </a:rPr>
+              <a:t> </a:t>
+            </a:r>
+            <a:r>
+              <a:rPr lang="es-MX" sz="1800" dirty="0" err="1">
+                <a:solidFill>
+                  <a:srgbClr val="000000"/>
+                </a:solidFill>
+                <a:latin typeface="Arial" panose="020B0604020202020204" pitchFamily="34" charset="0"/>
+                <a:cs typeface="Arial" panose="020B0604020202020204" pitchFamily="34" charset="0"/>
+              </a:rPr>
+              <a:t>you</a:t>
+            </a:r>
+            <a:r>
+              <a:rPr lang="es-MX" sz="1800" dirty="0">
+                <a:solidFill>
+                  <a:srgbClr val="000000"/>
+                </a:solidFill>
+                <a:latin typeface="Arial" panose="020B0604020202020204" pitchFamily="34" charset="0"/>
+                <a:cs typeface="Arial" panose="020B0604020202020204" pitchFamily="34" charset="0"/>
+              </a:rPr>
+              <a:t> can use:</a:t>
             </a:r>
             <a:endParaRPr lang="es-MX" sz="1800" dirty="0">
-              <a:latin typeface="72" panose="020B0503030000000003" pitchFamily="34" charset="0"/>
-              <a:cs typeface="72" panose="020B0503030000000003" pitchFamily="34" charset="0"/>
+              <a:latin typeface="Arial" panose="020B0604020202020204" pitchFamily="34" charset="0"/>
+              <a:cs typeface="Arial" panose="020B0604020202020204" pitchFamily="34" charset="0"/>
             </a:endParaRPr>
           </a:p>
           <a:p>
@@ -8022,8 +8904,8 @@
               <a:buChar char="•"/>
             </a:pPr>
             <a:endParaRPr lang="es-MX" sz="1800" dirty="0">
-              <a:latin typeface="72" panose="020B0503030000000003" pitchFamily="34" charset="0"/>
-              <a:cs typeface="72" panose="020B0503030000000003" pitchFamily="34" charset="0"/>
+              <a:latin typeface="Arial" panose="020B0604020202020204" pitchFamily="34" charset="0"/>
+              <a:cs typeface="Arial" panose="020B0604020202020204" pitchFamily="34" charset="0"/>
             </a:endParaRPr>
           </a:p>
           <a:p>
@@ -8036,23 +8918,23 @@
             </a:pPr>
             <a:r>
               <a:rPr lang="es-MX" sz="1800" dirty="0">
-                <a:latin typeface="72" panose="020B0503030000000003" pitchFamily="34" charset="0"/>
-                <a:cs typeface="72" panose="020B0503030000000003" pitchFamily="34" charset="0"/>
+                <a:latin typeface="Arial" panose="020B0604020202020204" pitchFamily="34" charset="0"/>
+                <a:cs typeface="Arial" panose="020B0604020202020204" pitchFamily="34" charset="0"/>
               </a:rPr>
               <a:t>Kaggle.com (</a:t>
             </a:r>
             <a:r>
               <a:rPr lang="es-MX" sz="1800" dirty="0">
-                <a:latin typeface="72" panose="020B0503030000000003" pitchFamily="34" charset="0"/>
-                <a:cs typeface="72" panose="020B0503030000000003" pitchFamily="34" charset="0"/>
+                <a:latin typeface="Arial" panose="020B0604020202020204" pitchFamily="34" charset="0"/>
+                <a:cs typeface="Arial" panose="020B0604020202020204" pitchFamily="34" charset="0"/>
                 <a:hlinkClick r:id="rId3"/>
               </a:rPr>
               <a:t>https://www.kaggle.com</a:t>
             </a:r>
             <a:r>
               <a:rPr lang="es-MX" sz="1800" dirty="0">
-                <a:latin typeface="72" panose="020B0503030000000003" pitchFamily="34" charset="0"/>
-                <a:cs typeface="72" panose="020B0503030000000003" pitchFamily="34" charset="0"/>
+                <a:latin typeface="Arial" panose="020B0604020202020204" pitchFamily="34" charset="0"/>
+                <a:cs typeface="Arial" panose="020B0604020202020204" pitchFamily="34" charset="0"/>
               </a:rPr>
               <a:t>)</a:t>
             </a:r>
@@ -8073,23 +8955,23 @@
             </a:pPr>
             <a:r>
               <a:rPr lang="es-MX" sz="1800" dirty="0">
-                <a:latin typeface="72" panose="020B0503030000000003" pitchFamily="34" charset="0"/>
-                <a:cs typeface="72" panose="020B0503030000000003" pitchFamily="34" charset="0"/>
+                <a:latin typeface="Arial" panose="020B0604020202020204" pitchFamily="34" charset="0"/>
+                <a:cs typeface="Arial" panose="020B0604020202020204" pitchFamily="34" charset="0"/>
               </a:rPr>
               <a:t>INEGI (</a:t>
             </a:r>
             <a:r>
               <a:rPr lang="es-MX" sz="1800" dirty="0">
-                <a:latin typeface="72" panose="020B0503030000000003" pitchFamily="34" charset="0"/>
-                <a:cs typeface="72" panose="020B0503030000000003" pitchFamily="34" charset="0"/>
+                <a:latin typeface="Arial" panose="020B0604020202020204" pitchFamily="34" charset="0"/>
+                <a:cs typeface="Arial" panose="020B0604020202020204" pitchFamily="34" charset="0"/>
                 <a:hlinkClick r:id="rId4"/>
               </a:rPr>
               <a:t>https://www.inegi.org.mx</a:t>
             </a:r>
             <a:r>
               <a:rPr lang="es-MX" sz="1800" dirty="0">
-                <a:latin typeface="72" panose="020B0503030000000003" pitchFamily="34" charset="0"/>
-                <a:cs typeface="72" panose="020B0503030000000003" pitchFamily="34" charset="0"/>
+                <a:latin typeface="Arial" panose="020B0604020202020204" pitchFamily="34" charset="0"/>
+                <a:cs typeface="Arial" panose="020B0604020202020204" pitchFamily="34" charset="0"/>
               </a:rPr>
               <a:t>)</a:t>
             </a:r>
@@ -8110,23 +8992,23 @@
             </a:pPr>
             <a:r>
               <a:rPr lang="es-MX" sz="1800" dirty="0">
-                <a:latin typeface="72" panose="020B0503030000000003" pitchFamily="34" charset="0"/>
-                <a:cs typeface="72" panose="020B0503030000000003" pitchFamily="34" charset="0"/>
+                <a:latin typeface="Arial" panose="020B0604020202020204" pitchFamily="34" charset="0"/>
+                <a:cs typeface="Arial" panose="020B0604020202020204" pitchFamily="34" charset="0"/>
               </a:rPr>
               <a:t>Data.gov (</a:t>
             </a:r>
             <a:r>
               <a:rPr lang="es-MX" sz="1800" dirty="0">
-                <a:latin typeface="72" panose="020B0503030000000003" pitchFamily="34" charset="0"/>
-                <a:cs typeface="72" panose="020B0503030000000003" pitchFamily="34" charset="0"/>
+                <a:latin typeface="Arial" panose="020B0604020202020204" pitchFamily="34" charset="0"/>
+                <a:cs typeface="Arial" panose="020B0604020202020204" pitchFamily="34" charset="0"/>
                 <a:hlinkClick r:id="rId5"/>
               </a:rPr>
               <a:t>https://catalog.data.gov/dataset</a:t>
             </a:r>
             <a:r>
               <a:rPr lang="es-MX" sz="1800" dirty="0">
-                <a:latin typeface="72" panose="020B0503030000000003" pitchFamily="34" charset="0"/>
-                <a:cs typeface="72" panose="020B0503030000000003" pitchFamily="34" charset="0"/>
+                <a:latin typeface="Arial" panose="020B0604020202020204" pitchFamily="34" charset="0"/>
+                <a:cs typeface="Arial" panose="020B0604020202020204" pitchFamily="34" charset="0"/>
               </a:rPr>
               <a:t>)</a:t>
             </a:r>
@@ -8144,8 +9026,8 @@
               </a:spcAft>
             </a:pPr>
             <a:endParaRPr lang="es-MX" sz="1800" dirty="0">
-              <a:latin typeface="72" panose="020B0503030000000003" pitchFamily="34" charset="0"/>
-              <a:cs typeface="72" panose="020B0503030000000003" pitchFamily="34" charset="0"/>
+              <a:latin typeface="Arial" panose="020B0604020202020204" pitchFamily="34" charset="0"/>
+              <a:cs typeface="Arial" panose="020B0604020202020204" pitchFamily="34" charset="0"/>
             </a:endParaRPr>
           </a:p>
           <a:p>
@@ -8162,30 +9044,123 @@
             </a:pPr>
             <a:r>
               <a:rPr lang="es-MX" sz="1800" dirty="0">
-                <a:latin typeface="72" panose="020B0503030000000003" pitchFamily="34" charset="0"/>
-                <a:cs typeface="72" panose="020B0503030000000003" pitchFamily="34" charset="0"/>
-              </a:rPr>
-              <a:t>Como mínimo, la fuente de datos que utilices para el proyecto debe tener 300 líneas.</a:t>
-            </a:r>
-          </a:p>
-          <a:p>
-            <a:pPr marL="285750" lvl="0" indent="-285750" rtl="0">
-              <a:lnSpc>
-                <a:spcPct val="105000"/>
-              </a:lnSpc>
-              <a:spcBef>
-                <a:spcPts val="0"/>
-              </a:spcBef>
-              <a:spcAft>
-                <a:spcPts val="0"/>
-              </a:spcAft>
-              <a:buFont typeface="Arial" panose="020B0604020202020204" pitchFamily="34" charset="0"/>
-              <a:buChar char="•"/>
-            </a:pPr>
-            <a:endParaRPr lang="es-MX" sz="1800" dirty="0">
-              <a:latin typeface="72" panose="020B0503030000000003" pitchFamily="34" charset="0"/>
-              <a:cs typeface="72" panose="020B0503030000000003" pitchFamily="34" charset="0"/>
-            </a:endParaRPr>
+                <a:latin typeface="Arial" panose="020B0604020202020204" pitchFamily="34" charset="0"/>
+                <a:cs typeface="Arial" panose="020B0604020202020204" pitchFamily="34" charset="0"/>
+              </a:rPr>
+              <a:t>As a </a:t>
+            </a:r>
+            <a:r>
+              <a:rPr lang="es-MX" sz="1800" dirty="0" err="1">
+                <a:latin typeface="Arial" panose="020B0604020202020204" pitchFamily="34" charset="0"/>
+                <a:cs typeface="Arial" panose="020B0604020202020204" pitchFamily="34" charset="0"/>
+              </a:rPr>
+              <a:t>minimum</a:t>
+            </a:r>
+            <a:r>
+              <a:rPr lang="es-MX" sz="1800" dirty="0">
+                <a:latin typeface="Arial" panose="020B0604020202020204" pitchFamily="34" charset="0"/>
+                <a:cs typeface="Arial" panose="020B0604020202020204" pitchFamily="34" charset="0"/>
+              </a:rPr>
+              <a:t>, </a:t>
+            </a:r>
+            <a:r>
+              <a:rPr lang="es-MX" sz="1800" dirty="0" err="1">
+                <a:latin typeface="Arial" panose="020B0604020202020204" pitchFamily="34" charset="0"/>
+                <a:cs typeface="Arial" panose="020B0604020202020204" pitchFamily="34" charset="0"/>
+              </a:rPr>
+              <a:t>the</a:t>
+            </a:r>
+            <a:r>
+              <a:rPr lang="es-MX" sz="1800" dirty="0">
+                <a:latin typeface="Arial" panose="020B0604020202020204" pitchFamily="34" charset="0"/>
+                <a:cs typeface="Arial" panose="020B0604020202020204" pitchFamily="34" charset="0"/>
+              </a:rPr>
+              <a:t> </a:t>
+            </a:r>
+            <a:r>
+              <a:rPr lang="es-MX" sz="1800" dirty="0" err="1">
+                <a:latin typeface="Arial" panose="020B0604020202020204" pitchFamily="34" charset="0"/>
+                <a:cs typeface="Arial" panose="020B0604020202020204" pitchFamily="34" charset="0"/>
+              </a:rPr>
+              <a:t>dataset</a:t>
+            </a:r>
+            <a:r>
+              <a:rPr lang="es-MX" sz="1800" dirty="0">
+                <a:latin typeface="Arial" panose="020B0604020202020204" pitchFamily="34" charset="0"/>
+                <a:cs typeface="Arial" panose="020B0604020202020204" pitchFamily="34" charset="0"/>
+              </a:rPr>
+              <a:t> </a:t>
+            </a:r>
+            <a:r>
+              <a:rPr lang="es-MX" sz="1800" dirty="0" err="1">
+                <a:latin typeface="Arial" panose="020B0604020202020204" pitchFamily="34" charset="0"/>
+                <a:cs typeface="Arial" panose="020B0604020202020204" pitchFamily="34" charset="0"/>
+              </a:rPr>
+              <a:t>you</a:t>
+            </a:r>
+            <a:r>
+              <a:rPr lang="es-MX" sz="1800" dirty="0">
+                <a:latin typeface="Arial" panose="020B0604020202020204" pitchFamily="34" charset="0"/>
+                <a:cs typeface="Arial" panose="020B0604020202020204" pitchFamily="34" charset="0"/>
+              </a:rPr>
+              <a:t> pick </a:t>
+            </a:r>
+            <a:r>
+              <a:rPr lang="es-MX" sz="1800" dirty="0" err="1">
+                <a:latin typeface="Arial" panose="020B0604020202020204" pitchFamily="34" charset="0"/>
+                <a:cs typeface="Arial" panose="020B0604020202020204" pitchFamily="34" charset="0"/>
+              </a:rPr>
+              <a:t>should</a:t>
+            </a:r>
+            <a:r>
+              <a:rPr lang="es-MX" sz="1800" dirty="0">
+                <a:latin typeface="Arial" panose="020B0604020202020204" pitchFamily="34" charset="0"/>
+                <a:cs typeface="Arial" panose="020B0604020202020204" pitchFamily="34" charset="0"/>
+              </a:rPr>
+              <a:t> </a:t>
+            </a:r>
+            <a:r>
+              <a:rPr lang="es-MX" sz="1800" dirty="0" err="1">
+                <a:latin typeface="Arial" panose="020B0604020202020204" pitchFamily="34" charset="0"/>
+                <a:cs typeface="Arial" panose="020B0604020202020204" pitchFamily="34" charset="0"/>
+              </a:rPr>
+              <a:t>have</a:t>
+            </a:r>
+            <a:r>
+              <a:rPr lang="es-MX" sz="1800" dirty="0">
+                <a:latin typeface="Arial" panose="020B0604020202020204" pitchFamily="34" charset="0"/>
+                <a:cs typeface="Arial" panose="020B0604020202020204" pitchFamily="34" charset="0"/>
+              </a:rPr>
+              <a:t> at </a:t>
+            </a:r>
+            <a:r>
+              <a:rPr lang="es-MX" sz="1800" dirty="0" err="1">
+                <a:latin typeface="Arial" panose="020B0604020202020204" pitchFamily="34" charset="0"/>
+                <a:cs typeface="Arial" panose="020B0604020202020204" pitchFamily="34" charset="0"/>
+              </a:rPr>
+              <a:t>least</a:t>
+            </a:r>
+            <a:r>
+              <a:rPr lang="es-MX" sz="1800" dirty="0">
+                <a:latin typeface="Arial" panose="020B0604020202020204" pitchFamily="34" charset="0"/>
+                <a:cs typeface="Arial" panose="020B0604020202020204" pitchFamily="34" charset="0"/>
+              </a:rPr>
+              <a:t> 300 </a:t>
+            </a:r>
+            <a:r>
+              <a:rPr lang="es-MX" sz="1800" dirty="0" err="1">
+                <a:latin typeface="Arial" panose="020B0604020202020204" pitchFamily="34" charset="0"/>
+                <a:cs typeface="Arial" panose="020B0604020202020204" pitchFamily="34" charset="0"/>
+              </a:rPr>
+              <a:t>entries</a:t>
+            </a:r>
+            <a:r>
+              <a:rPr lang="es-MX" sz="1800" dirty="0">
+                <a:latin typeface="Arial" panose="020B0604020202020204" pitchFamily="34" charset="0"/>
+                <a:cs typeface="Arial" panose="020B0604020202020204" pitchFamily="34" charset="0"/>
+              </a:rPr>
+              <a:t>.</a:t>
+            </a:r>
           </a:p>
         </p:txBody>
       </p:sp>
@@ -8262,8 +9237,44 @@
               <a:buNone/>
             </a:pPr>
             <a:r>
+              <a:rPr lang="es-MX" sz="3900" dirty="0" err="1"/>
+              <a:t>What</a:t>
+            </a:r>
+            <a:r>
               <a:rPr lang="es-MX" sz="3900" dirty="0"/>
-              <a:t>¿En qué consiste el proyecto?</a:t>
+              <a:t> </a:t>
+            </a:r>
+            <a:r>
+              <a:rPr lang="es-MX" sz="3900" dirty="0" err="1"/>
+              <a:t>is</a:t>
+            </a:r>
+            <a:r>
+              <a:rPr lang="es-MX" sz="3900" dirty="0"/>
+              <a:t> </a:t>
+            </a:r>
+            <a:r>
+              <a:rPr lang="es-MX" sz="3900" dirty="0" err="1"/>
+              <a:t>the</a:t>
+            </a:r>
+            <a:r>
+              <a:rPr lang="es-MX" sz="3900" dirty="0"/>
+              <a:t> </a:t>
+            </a:r>
+            <a:r>
+              <a:rPr lang="es-MX" sz="3900" dirty="0" err="1"/>
+              <a:t>project</a:t>
+            </a:r>
+            <a:r>
+              <a:rPr lang="es-MX" sz="3900" dirty="0"/>
+              <a:t> </a:t>
+            </a:r>
+            <a:r>
+              <a:rPr lang="es-MX" sz="3900" dirty="0" err="1"/>
+              <a:t>about</a:t>
+            </a:r>
+            <a:r>
+              <a:rPr lang="es-MX" sz="3900" dirty="0"/>
+              <a:t>?</a:t>
             </a:r>
           </a:p>
         </p:txBody>
@@ -8283,7 +9294,7 @@
         <p:spPr>
           <a:xfrm>
             <a:off x="471055" y="746897"/>
-            <a:ext cx="8342077" cy="1526380"/>
+            <a:ext cx="8342077" cy="1526444"/>
           </a:xfrm>
           <a:prstGeom prst="rect">
             <a:avLst/>
@@ -8310,14 +9321,284 @@
               <a:buChar char="•"/>
             </a:pPr>
             <a:r>
+              <a:rPr lang="es-MX" sz="1800" dirty="0" err="1">
+                <a:solidFill>
+                  <a:srgbClr val="000000"/>
+                </a:solidFill>
+                <a:latin typeface="Arial" panose="020B0604020202020204" pitchFamily="34" charset="0"/>
+                <a:cs typeface="Arial" panose="020B0604020202020204" pitchFamily="34" charset="0"/>
+              </a:rPr>
+              <a:t>The</a:t>
+            </a:r>
+            <a:r>
               <a:rPr lang="es-MX" sz="1800" dirty="0">
                 <a:solidFill>
                   <a:srgbClr val="000000"/>
                 </a:solidFill>
-                <a:latin typeface="72" panose="020B0503030000000003" pitchFamily="34" charset="0"/>
-                <a:cs typeface="72" panose="020B0503030000000003" pitchFamily="34" charset="0"/>
-              </a:rPr>
-              <a:t>El programa deberá permitir al usuario elegir la fuente de datos a utilizar a través de un archivo de texto</a:t>
+                <a:latin typeface="Arial" panose="020B0604020202020204" pitchFamily="34" charset="0"/>
+                <a:cs typeface="Arial" panose="020B0604020202020204" pitchFamily="34" charset="0"/>
+              </a:rPr>
+              <a:t> </a:t>
+            </a:r>
+            <a:r>
+              <a:rPr lang="es-MX" sz="1800" dirty="0" err="1">
+                <a:solidFill>
+                  <a:srgbClr val="000000"/>
+                </a:solidFill>
+                <a:latin typeface="Arial" panose="020B0604020202020204" pitchFamily="34" charset="0"/>
+                <a:cs typeface="Arial" panose="020B0604020202020204" pitchFamily="34" charset="0"/>
+              </a:rPr>
+              <a:t>program</a:t>
+            </a:r>
+            <a:r>
+              <a:rPr lang="es-MX" sz="1800" dirty="0">
+                <a:solidFill>
+                  <a:srgbClr val="000000"/>
+                </a:solidFill>
+                <a:latin typeface="Arial" panose="020B0604020202020204" pitchFamily="34" charset="0"/>
+                <a:cs typeface="Arial" panose="020B0604020202020204" pitchFamily="34" charset="0"/>
+              </a:rPr>
+              <a:t> </a:t>
+            </a:r>
+            <a:r>
+              <a:rPr lang="es-MX" sz="1800" dirty="0" err="1">
+                <a:solidFill>
+                  <a:srgbClr val="000000"/>
+                </a:solidFill>
+                <a:latin typeface="Arial" panose="020B0604020202020204" pitchFamily="34" charset="0"/>
+                <a:cs typeface="Arial" panose="020B0604020202020204" pitchFamily="34" charset="0"/>
+              </a:rPr>
+              <a:t>should</a:t>
+            </a:r>
+            <a:r>
+              <a:rPr lang="es-MX" sz="1800" dirty="0">
+                <a:solidFill>
+                  <a:srgbClr val="000000"/>
+                </a:solidFill>
+                <a:latin typeface="Arial" panose="020B0604020202020204" pitchFamily="34" charset="0"/>
+                <a:cs typeface="Arial" panose="020B0604020202020204" pitchFamily="34" charset="0"/>
+              </a:rPr>
+              <a:t> </a:t>
+            </a:r>
+            <a:r>
+              <a:rPr lang="es-MX" sz="1800" dirty="0" err="1">
+                <a:solidFill>
+                  <a:srgbClr val="000000"/>
+                </a:solidFill>
+                <a:latin typeface="Arial" panose="020B0604020202020204" pitchFamily="34" charset="0"/>
+                <a:cs typeface="Arial" panose="020B0604020202020204" pitchFamily="34" charset="0"/>
+              </a:rPr>
+              <a:t>allow</a:t>
+            </a:r>
+            <a:r>
+              <a:rPr lang="es-MX" sz="1800" dirty="0">
+                <a:solidFill>
+                  <a:srgbClr val="000000"/>
+                </a:solidFill>
+                <a:latin typeface="Arial" panose="020B0604020202020204" pitchFamily="34" charset="0"/>
+                <a:cs typeface="Arial" panose="020B0604020202020204" pitchFamily="34" charset="0"/>
+              </a:rPr>
+              <a:t> </a:t>
+            </a:r>
+            <a:r>
+              <a:rPr lang="es-MX" sz="1800" dirty="0" err="1">
+                <a:solidFill>
+                  <a:srgbClr val="000000"/>
+                </a:solidFill>
+                <a:latin typeface="Arial" panose="020B0604020202020204" pitchFamily="34" charset="0"/>
+                <a:cs typeface="Arial" panose="020B0604020202020204" pitchFamily="34" charset="0"/>
+              </a:rPr>
+              <a:t>the</a:t>
+            </a:r>
+            <a:r>
+              <a:rPr lang="es-MX" sz="1800" dirty="0">
+                <a:solidFill>
+                  <a:srgbClr val="000000"/>
+                </a:solidFill>
+                <a:latin typeface="Arial" panose="020B0604020202020204" pitchFamily="34" charset="0"/>
+                <a:cs typeface="Arial" panose="020B0604020202020204" pitchFamily="34" charset="0"/>
+              </a:rPr>
+              <a:t> </a:t>
+            </a:r>
+            <a:r>
+              <a:rPr lang="es-MX" sz="1800" dirty="0" err="1">
+                <a:solidFill>
+                  <a:srgbClr val="000000"/>
+                </a:solidFill>
+                <a:latin typeface="Arial" panose="020B0604020202020204" pitchFamily="34" charset="0"/>
+                <a:cs typeface="Arial" panose="020B0604020202020204" pitchFamily="34" charset="0"/>
+              </a:rPr>
+              <a:t>user</a:t>
+            </a:r>
+            <a:r>
+              <a:rPr lang="es-MX" sz="1800" dirty="0">
+                <a:solidFill>
+                  <a:srgbClr val="000000"/>
+                </a:solidFill>
+                <a:latin typeface="Arial" panose="020B0604020202020204" pitchFamily="34" charset="0"/>
+                <a:cs typeface="Arial" panose="020B0604020202020204" pitchFamily="34" charset="0"/>
+              </a:rPr>
+              <a:t> </a:t>
+            </a:r>
+            <a:r>
+              <a:rPr lang="es-MX" sz="1800" dirty="0" err="1">
+                <a:solidFill>
+                  <a:srgbClr val="000000"/>
+                </a:solidFill>
+                <a:latin typeface="Arial" panose="020B0604020202020204" pitchFamily="34" charset="0"/>
+                <a:cs typeface="Arial" panose="020B0604020202020204" pitchFamily="34" charset="0"/>
+              </a:rPr>
+              <a:t>to</a:t>
+            </a:r>
+            <a:r>
+              <a:rPr lang="es-MX" sz="1800" dirty="0">
+                <a:solidFill>
+                  <a:srgbClr val="000000"/>
+                </a:solidFill>
+                <a:latin typeface="Arial" panose="020B0604020202020204" pitchFamily="34" charset="0"/>
+                <a:cs typeface="Arial" panose="020B0604020202020204" pitchFamily="34" charset="0"/>
+              </a:rPr>
+              <a:t> </a:t>
+            </a:r>
+            <a:r>
+              <a:rPr lang="es-MX" sz="1800" dirty="0" err="1">
+                <a:solidFill>
+                  <a:srgbClr val="000000"/>
+                </a:solidFill>
+                <a:latin typeface="Arial" panose="020B0604020202020204" pitchFamily="34" charset="0"/>
+                <a:cs typeface="Arial" panose="020B0604020202020204" pitchFamily="34" charset="0"/>
+              </a:rPr>
+              <a:t>select</a:t>
+            </a:r>
+            <a:r>
+              <a:rPr lang="es-MX" sz="1800" dirty="0">
+                <a:solidFill>
+                  <a:srgbClr val="000000"/>
+                </a:solidFill>
+                <a:latin typeface="Arial" panose="020B0604020202020204" pitchFamily="34" charset="0"/>
+                <a:cs typeface="Arial" panose="020B0604020202020204" pitchFamily="34" charset="0"/>
+              </a:rPr>
+              <a:t> </a:t>
+            </a:r>
+            <a:r>
+              <a:rPr lang="es-MX" sz="1800" dirty="0" err="1">
+                <a:solidFill>
+                  <a:srgbClr val="000000"/>
+                </a:solidFill>
+                <a:latin typeface="Arial" panose="020B0604020202020204" pitchFamily="34" charset="0"/>
+                <a:cs typeface="Arial" panose="020B0604020202020204" pitchFamily="34" charset="0"/>
+              </a:rPr>
+              <a:t>the</a:t>
+            </a:r>
+            <a:r>
+              <a:rPr lang="es-MX" sz="1800" dirty="0">
+                <a:solidFill>
+                  <a:srgbClr val="000000"/>
+                </a:solidFill>
+                <a:latin typeface="Arial" panose="020B0604020202020204" pitchFamily="34" charset="0"/>
+                <a:cs typeface="Arial" panose="020B0604020202020204" pitchFamily="34" charset="0"/>
+              </a:rPr>
+              <a:t> </a:t>
+            </a:r>
+            <a:r>
+              <a:rPr lang="es-MX" sz="1800" dirty="0" err="1">
+                <a:solidFill>
+                  <a:srgbClr val="000000"/>
+                </a:solidFill>
+                <a:latin typeface="Arial" panose="020B0604020202020204" pitchFamily="34" charset="0"/>
+                <a:cs typeface="Arial" panose="020B0604020202020204" pitchFamily="34" charset="0"/>
+              </a:rPr>
+              <a:t>location</a:t>
+            </a:r>
+            <a:r>
+              <a:rPr lang="es-MX" sz="1800" dirty="0">
+                <a:solidFill>
+                  <a:srgbClr val="000000"/>
+                </a:solidFill>
+                <a:latin typeface="Arial" panose="020B0604020202020204" pitchFamily="34" charset="0"/>
+                <a:cs typeface="Arial" panose="020B0604020202020204" pitchFamily="34" charset="0"/>
+              </a:rPr>
+              <a:t> </a:t>
+            </a:r>
+            <a:r>
+              <a:rPr lang="es-MX" sz="1800" dirty="0" err="1">
+                <a:solidFill>
+                  <a:srgbClr val="000000"/>
+                </a:solidFill>
+                <a:latin typeface="Arial" panose="020B0604020202020204" pitchFamily="34" charset="0"/>
+                <a:cs typeface="Arial" panose="020B0604020202020204" pitchFamily="34" charset="0"/>
+              </a:rPr>
+              <a:t>of</a:t>
+            </a:r>
+            <a:r>
+              <a:rPr lang="es-MX" sz="1800" dirty="0">
+                <a:solidFill>
+                  <a:srgbClr val="000000"/>
+                </a:solidFill>
+                <a:latin typeface="Arial" panose="020B0604020202020204" pitchFamily="34" charset="0"/>
+                <a:cs typeface="Arial" panose="020B0604020202020204" pitchFamily="34" charset="0"/>
+              </a:rPr>
+              <a:t> </a:t>
+            </a:r>
+            <a:r>
+              <a:rPr lang="es-MX" sz="1800" dirty="0" err="1">
+                <a:solidFill>
+                  <a:srgbClr val="000000"/>
+                </a:solidFill>
+                <a:latin typeface="Arial" panose="020B0604020202020204" pitchFamily="34" charset="0"/>
+                <a:cs typeface="Arial" panose="020B0604020202020204" pitchFamily="34" charset="0"/>
+              </a:rPr>
+              <a:t>the</a:t>
+            </a:r>
+            <a:r>
+              <a:rPr lang="es-MX" sz="1800" dirty="0">
+                <a:solidFill>
+                  <a:srgbClr val="000000"/>
+                </a:solidFill>
+                <a:latin typeface="Arial" panose="020B0604020202020204" pitchFamily="34" charset="0"/>
+                <a:cs typeface="Arial" panose="020B0604020202020204" pitchFamily="34" charset="0"/>
+              </a:rPr>
+              <a:t> data </a:t>
+            </a:r>
+            <a:r>
+              <a:rPr lang="es-MX" sz="1800" dirty="0" err="1">
+                <a:solidFill>
+                  <a:srgbClr val="000000"/>
+                </a:solidFill>
+                <a:latin typeface="Arial" panose="020B0604020202020204" pitchFamily="34" charset="0"/>
+                <a:cs typeface="Arial" panose="020B0604020202020204" pitchFamily="34" charset="0"/>
+              </a:rPr>
+              <a:t>to</a:t>
+            </a:r>
+            <a:r>
+              <a:rPr lang="es-MX" sz="1800" dirty="0">
+                <a:solidFill>
+                  <a:srgbClr val="000000"/>
+                </a:solidFill>
+                <a:latin typeface="Arial" panose="020B0604020202020204" pitchFamily="34" charset="0"/>
+                <a:cs typeface="Arial" panose="020B0604020202020204" pitchFamily="34" charset="0"/>
+              </a:rPr>
+              <a:t> </a:t>
+            </a:r>
+            <a:r>
+              <a:rPr lang="es-MX" sz="1800" dirty="0" err="1">
+                <a:solidFill>
+                  <a:srgbClr val="000000"/>
+                </a:solidFill>
+                <a:latin typeface="Arial" panose="020B0604020202020204" pitchFamily="34" charset="0"/>
+                <a:cs typeface="Arial" panose="020B0604020202020204" pitchFamily="34" charset="0"/>
+              </a:rPr>
+              <a:t>analyze</a:t>
+            </a:r>
+            <a:r>
+              <a:rPr lang="es-MX" sz="1800" dirty="0">
+                <a:solidFill>
+                  <a:srgbClr val="000000"/>
+                </a:solidFill>
+                <a:latin typeface="Arial" panose="020B0604020202020204" pitchFamily="34" charset="0"/>
+                <a:cs typeface="Arial" panose="020B0604020202020204" pitchFamily="34" charset="0"/>
+              </a:rPr>
+              <a:t>.</a:t>
             </a:r>
           </a:p>
           <a:p>
@@ -8335,11 +9616,214 @@
               <a:buChar char="•"/>
             </a:pPr>
             <a:r>
+              <a:rPr lang="es-MX" sz="1800" dirty="0" err="1">
+                <a:latin typeface="Arial" panose="020B0604020202020204" pitchFamily="34" charset="0"/>
+                <a:cs typeface="Arial" panose="020B0604020202020204" pitchFamily="34" charset="0"/>
+              </a:rPr>
+              <a:t>Results</a:t>
+            </a:r>
+            <a:r>
               <a:rPr lang="es-MX" sz="1800" dirty="0">
-                <a:latin typeface="72" panose="020B0503030000000003" pitchFamily="34" charset="0"/>
-                <a:cs typeface="72" panose="020B0503030000000003" pitchFamily="34" charset="0"/>
-              </a:rPr>
-              <a:t>Los resultados deberán ser calculados al momento. Si el archivo de fuente de datos cambia, los resultados deberán cambiar también.</a:t>
+                <a:latin typeface="Arial" panose="020B0604020202020204" pitchFamily="34" charset="0"/>
+                <a:cs typeface="Arial" panose="020B0604020202020204" pitchFamily="34" charset="0"/>
+              </a:rPr>
+              <a:t> </a:t>
+            </a:r>
+            <a:r>
+              <a:rPr lang="es-MX" sz="1800" dirty="0" err="1">
+                <a:latin typeface="Arial" panose="020B0604020202020204" pitchFamily="34" charset="0"/>
+                <a:cs typeface="Arial" panose="020B0604020202020204" pitchFamily="34" charset="0"/>
+              </a:rPr>
+              <a:t>must</a:t>
+            </a:r>
+            <a:r>
+              <a:rPr lang="es-MX" sz="1800" dirty="0">
+                <a:latin typeface="Arial" panose="020B0604020202020204" pitchFamily="34" charset="0"/>
+                <a:cs typeface="Arial" panose="020B0604020202020204" pitchFamily="34" charset="0"/>
+              </a:rPr>
+              <a:t> be </a:t>
+            </a:r>
+            <a:r>
+              <a:rPr lang="es-MX" sz="1800" dirty="0" err="1">
+                <a:latin typeface="Arial" panose="020B0604020202020204" pitchFamily="34" charset="0"/>
+                <a:cs typeface="Arial" panose="020B0604020202020204" pitchFamily="34" charset="0"/>
+              </a:rPr>
+              <a:t>calculated</a:t>
+            </a:r>
+            <a:r>
+              <a:rPr lang="es-MX" sz="1800" dirty="0">
+                <a:latin typeface="Arial" panose="020B0604020202020204" pitchFamily="34" charset="0"/>
+                <a:cs typeface="Arial" panose="020B0604020202020204" pitchFamily="34" charset="0"/>
+              </a:rPr>
+              <a:t> </a:t>
+            </a:r>
+            <a:r>
+              <a:rPr lang="es-MX" sz="1800" dirty="0" err="1">
+                <a:latin typeface="Arial" panose="020B0604020202020204" pitchFamily="34" charset="0"/>
+                <a:cs typeface="Arial" panose="020B0604020202020204" pitchFamily="34" charset="0"/>
+              </a:rPr>
+              <a:t>by</a:t>
+            </a:r>
+            <a:r>
+              <a:rPr lang="es-MX" sz="1800" dirty="0">
+                <a:latin typeface="Arial" panose="020B0604020202020204" pitchFamily="34" charset="0"/>
+                <a:cs typeface="Arial" panose="020B0604020202020204" pitchFamily="34" charset="0"/>
+              </a:rPr>
+              <a:t> </a:t>
+            </a:r>
+            <a:r>
+              <a:rPr lang="es-MX" sz="1800" dirty="0" err="1">
+                <a:latin typeface="Arial" panose="020B0604020202020204" pitchFamily="34" charset="0"/>
+                <a:cs typeface="Arial" panose="020B0604020202020204" pitchFamily="34" charset="0"/>
+              </a:rPr>
+              <a:t>the</a:t>
+            </a:r>
+            <a:r>
+              <a:rPr lang="es-MX" sz="1800" dirty="0">
+                <a:latin typeface="Arial" panose="020B0604020202020204" pitchFamily="34" charset="0"/>
+                <a:cs typeface="Arial" panose="020B0604020202020204" pitchFamily="34" charset="0"/>
+              </a:rPr>
+              <a:t> </a:t>
+            </a:r>
+            <a:r>
+              <a:rPr lang="es-MX" sz="1800" dirty="0" err="1">
+                <a:latin typeface="Arial" panose="020B0604020202020204" pitchFamily="34" charset="0"/>
+                <a:cs typeface="Arial" panose="020B0604020202020204" pitchFamily="34" charset="0"/>
+              </a:rPr>
+              <a:t>program</a:t>
+            </a:r>
+            <a:r>
+              <a:rPr lang="es-MX" sz="1800" dirty="0">
+                <a:latin typeface="Arial" panose="020B0604020202020204" pitchFamily="34" charset="0"/>
+                <a:cs typeface="Arial" panose="020B0604020202020204" pitchFamily="34" charset="0"/>
+              </a:rPr>
+              <a:t>. </a:t>
+            </a:r>
+            <a:r>
+              <a:rPr lang="es-MX" sz="1800" dirty="0" err="1">
+                <a:latin typeface="Arial" panose="020B0604020202020204" pitchFamily="34" charset="0"/>
+                <a:cs typeface="Arial" panose="020B0604020202020204" pitchFamily="34" charset="0"/>
+              </a:rPr>
+              <a:t>If</a:t>
+            </a:r>
+            <a:r>
+              <a:rPr lang="es-MX" sz="1800" dirty="0">
+                <a:latin typeface="Arial" panose="020B0604020202020204" pitchFamily="34" charset="0"/>
+                <a:cs typeface="Arial" panose="020B0604020202020204" pitchFamily="34" charset="0"/>
+              </a:rPr>
+              <a:t> </a:t>
+            </a:r>
+            <a:r>
+              <a:rPr lang="es-MX" sz="1800" dirty="0" err="1">
+                <a:latin typeface="Arial" panose="020B0604020202020204" pitchFamily="34" charset="0"/>
+                <a:cs typeface="Arial" panose="020B0604020202020204" pitchFamily="34" charset="0"/>
+              </a:rPr>
+              <a:t>the</a:t>
+            </a:r>
+            <a:r>
+              <a:rPr lang="es-MX" sz="1800" dirty="0">
+                <a:latin typeface="Arial" panose="020B0604020202020204" pitchFamily="34" charset="0"/>
+                <a:cs typeface="Arial" panose="020B0604020202020204" pitchFamily="34" charset="0"/>
+              </a:rPr>
+              <a:t> </a:t>
+            </a:r>
+            <a:r>
+              <a:rPr lang="es-MX" sz="1800" dirty="0" err="1">
+                <a:latin typeface="Arial" panose="020B0604020202020204" pitchFamily="34" charset="0"/>
+                <a:cs typeface="Arial" panose="020B0604020202020204" pitchFamily="34" charset="0"/>
+              </a:rPr>
+              <a:t>datasource</a:t>
+            </a:r>
+            <a:r>
+              <a:rPr lang="es-MX" sz="1800" dirty="0">
+                <a:latin typeface="Arial" panose="020B0604020202020204" pitchFamily="34" charset="0"/>
+                <a:cs typeface="Arial" panose="020B0604020202020204" pitchFamily="34" charset="0"/>
+              </a:rPr>
+              <a:t> </a:t>
+            </a:r>
+            <a:r>
+              <a:rPr lang="es-MX" sz="1800" dirty="0" err="1">
+                <a:latin typeface="Arial" panose="020B0604020202020204" pitchFamily="34" charset="0"/>
+                <a:cs typeface="Arial" panose="020B0604020202020204" pitchFamily="34" charset="0"/>
+              </a:rPr>
+              <a:t>changes</a:t>
+            </a:r>
+            <a:r>
+              <a:rPr lang="es-MX" sz="1800" dirty="0">
+                <a:latin typeface="Arial" panose="020B0604020202020204" pitchFamily="34" charset="0"/>
+                <a:cs typeface="Arial" panose="020B0604020202020204" pitchFamily="34" charset="0"/>
+              </a:rPr>
+              <a:t>, </a:t>
+            </a:r>
+            <a:r>
+              <a:rPr lang="es-MX" sz="1800" dirty="0" err="1">
+                <a:latin typeface="Arial" panose="020B0604020202020204" pitchFamily="34" charset="0"/>
+                <a:cs typeface="Arial" panose="020B0604020202020204" pitchFamily="34" charset="0"/>
+              </a:rPr>
+              <a:t>the</a:t>
+            </a:r>
+            <a:r>
+              <a:rPr lang="es-MX" sz="1800" dirty="0">
+                <a:latin typeface="Arial" panose="020B0604020202020204" pitchFamily="34" charset="0"/>
+                <a:cs typeface="Arial" panose="020B0604020202020204" pitchFamily="34" charset="0"/>
+              </a:rPr>
+              <a:t> </a:t>
+            </a:r>
+            <a:r>
+              <a:rPr lang="es-MX" sz="1800" dirty="0" err="1">
+                <a:latin typeface="Arial" panose="020B0604020202020204" pitchFamily="34" charset="0"/>
+                <a:cs typeface="Arial" panose="020B0604020202020204" pitchFamily="34" charset="0"/>
+              </a:rPr>
+              <a:t>results</a:t>
+            </a:r>
+            <a:r>
+              <a:rPr lang="es-MX" sz="1800" dirty="0">
+                <a:latin typeface="Arial" panose="020B0604020202020204" pitchFamily="34" charset="0"/>
+                <a:cs typeface="Arial" panose="020B0604020202020204" pitchFamily="34" charset="0"/>
+              </a:rPr>
+              <a:t> </a:t>
+            </a:r>
+            <a:r>
+              <a:rPr lang="es-MX" sz="1800" dirty="0" err="1">
+                <a:latin typeface="Arial" panose="020B0604020202020204" pitchFamily="34" charset="0"/>
+                <a:cs typeface="Arial" panose="020B0604020202020204" pitchFamily="34" charset="0"/>
+              </a:rPr>
+              <a:t>should</a:t>
+            </a:r>
+            <a:r>
+              <a:rPr lang="es-MX" sz="1800" dirty="0">
+                <a:latin typeface="Arial" panose="020B0604020202020204" pitchFamily="34" charset="0"/>
+                <a:cs typeface="Arial" panose="020B0604020202020204" pitchFamily="34" charset="0"/>
+              </a:rPr>
+              <a:t> </a:t>
+            </a:r>
+            <a:r>
+              <a:rPr lang="es-MX" sz="1800" dirty="0" err="1">
+                <a:latin typeface="Arial" panose="020B0604020202020204" pitchFamily="34" charset="0"/>
+                <a:cs typeface="Arial" panose="020B0604020202020204" pitchFamily="34" charset="0"/>
+              </a:rPr>
+              <a:t>change</a:t>
+            </a:r>
+            <a:r>
+              <a:rPr lang="es-MX" sz="1800" dirty="0">
+                <a:latin typeface="Arial" panose="020B0604020202020204" pitchFamily="34" charset="0"/>
+                <a:cs typeface="Arial" panose="020B0604020202020204" pitchFamily="34" charset="0"/>
+              </a:rPr>
+              <a:t> </a:t>
+            </a:r>
+            <a:r>
+              <a:rPr lang="es-MX" sz="1800" dirty="0" err="1">
+                <a:latin typeface="Arial" panose="020B0604020202020204" pitchFamily="34" charset="0"/>
+                <a:cs typeface="Arial" panose="020B0604020202020204" pitchFamily="34" charset="0"/>
+              </a:rPr>
+              <a:t>too</a:t>
+            </a:r>
+            <a:r>
+              <a:rPr lang="es-MX" sz="1800" dirty="0">
+                <a:latin typeface="Arial" panose="020B0604020202020204" pitchFamily="34" charset="0"/>
+                <a:cs typeface="Arial" panose="020B0604020202020204" pitchFamily="34" charset="0"/>
+              </a:rPr>
+              <a:t>.</a:t>
             </a:r>
           </a:p>
           <a:p>
@@ -8357,8 +9841,8 @@
               <a:buChar char="•"/>
             </a:pPr>
             <a:endParaRPr lang="es-MX" sz="1800" dirty="0">
-              <a:latin typeface="72" panose="020B0503030000000003" pitchFamily="34" charset="0"/>
-              <a:cs typeface="72" panose="020B0503030000000003" pitchFamily="34" charset="0"/>
+              <a:latin typeface="Arial" panose="020B0604020202020204" pitchFamily="34" charset="0"/>
+              <a:cs typeface="Arial" panose="020B0604020202020204" pitchFamily="34" charset="0"/>
             </a:endParaRPr>
           </a:p>
         </p:txBody>
@@ -8475,8 +9959,12 @@
               <a:buNone/>
             </a:pPr>
             <a:r>
+              <a:rPr lang="es-MX" sz="3900" dirty="0" err="1"/>
+              <a:t>Example</a:t>
+            </a:r>
+            <a:r>
               <a:rPr lang="es-MX" sz="3900" dirty="0"/>
-              <a:t>Ejemplo #1 </a:t>
+              <a:t> 1:</a:t>
             </a:r>
           </a:p>
         </p:txBody>
@@ -8496,7 +9984,7 @@
         <p:spPr>
           <a:xfrm>
             <a:off x="98250" y="836312"/>
-            <a:ext cx="8494605" cy="1235531"/>
+            <a:ext cx="8494605" cy="1235595"/>
           </a:xfrm>
           <a:prstGeom prst="rect">
             <a:avLst/>
@@ -8522,11 +10010,207 @@
               <a:buNone/>
             </a:pPr>
             <a:r>
+              <a:rPr lang="es-MX" sz="1800" dirty="0" err="1">
+                <a:latin typeface="Arial" panose="020B0604020202020204" pitchFamily="34" charset="0"/>
+                <a:cs typeface="Arial" panose="020B0604020202020204" pitchFamily="34" charset="0"/>
+              </a:rPr>
+              <a:t>Calculate</a:t>
+            </a:r>
+            <a:r>
               <a:rPr lang="es-MX" sz="1800" dirty="0">
-                <a:latin typeface="72" panose="020B0503030000000003" pitchFamily="34" charset="0"/>
-                <a:cs typeface="72" panose="020B0503030000000003" pitchFamily="34" charset="0"/>
-              </a:rPr>
-              <a:t>Programa que sirva para determinar el campeón del torneo de la Liga Premier de Inglaterra</a:t>
+                <a:latin typeface="Arial" panose="020B0604020202020204" pitchFamily="34" charset="0"/>
+                <a:cs typeface="Arial" panose="020B0604020202020204" pitchFamily="34" charset="0"/>
+              </a:rPr>
+              <a:t> </a:t>
+            </a:r>
+            <a:r>
+              <a:rPr lang="es-MX" sz="1800" dirty="0" err="1">
+                <a:latin typeface="Arial" panose="020B0604020202020204" pitchFamily="34" charset="0"/>
+                <a:cs typeface="Arial" panose="020B0604020202020204" pitchFamily="34" charset="0"/>
+              </a:rPr>
+              <a:t>the</a:t>
+            </a:r>
+            <a:r>
+              <a:rPr lang="es-MX" sz="1800" dirty="0">
+                <a:latin typeface="Arial" panose="020B0604020202020204" pitchFamily="34" charset="0"/>
+                <a:cs typeface="Arial" panose="020B0604020202020204" pitchFamily="34" charset="0"/>
+              </a:rPr>
+              <a:t> </a:t>
+            </a:r>
+            <a:r>
+              <a:rPr lang="es-MX" sz="1800" dirty="0" err="1">
+                <a:latin typeface="Arial" panose="020B0604020202020204" pitchFamily="34" charset="0"/>
+                <a:cs typeface="Arial" panose="020B0604020202020204" pitchFamily="34" charset="0"/>
+              </a:rPr>
+              <a:t>champion</a:t>
+            </a:r>
+            <a:r>
+              <a:rPr lang="es-MX" sz="1800" dirty="0">
+                <a:latin typeface="Arial" panose="020B0604020202020204" pitchFamily="34" charset="0"/>
+                <a:cs typeface="Arial" panose="020B0604020202020204" pitchFamily="34" charset="0"/>
+              </a:rPr>
+              <a:t> </a:t>
+            </a:r>
+            <a:r>
+              <a:rPr lang="es-MX" sz="1800" dirty="0" err="1">
+                <a:latin typeface="Arial" panose="020B0604020202020204" pitchFamily="34" charset="0"/>
+                <a:cs typeface="Arial" panose="020B0604020202020204" pitchFamily="34" charset="0"/>
+              </a:rPr>
+              <a:t>of</a:t>
+            </a:r>
+            <a:r>
+              <a:rPr lang="es-MX" sz="1800" dirty="0">
+                <a:latin typeface="Arial" panose="020B0604020202020204" pitchFamily="34" charset="0"/>
+                <a:cs typeface="Arial" panose="020B0604020202020204" pitchFamily="34" charset="0"/>
+              </a:rPr>
+              <a:t> </a:t>
+            </a:r>
+            <a:r>
+              <a:rPr lang="es-MX" sz="1800" dirty="0" err="1">
+                <a:latin typeface="Arial" panose="020B0604020202020204" pitchFamily="34" charset="0"/>
+                <a:cs typeface="Arial" panose="020B0604020202020204" pitchFamily="34" charset="0"/>
+              </a:rPr>
+              <a:t>the</a:t>
+            </a:r>
+            <a:r>
+              <a:rPr lang="es-MX" sz="1800" dirty="0">
+                <a:latin typeface="Arial" panose="020B0604020202020204" pitchFamily="34" charset="0"/>
+                <a:cs typeface="Arial" panose="020B0604020202020204" pitchFamily="34" charset="0"/>
+              </a:rPr>
+              <a:t> Premier </a:t>
+            </a:r>
+            <a:r>
+              <a:rPr lang="es-MX" sz="1800" dirty="0" err="1">
+                <a:latin typeface="Arial" panose="020B0604020202020204" pitchFamily="34" charset="0"/>
+                <a:cs typeface="Arial" panose="020B0604020202020204" pitchFamily="34" charset="0"/>
+              </a:rPr>
+              <a:t>Leage</a:t>
+            </a:r>
+            <a:r>
+              <a:rPr lang="es-MX" sz="1800" dirty="0">
+                <a:latin typeface="Arial" panose="020B0604020202020204" pitchFamily="34" charset="0"/>
+                <a:cs typeface="Arial" panose="020B0604020202020204" pitchFamily="34" charset="0"/>
+              </a:rPr>
+              <a:t>.</a:t>
+            </a:r>
+          </a:p>
+          <a:p>
+            <a:pPr marL="0" lvl="0" indent="0" rtl="0">
+              <a:lnSpc>
+                <a:spcPct val="105000"/>
+              </a:lnSpc>
+              <a:spcBef>
+                <a:spcPts val="0"/>
+              </a:spcBef>
+              <a:spcAft>
+                <a:spcPts val="0"/>
+              </a:spcAft>
+              <a:buNone/>
+            </a:pPr>
+            <a:r>
+              <a:rPr lang="es-MX" sz="1800" dirty="0">
+                <a:latin typeface="Arial" panose="020B0604020202020204" pitchFamily="34" charset="0"/>
+                <a:cs typeface="Arial" panose="020B0604020202020204" pitchFamily="34" charset="0"/>
+              </a:rPr>
+              <a:t>Data </a:t>
+            </a:r>
+            <a:r>
+              <a:rPr lang="es-MX" sz="1800" dirty="0" err="1">
+                <a:latin typeface="Arial" panose="020B0604020202020204" pitchFamily="34" charset="0"/>
+                <a:cs typeface="Arial" panose="020B0604020202020204" pitchFamily="34" charset="0"/>
+              </a:rPr>
+              <a:t>source</a:t>
+            </a:r>
+            <a:r>
+              <a:rPr lang="es-MX" sz="1800" dirty="0">
+                <a:latin typeface="Arial" panose="020B0604020202020204" pitchFamily="34" charset="0"/>
+                <a:cs typeface="Arial" panose="020B0604020202020204" pitchFamily="34" charset="0"/>
+              </a:rPr>
+              <a:t>: </a:t>
+            </a:r>
+            <a:r>
+              <a:rPr lang="es-MX" sz="1800" dirty="0" err="1">
+                <a:latin typeface="Arial" panose="020B0604020202020204" pitchFamily="34" charset="0"/>
+                <a:cs typeface="Arial" panose="020B0604020202020204" pitchFamily="34" charset="0"/>
+              </a:rPr>
+              <a:t>results</a:t>
+            </a:r>
+            <a:r>
+              <a:rPr lang="es-MX" sz="1800" dirty="0">
+                <a:latin typeface="Arial" panose="020B0604020202020204" pitchFamily="34" charset="0"/>
+                <a:cs typeface="Arial" panose="020B0604020202020204" pitchFamily="34" charset="0"/>
+              </a:rPr>
+              <a:t> </a:t>
+            </a:r>
+            <a:r>
+              <a:rPr lang="es-MX" sz="1800" dirty="0" err="1">
+                <a:latin typeface="Arial" panose="020B0604020202020204" pitchFamily="34" charset="0"/>
+                <a:cs typeface="Arial" panose="020B0604020202020204" pitchFamily="34" charset="0"/>
+              </a:rPr>
+              <a:t>for</a:t>
+            </a:r>
+            <a:r>
+              <a:rPr lang="es-MX" sz="1800" dirty="0">
+                <a:latin typeface="Arial" panose="020B0604020202020204" pitchFamily="34" charset="0"/>
+                <a:cs typeface="Arial" panose="020B0604020202020204" pitchFamily="34" charset="0"/>
+              </a:rPr>
+              <a:t> </a:t>
+            </a:r>
+            <a:r>
+              <a:rPr lang="es-MX" sz="1800" dirty="0" err="1">
+                <a:latin typeface="Arial" panose="020B0604020202020204" pitchFamily="34" charset="0"/>
+                <a:cs typeface="Arial" panose="020B0604020202020204" pitchFamily="34" charset="0"/>
+              </a:rPr>
+              <a:t>all</a:t>
+            </a:r>
+            <a:r>
+              <a:rPr lang="es-MX" sz="1800" dirty="0">
+                <a:latin typeface="Arial" panose="020B0604020202020204" pitchFamily="34" charset="0"/>
+                <a:cs typeface="Arial" panose="020B0604020202020204" pitchFamily="34" charset="0"/>
+              </a:rPr>
+              <a:t> </a:t>
+            </a:r>
+            <a:r>
+              <a:rPr lang="es-MX" sz="1800" dirty="0" err="1">
+                <a:latin typeface="Arial" panose="020B0604020202020204" pitchFamily="34" charset="0"/>
+                <a:cs typeface="Arial" panose="020B0604020202020204" pitchFamily="34" charset="0"/>
+              </a:rPr>
+              <a:t>games</a:t>
+            </a:r>
+            <a:r>
+              <a:rPr lang="es-MX" sz="1800" dirty="0">
+                <a:latin typeface="Arial" panose="020B0604020202020204" pitchFamily="34" charset="0"/>
+                <a:cs typeface="Arial" panose="020B0604020202020204" pitchFamily="34" charset="0"/>
+              </a:rPr>
+              <a:t> </a:t>
+            </a:r>
+            <a:r>
+              <a:rPr lang="es-MX" sz="1800" dirty="0" err="1">
+                <a:latin typeface="Arial" panose="020B0604020202020204" pitchFamily="34" charset="0"/>
+                <a:cs typeface="Arial" panose="020B0604020202020204" pitchFamily="34" charset="0"/>
+              </a:rPr>
+              <a:t>played</a:t>
+            </a:r>
+            <a:r>
+              <a:rPr lang="es-MX" sz="1800" dirty="0">
+                <a:latin typeface="Arial" panose="020B0604020202020204" pitchFamily="34" charset="0"/>
+                <a:cs typeface="Arial" panose="020B0604020202020204" pitchFamily="34" charset="0"/>
+              </a:rPr>
+              <a:t> in </a:t>
+            </a:r>
+            <a:r>
+              <a:rPr lang="es-MX" sz="1800" dirty="0" err="1">
+                <a:latin typeface="Arial" panose="020B0604020202020204" pitchFamily="34" charset="0"/>
+                <a:cs typeface="Arial" panose="020B0604020202020204" pitchFamily="34" charset="0"/>
+              </a:rPr>
+              <a:t>the</a:t>
+            </a:r>
+            <a:r>
+              <a:rPr lang="es-MX" sz="1800" dirty="0">
+                <a:latin typeface="Arial" panose="020B0604020202020204" pitchFamily="34" charset="0"/>
+                <a:cs typeface="Arial" panose="020B0604020202020204" pitchFamily="34" charset="0"/>
+              </a:rPr>
+              <a:t> Premier League 2023-2024.</a:t>
             </a:r>
           </a:p>
           <a:p>
@@ -8544,8 +10228,8 @@
               <a:buChar char="•"/>
             </a:pPr>
             <a:endParaRPr lang="es-MX" sz="1800" dirty="0">
-              <a:latin typeface="72" panose="020B0503030000000003" pitchFamily="34" charset="0"/>
-              <a:cs typeface="72" panose="020B0503030000000003" pitchFamily="34" charset="0"/>
+              <a:latin typeface="Arial" panose="020B0604020202020204" pitchFamily="34" charset="0"/>
+              <a:cs typeface="Arial" panose="020B0604020202020204" pitchFamily="34" charset="0"/>
             </a:endParaRPr>
           </a:p>
           <a:p>
@@ -8563,8 +10247,8 @@
               <a:buChar char="•"/>
             </a:pPr>
             <a:endParaRPr lang="es-MX" sz="1800" dirty="0">
-              <a:latin typeface="72" panose="020B0503030000000003" pitchFamily="34" charset="0"/>
-              <a:cs typeface="72" panose="020B0503030000000003" pitchFamily="34" charset="0"/>
+              <a:latin typeface="Arial" panose="020B0604020202020204" pitchFamily="34" charset="0"/>
+              <a:cs typeface="Arial" panose="020B0604020202020204" pitchFamily="34" charset="0"/>
             </a:endParaRPr>
           </a:p>
         </p:txBody>
@@ -8614,7 +10298,7 @@
         <p:spPr>
           <a:xfrm>
             <a:off x="5033818" y="1874982"/>
-            <a:ext cx="3325091" cy="2031325"/>
+            <a:ext cx="3325091" cy="1815882"/>
           </a:xfrm>
           <a:prstGeom prst="rect">
             <a:avLst/>
@@ -8628,9 +10312,10 @@
           <a:lstStyle/>
           <a:p>
             <a:r>
-              <a:rPr lang="en-MX" dirty="0"/>
-              <a:t>Equipo campeon:</a:t>
-            </a:r>
+              <a:rPr lang="en-US" dirty="0"/>
+              <a:t>Champion:</a:t>
+            </a:r>
+            <a:endParaRPr lang="en-MX" dirty="0"/>
           </a:p>
           <a:p>
             <a:r>
@@ -8643,9 +10328,10 @@
           </a:p>
           <a:p>
             <a:r>
-              <a:rPr lang="en-MX" dirty="0"/>
-              <a:t>Equipo con mas goles:</a:t>
-            </a:r>
+              <a:rPr lang="en-US" dirty="0"/>
+              <a:t>Team with most scored goals:</a:t>
+            </a:r>
+            <a:endParaRPr lang="en-MX" dirty="0"/>
           </a:p>
           <a:p>
             <a:r>
@@ -8658,9 +10344,10 @@
           </a:p>
           <a:p>
             <a:r>
-              <a:rPr lang="en-MX" dirty="0"/>
-              <a:t>Equipo con mas juegos ganados de local:</a:t>
-            </a:r>
+              <a:rPr lang="en-US" dirty="0"/>
+              <a:t>Team with most games at home:</a:t>
+            </a:r>
+            <a:endParaRPr lang="en-MX" dirty="0"/>
           </a:p>
           <a:p>
             <a:r>
@@ -9070,15 +10757,7 @@
                   <a:schemeClr val="bg1"/>
                 </a:solidFill>
               </a:rPr>
-              <a:t>1. </a:t>
-            </a:r>
-            <a:r>
-              <a:rPr lang="en-US" sz="3000" b="1" dirty="0" err="1">
-                <a:solidFill>
-                  <a:schemeClr val="bg1"/>
-                </a:solidFill>
-              </a:rPr>
-              <a:t>Diseño</a:t>
+              <a:t>1. Design</a:t>
             </a:r>
             <a:endParaRPr lang="es-MX" sz="3000" b="1" dirty="0">
               <a:solidFill>
@@ -9103,7 +10782,7 @@
         <p:spPr>
           <a:xfrm>
             <a:off x="0" y="1041990"/>
-            <a:ext cx="9053623" cy="2554545"/>
+            <a:ext cx="9053623" cy="1938992"/>
           </a:xfrm>
           <a:prstGeom prst="rect">
             <a:avLst/>
@@ -9117,76 +10796,279 @@
           <a:lstStyle/>
           <a:p>
             <a:r>
-              <a:rPr lang="en-US" sz="2000" b="1" dirty="0" err="1">
-                <a:latin typeface="72" panose="020B0503030000000003" pitchFamily="34" charset="0"/>
-                <a:cs typeface="72" panose="020B0503030000000003" pitchFamily="34" charset="0"/>
-              </a:rPr>
-              <a:t>Fecha</a:t>
-            </a:r>
-            <a:r>
               <a:rPr lang="en-US" sz="2000" b="1" dirty="0">
-                <a:latin typeface="72" panose="020B0503030000000003" pitchFamily="34" charset="0"/>
-                <a:cs typeface="72" panose="020B0503030000000003" pitchFamily="34" charset="0"/>
-              </a:rPr>
-              <a:t> de </a:t>
-            </a:r>
-            <a:r>
-              <a:rPr lang="en-US" sz="2000" b="1" dirty="0" err="1">
-                <a:latin typeface="72" panose="020B0503030000000003" pitchFamily="34" charset="0"/>
-                <a:cs typeface="72" panose="020B0503030000000003" pitchFamily="34" charset="0"/>
-              </a:rPr>
-              <a:t>entrega</a:t>
-            </a:r>
-            <a:r>
-              <a:rPr lang="en-US" sz="2000" b="1" dirty="0">
-                <a:latin typeface="72" panose="020B0503030000000003" pitchFamily="34" charset="0"/>
-                <a:cs typeface="72" panose="020B0503030000000003" pitchFamily="34" charset="0"/>
-              </a:rPr>
-              <a:t>: </a:t>
+                <a:latin typeface="Arial" panose="020B0604020202020204" pitchFamily="34" charset="0"/>
+                <a:cs typeface="Arial" panose="020B0604020202020204" pitchFamily="34" charset="0"/>
+              </a:rPr>
+              <a:t>Due date: </a:t>
             </a:r>
             <a:r>
               <a:rPr lang="en-US" sz="2000" dirty="0">
-                <a:latin typeface="72" panose="020B0503030000000003" pitchFamily="34" charset="0"/>
-                <a:cs typeface="72" panose="020B0503030000000003" pitchFamily="34" charset="0"/>
-              </a:rPr>
-              <a:t>3 de mayo @ 7:30 AM</a:t>
+                <a:latin typeface="Arial" panose="020B0604020202020204" pitchFamily="34" charset="0"/>
+                <a:cs typeface="Arial" panose="020B0604020202020204" pitchFamily="34" charset="0"/>
+              </a:rPr>
+              <a:t>April 15</a:t>
+            </a:r>
+            <a:r>
+              <a:rPr lang="en-US" sz="2000" baseline="30000" dirty="0">
+                <a:latin typeface="Arial" panose="020B0604020202020204" pitchFamily="34" charset="0"/>
+                <a:cs typeface="Arial" panose="020B0604020202020204" pitchFamily="34" charset="0"/>
+              </a:rPr>
+              <a:t>th</a:t>
+            </a:r>
+            <a:r>
+              <a:rPr lang="en-US" sz="2000" dirty="0">
+                <a:latin typeface="Arial" panose="020B0604020202020204" pitchFamily="34" charset="0"/>
+                <a:cs typeface="Arial" panose="020B0604020202020204" pitchFamily="34" charset="0"/>
+              </a:rPr>
+              <a:t> @ 7:30 AM</a:t>
             </a:r>
           </a:p>
           <a:p>
             <a:endParaRPr lang="en-US" sz="2000" i="1" dirty="0">
-              <a:latin typeface="72" panose="020B0503030000000003" pitchFamily="34" charset="0"/>
-              <a:cs typeface="72" panose="020B0503030000000003" pitchFamily="34" charset="0"/>
+              <a:latin typeface="Arial" panose="020B0604020202020204" pitchFamily="34" charset="0"/>
+              <a:cs typeface="Arial" panose="020B0604020202020204" pitchFamily="34" charset="0"/>
             </a:endParaRPr>
           </a:p>
           <a:p>
             <a:r>
+              <a:rPr lang="es-MX" sz="2000" b="1" dirty="0" err="1">
+                <a:latin typeface="Arial" panose="020B0604020202020204" pitchFamily="34" charset="0"/>
+                <a:cs typeface="Arial" panose="020B0604020202020204" pitchFamily="34" charset="0"/>
+              </a:rPr>
+              <a:t>Deliverable</a:t>
+            </a:r>
+            <a:r>
               <a:rPr lang="es-MX" sz="2000" b="1" dirty="0">
-                <a:latin typeface="72" panose="020B0503030000000003" pitchFamily="34" charset="0"/>
-                <a:cs typeface="72" panose="020B0503030000000003" pitchFamily="34" charset="0"/>
-              </a:rPr>
-              <a:t>Entregable: </a:t>
+                <a:latin typeface="Arial" panose="020B0604020202020204" pitchFamily="34" charset="0"/>
+                <a:cs typeface="Arial" panose="020B0604020202020204" pitchFamily="34" charset="0"/>
+              </a:rPr>
+              <a:t>: </a:t>
             </a:r>
             <a:r>
               <a:rPr lang="es-MX" sz="2000" dirty="0">
-                <a:latin typeface="72" panose="020B0503030000000003" pitchFamily="34" charset="0"/>
-                <a:cs typeface="72" panose="020B0503030000000003" pitchFamily="34" charset="0"/>
-              </a:rPr>
-              <a:t>Se entregará un documento que explique y detalle el funcionamiento de la clase o clases generadas. Puedes encontrar un documento de diseño en Canvas.</a:t>
+                <a:latin typeface="Arial" panose="020B0604020202020204" pitchFamily="34" charset="0"/>
+                <a:cs typeface="Arial" panose="020B0604020202020204" pitchFamily="34" charset="0"/>
+              </a:rPr>
+              <a:t>Hand in a </a:t>
+            </a:r>
+            <a:r>
+              <a:rPr lang="en-US" sz="2000" dirty="0">
+                <a:latin typeface="Arial" panose="020B0604020202020204" pitchFamily="34" charset="0"/>
+                <a:cs typeface="Arial" panose="020B0604020202020204" pitchFamily="34" charset="0"/>
+              </a:rPr>
+              <a:t>document</a:t>
+            </a:r>
+            <a:r>
+              <a:rPr lang="es-MX" sz="2000" dirty="0">
+                <a:latin typeface="Arial" panose="020B0604020202020204" pitchFamily="34" charset="0"/>
+                <a:cs typeface="Arial" panose="020B0604020202020204" pitchFamily="34" charset="0"/>
+              </a:rPr>
+              <a:t> </a:t>
+            </a:r>
+            <a:r>
+              <a:rPr lang="es-MX" sz="2000" dirty="0" err="1">
+                <a:latin typeface="Arial" panose="020B0604020202020204" pitchFamily="34" charset="0"/>
+                <a:cs typeface="Arial" panose="020B0604020202020204" pitchFamily="34" charset="0"/>
+              </a:rPr>
+              <a:t>with</a:t>
+            </a:r>
+            <a:r>
+              <a:rPr lang="es-MX" sz="2000" dirty="0">
+                <a:latin typeface="Arial" panose="020B0604020202020204" pitchFamily="34" charset="0"/>
+                <a:cs typeface="Arial" panose="020B0604020202020204" pitchFamily="34" charset="0"/>
+              </a:rPr>
+              <a:t> </a:t>
+            </a:r>
+            <a:r>
+              <a:rPr lang="es-MX" sz="2000" dirty="0" err="1">
+                <a:latin typeface="Arial" panose="020B0604020202020204" pitchFamily="34" charset="0"/>
+                <a:cs typeface="Arial" panose="020B0604020202020204" pitchFamily="34" charset="0"/>
+              </a:rPr>
+              <a:t>the</a:t>
+            </a:r>
+            <a:r>
+              <a:rPr lang="es-MX" sz="2000" dirty="0">
+                <a:latin typeface="Arial" panose="020B0604020202020204" pitchFamily="34" charset="0"/>
+                <a:cs typeface="Arial" panose="020B0604020202020204" pitchFamily="34" charset="0"/>
+              </a:rPr>
+              <a:t> </a:t>
+            </a:r>
+            <a:r>
+              <a:rPr lang="es-MX" sz="2000" dirty="0" err="1">
+                <a:latin typeface="Arial" panose="020B0604020202020204" pitchFamily="34" charset="0"/>
+                <a:cs typeface="Arial" panose="020B0604020202020204" pitchFamily="34" charset="0"/>
+              </a:rPr>
+              <a:t>project</a:t>
+            </a:r>
+            <a:r>
+              <a:rPr lang="es-MX" sz="2000" dirty="0">
+                <a:latin typeface="Arial" panose="020B0604020202020204" pitchFamily="34" charset="0"/>
+                <a:cs typeface="Arial" panose="020B0604020202020204" pitchFamily="34" charset="0"/>
+              </a:rPr>
+              <a:t> </a:t>
+            </a:r>
+            <a:r>
+              <a:rPr lang="es-MX" sz="2000" dirty="0" err="1">
+                <a:latin typeface="Arial" panose="020B0604020202020204" pitchFamily="34" charset="0"/>
+                <a:cs typeface="Arial" panose="020B0604020202020204" pitchFamily="34" charset="0"/>
+              </a:rPr>
+              <a:t>goals</a:t>
+            </a:r>
+            <a:r>
+              <a:rPr lang="es-MX" sz="2000" dirty="0">
+                <a:latin typeface="Arial" panose="020B0604020202020204" pitchFamily="34" charset="0"/>
+                <a:cs typeface="Arial" panose="020B0604020202020204" pitchFamily="34" charset="0"/>
+              </a:rPr>
+              <a:t>, and Java </a:t>
+            </a:r>
+            <a:r>
+              <a:rPr lang="es-MX" sz="2000" dirty="0" err="1">
+                <a:latin typeface="Arial" panose="020B0604020202020204" pitchFamily="34" charset="0"/>
+                <a:cs typeface="Arial" panose="020B0604020202020204" pitchFamily="34" charset="0"/>
+              </a:rPr>
+              <a:t>classes</a:t>
+            </a:r>
+            <a:r>
+              <a:rPr lang="es-MX" sz="2000" dirty="0">
+                <a:latin typeface="Arial" panose="020B0604020202020204" pitchFamily="34" charset="0"/>
+                <a:cs typeface="Arial" panose="020B0604020202020204" pitchFamily="34" charset="0"/>
+              </a:rPr>
+              <a:t> </a:t>
+            </a:r>
+            <a:r>
+              <a:rPr lang="es-MX" sz="2000" dirty="0" err="1">
+                <a:latin typeface="Arial" panose="020B0604020202020204" pitchFamily="34" charset="0"/>
+                <a:cs typeface="Arial" panose="020B0604020202020204" pitchFamily="34" charset="0"/>
+              </a:rPr>
+              <a:t>that</a:t>
+            </a:r>
+            <a:r>
+              <a:rPr lang="es-MX" sz="2000" dirty="0">
+                <a:latin typeface="Arial" panose="020B0604020202020204" pitchFamily="34" charset="0"/>
+                <a:cs typeface="Arial" panose="020B0604020202020204" pitchFamily="34" charset="0"/>
+              </a:rPr>
+              <a:t> </a:t>
+            </a:r>
+            <a:r>
+              <a:rPr lang="es-MX" sz="2000" dirty="0" err="1">
+                <a:latin typeface="Arial" panose="020B0604020202020204" pitchFamily="34" charset="0"/>
+                <a:cs typeface="Arial" panose="020B0604020202020204" pitchFamily="34" charset="0"/>
+              </a:rPr>
+              <a:t>you</a:t>
+            </a:r>
+            <a:r>
+              <a:rPr lang="es-MX" sz="2000" dirty="0">
+                <a:latin typeface="Arial" panose="020B0604020202020204" pitchFamily="34" charset="0"/>
+                <a:cs typeface="Arial" panose="020B0604020202020204" pitchFamily="34" charset="0"/>
+              </a:rPr>
+              <a:t> </a:t>
+            </a:r>
+            <a:r>
+              <a:rPr lang="es-MX" sz="2000" dirty="0" err="1">
+                <a:latin typeface="Arial" panose="020B0604020202020204" pitchFamily="34" charset="0"/>
+                <a:cs typeface="Arial" panose="020B0604020202020204" pitchFamily="34" charset="0"/>
+              </a:rPr>
+              <a:t>will</a:t>
+            </a:r>
+            <a:r>
+              <a:rPr lang="es-MX" sz="2000" dirty="0">
+                <a:latin typeface="Arial" panose="020B0604020202020204" pitchFamily="34" charset="0"/>
+                <a:cs typeface="Arial" panose="020B0604020202020204" pitchFamily="34" charset="0"/>
+              </a:rPr>
+              <a:t> </a:t>
+            </a:r>
+            <a:r>
+              <a:rPr lang="es-MX" sz="2000" dirty="0" err="1">
+                <a:latin typeface="Arial" panose="020B0604020202020204" pitchFamily="34" charset="0"/>
+                <a:cs typeface="Arial" panose="020B0604020202020204" pitchFamily="34" charset="0"/>
+              </a:rPr>
+              <a:t>code</a:t>
+            </a:r>
+            <a:r>
+              <a:rPr lang="es-MX" sz="2000" dirty="0">
+                <a:latin typeface="Arial" panose="020B0604020202020204" pitchFamily="34" charset="0"/>
+                <a:cs typeface="Arial" panose="020B0604020202020204" pitchFamily="34" charset="0"/>
+              </a:rPr>
+              <a:t>.</a:t>
             </a:r>
           </a:p>
           <a:p>
             <a:endParaRPr lang="es-MX" sz="2000" dirty="0">
-              <a:latin typeface="72" panose="020B0503030000000003" pitchFamily="34" charset="0"/>
-              <a:cs typeface="72" panose="020B0503030000000003" pitchFamily="34" charset="0"/>
+              <a:latin typeface="Arial" panose="020B0604020202020204" pitchFamily="34" charset="0"/>
+              <a:cs typeface="Arial" panose="020B0604020202020204" pitchFamily="34" charset="0"/>
             </a:endParaRPr>
           </a:p>
           <a:p>
             <a:r>
+              <a:rPr lang="es-MX" sz="2000" b="1" dirty="0" err="1">
+                <a:latin typeface="Arial" panose="020B0604020202020204" pitchFamily="34" charset="0"/>
+                <a:cs typeface="Arial" panose="020B0604020202020204" pitchFamily="34" charset="0"/>
+              </a:rPr>
+              <a:t>Format</a:t>
+            </a:r>
+            <a:r>
+              <a:rPr lang="es-MX" sz="2000" b="1" dirty="0">
+                <a:latin typeface="Arial" panose="020B0604020202020204" pitchFamily="34" charset="0"/>
+                <a:cs typeface="Arial" panose="020B0604020202020204" pitchFamily="34" charset="0"/>
+              </a:rPr>
+              <a:t>: </a:t>
+            </a:r>
+            <a:r>
+              <a:rPr lang="es-MX" sz="2000" dirty="0" err="1">
+                <a:latin typeface="Arial" panose="020B0604020202020204" pitchFamily="34" charset="0"/>
+                <a:cs typeface="Arial" panose="020B0604020202020204" pitchFamily="34" charset="0"/>
+              </a:rPr>
+              <a:t>Design</a:t>
+            </a:r>
+            <a:r>
               <a:rPr lang="es-MX" sz="2000" dirty="0">
-                <a:latin typeface="72" panose="020B0503030000000003" pitchFamily="34" charset="0"/>
-                <a:cs typeface="72" panose="020B0503030000000003" pitchFamily="34" charset="0"/>
-              </a:rPr>
-              <a:t>Puedes basarte en el documento “Plantilla de diseño.docx” que se encuentra en la sección de proyecto en Canvas.</a:t>
+                <a:latin typeface="Arial" panose="020B0604020202020204" pitchFamily="34" charset="0"/>
+                <a:cs typeface="Arial" panose="020B0604020202020204" pitchFamily="34" charset="0"/>
+              </a:rPr>
+              <a:t> </a:t>
+            </a:r>
+            <a:r>
+              <a:rPr lang="es-MX" sz="2000" dirty="0" err="1">
+                <a:latin typeface="Arial" panose="020B0604020202020204" pitchFamily="34" charset="0"/>
+                <a:cs typeface="Arial" panose="020B0604020202020204" pitchFamily="34" charset="0"/>
+              </a:rPr>
+              <a:t>Template</a:t>
+            </a:r>
+            <a:r>
+              <a:rPr lang="es-MX" sz="2000" dirty="0">
+                <a:latin typeface="Arial" panose="020B0604020202020204" pitchFamily="34" charset="0"/>
+                <a:cs typeface="Arial" panose="020B0604020202020204" pitchFamily="34" charset="0"/>
+              </a:rPr>
+              <a:t> </a:t>
+            </a:r>
+            <a:r>
+              <a:rPr lang="es-MX" sz="2000" dirty="0" err="1">
+                <a:latin typeface="Arial" panose="020B0604020202020204" pitchFamily="34" charset="0"/>
+                <a:cs typeface="Arial" panose="020B0604020202020204" pitchFamily="34" charset="0"/>
+              </a:rPr>
+              <a:t>document</a:t>
+            </a:r>
+            <a:r>
+              <a:rPr lang="es-MX" sz="2000" dirty="0">
+                <a:latin typeface="Arial" panose="020B0604020202020204" pitchFamily="34" charset="0"/>
+                <a:cs typeface="Arial" panose="020B0604020202020204" pitchFamily="34" charset="0"/>
+              </a:rPr>
+              <a:t> in </a:t>
+            </a:r>
+            <a:r>
+              <a:rPr lang="es-MX" sz="2000" dirty="0" err="1">
+                <a:latin typeface="Arial" panose="020B0604020202020204" pitchFamily="34" charset="0"/>
+                <a:cs typeface="Arial" panose="020B0604020202020204" pitchFamily="34" charset="0"/>
+              </a:rPr>
+              <a:t>Canvas</a:t>
+            </a:r>
+            <a:r>
+              <a:rPr lang="es-MX" sz="2000" dirty="0">
+                <a:latin typeface="Arial" panose="020B0604020202020204" pitchFamily="34" charset="0"/>
+                <a:cs typeface="Arial" panose="020B0604020202020204" pitchFamily="34" charset="0"/>
+              </a:rPr>
+              <a:t>.</a:t>
             </a:r>
           </a:p>
         </p:txBody>
@@ -9489,15 +11371,7 @@
                   <a:schemeClr val="bg1"/>
                 </a:solidFill>
               </a:rPr>
-              <a:t>2. </a:t>
-            </a:r>
-            <a:r>
-              <a:rPr lang="en-US" sz="3000" b="1" dirty="0" err="1">
-                <a:solidFill>
-                  <a:schemeClr val="bg1"/>
-                </a:solidFill>
-              </a:rPr>
-              <a:t>Codificación</a:t>
+              <a:t>2. Coding</a:t>
             </a:r>
             <a:endParaRPr lang="es-MX" sz="3000" b="1" dirty="0">
               <a:solidFill>
@@ -9536,73 +11410,66 @@
           <a:lstStyle/>
           <a:p>
             <a:r>
-              <a:rPr lang="en-US" sz="2000" b="1" dirty="0" err="1">
-                <a:latin typeface="72" panose="020B0503030000000003" pitchFamily="34" charset="0"/>
-                <a:cs typeface="72" panose="020B0503030000000003" pitchFamily="34" charset="0"/>
-              </a:rPr>
-              <a:t>Fecha</a:t>
-            </a:r>
-            <a:r>
               <a:rPr lang="en-US" sz="2000" b="1" dirty="0">
-                <a:latin typeface="72" panose="020B0503030000000003" pitchFamily="34" charset="0"/>
-                <a:cs typeface="72" panose="020B0503030000000003" pitchFamily="34" charset="0"/>
-              </a:rPr>
-              <a:t> de </a:t>
-            </a:r>
-            <a:r>
-              <a:rPr lang="en-US" sz="2000" b="1" dirty="0" err="1">
-                <a:latin typeface="72" panose="020B0503030000000003" pitchFamily="34" charset="0"/>
-                <a:cs typeface="72" panose="020B0503030000000003" pitchFamily="34" charset="0"/>
-              </a:rPr>
-              <a:t>entrega</a:t>
-            </a:r>
-            <a:r>
-              <a:rPr lang="en-US" sz="2000" b="1" dirty="0">
-                <a:latin typeface="72" panose="020B0503030000000003" pitchFamily="34" charset="0"/>
-                <a:cs typeface="72" panose="020B0503030000000003" pitchFamily="34" charset="0"/>
-              </a:rPr>
-              <a:t>: </a:t>
+                <a:latin typeface="Arial" panose="020B0604020202020204" pitchFamily="34" charset="0"/>
+                <a:cs typeface="Arial" panose="020B0604020202020204" pitchFamily="34" charset="0"/>
+              </a:rPr>
+              <a:t>Due date: </a:t>
             </a:r>
             <a:r>
               <a:rPr lang="en-US" sz="2000" dirty="0">
-                <a:latin typeface="72" panose="020B0503030000000003" pitchFamily="34" charset="0"/>
-                <a:cs typeface="72" panose="020B0503030000000003" pitchFamily="34" charset="0"/>
-              </a:rPr>
-              <a:t>3 de mayo @ 7:30 AM</a:t>
+                <a:latin typeface="Arial" panose="020B0604020202020204" pitchFamily="34" charset="0"/>
+                <a:cs typeface="Arial" panose="020B0604020202020204" pitchFamily="34" charset="0"/>
+              </a:rPr>
+              <a:t>April 22</a:t>
+            </a:r>
+            <a:r>
+              <a:rPr lang="en-US" sz="2000" baseline="30000" dirty="0">
+                <a:latin typeface="Arial" panose="020B0604020202020204" pitchFamily="34" charset="0"/>
+                <a:cs typeface="Arial" panose="020B0604020202020204" pitchFamily="34" charset="0"/>
+              </a:rPr>
+              <a:t>nd</a:t>
+            </a:r>
+            <a:r>
+              <a:rPr lang="en-US" sz="2000" dirty="0">
+                <a:latin typeface="Arial" panose="020B0604020202020204" pitchFamily="34" charset="0"/>
+                <a:cs typeface="Arial" panose="020B0604020202020204" pitchFamily="34" charset="0"/>
+              </a:rPr>
+              <a:t> @ 7:30 AM</a:t>
             </a:r>
           </a:p>
           <a:p>
             <a:endParaRPr lang="en-US" sz="2000" dirty="0">
-              <a:latin typeface="72" panose="020B0503030000000003" pitchFamily="34" charset="0"/>
-              <a:cs typeface="72" panose="020B0503030000000003" pitchFamily="34" charset="0"/>
+              <a:latin typeface="Arial" panose="020B0604020202020204" pitchFamily="34" charset="0"/>
+              <a:cs typeface="Arial" panose="020B0604020202020204" pitchFamily="34" charset="0"/>
             </a:endParaRPr>
           </a:p>
           <a:p>
             <a:r>
               <a:rPr lang="es-MX" sz="2000" b="1" dirty="0">
-                <a:latin typeface="72" panose="020B0503030000000003" pitchFamily="34" charset="0"/>
-                <a:cs typeface="72" panose="020B0503030000000003" pitchFamily="34" charset="0"/>
+                <a:latin typeface="Arial" panose="020B0604020202020204" pitchFamily="34" charset="0"/>
+                <a:cs typeface="Arial" panose="020B0604020202020204" pitchFamily="34" charset="0"/>
               </a:rPr>
               <a:t>Entregable:</a:t>
             </a:r>
             <a:r>
               <a:rPr lang="es-MX" sz="2000" dirty="0">
-                <a:latin typeface="72" panose="020B0503030000000003" pitchFamily="34" charset="0"/>
-                <a:cs typeface="72" panose="020B0503030000000003" pitchFamily="34" charset="0"/>
+                <a:latin typeface="Arial" panose="020B0604020202020204" pitchFamily="34" charset="0"/>
+                <a:cs typeface="Arial" panose="020B0604020202020204" pitchFamily="34" charset="0"/>
               </a:rPr>
               <a:t> El programa entregado deberá constar de </a:t>
             </a:r>
             <a:r>
               <a:rPr lang="es-MX" sz="2000" u="sng" dirty="0">
-                <a:latin typeface="72" panose="020B0503030000000003" pitchFamily="34" charset="0"/>
-                <a:cs typeface="72" panose="020B0503030000000003" pitchFamily="34" charset="0"/>
+                <a:latin typeface="Arial" panose="020B0604020202020204" pitchFamily="34" charset="0"/>
+                <a:cs typeface="Arial" panose="020B0604020202020204" pitchFamily="34" charset="0"/>
               </a:rPr>
               <a:t>por lo menos</a:t>
             </a:r>
             <a:r>
               <a:rPr lang="es-MX" sz="2000" dirty="0">
-                <a:latin typeface="72" panose="020B0503030000000003" pitchFamily="34" charset="0"/>
-                <a:cs typeface="72" panose="020B0503030000000003" pitchFamily="34" charset="0"/>
+                <a:latin typeface="Arial" panose="020B0604020202020204" pitchFamily="34" charset="0"/>
+                <a:cs typeface="Arial" panose="020B0604020202020204" pitchFamily="34" charset="0"/>
               </a:rPr>
               <a:t> tres clases, con la siguiente funcionalidad:</a:t>
             </a:r>
@@ -9614,8 +11481,8 @@
             </a:pPr>
             <a:r>
               <a:rPr lang="es-MX" sz="2000" dirty="0">
-                <a:latin typeface="72" panose="020B0503030000000003" pitchFamily="34" charset="0"/>
-                <a:cs typeface="72" panose="020B0503030000000003" pitchFamily="34" charset="0"/>
+                <a:latin typeface="Arial" panose="020B0604020202020204" pitchFamily="34" charset="0"/>
+                <a:cs typeface="Arial" panose="020B0604020202020204" pitchFamily="34" charset="0"/>
               </a:rPr>
               <a:t>Clase que modela el objeto elegido</a:t>
             </a:r>
@@ -9627,8 +11494,8 @@
             </a:pPr>
             <a:r>
               <a:rPr lang="es-MX" sz="2000" dirty="0">
-                <a:latin typeface="72" panose="020B0503030000000003" pitchFamily="34" charset="0"/>
-                <a:cs typeface="72" panose="020B0503030000000003" pitchFamily="34" charset="0"/>
+                <a:latin typeface="Arial" panose="020B0604020202020204" pitchFamily="34" charset="0"/>
+                <a:cs typeface="Arial" panose="020B0604020202020204" pitchFamily="34" charset="0"/>
               </a:rPr>
               <a:t>Clase que administra y maneja la interfaz gráfica.</a:t>
             </a:r>
@@ -9756,15 +11623,7 @@
                   <a:schemeClr val="bg1"/>
                 </a:solidFill>
               </a:rPr>
-              <a:t>2. </a:t>
-            </a:r>
-            <a:r>
-              <a:rPr lang="en-US" sz="3000" b="1" dirty="0" err="1">
-                <a:solidFill>
-                  <a:schemeClr val="bg1"/>
-                </a:solidFill>
-              </a:rPr>
-              <a:t>Codificación</a:t>
+              <a:t>2. Coding</a:t>
             </a:r>
             <a:endParaRPr lang="es-MX" sz="3000" b="1" dirty="0">
               <a:solidFill>
@@ -9804,8 +11663,8 @@
           <a:p>
             <a:r>
               <a:rPr lang="es-MX" sz="1800" dirty="0">
-                <a:latin typeface="72" panose="020B0503030000000003" pitchFamily="34" charset="0"/>
-                <a:cs typeface="72" panose="020B0503030000000003" pitchFamily="34" charset="0"/>
+                <a:latin typeface="Arial" panose="020B0604020202020204" pitchFamily="34" charset="0"/>
+                <a:cs typeface="Arial" panose="020B0604020202020204" pitchFamily="34" charset="0"/>
               </a:rPr>
               <a:t>La funcionalidad mínima esperada es:</a:t>
             </a:r>
@@ -9813,14 +11672,14 @@
           <a:p>
             <a:r>
               <a:rPr lang="es-MX" sz="1800" b="1" dirty="0">
-                <a:latin typeface="72" panose="020B0503030000000003" pitchFamily="34" charset="0"/>
-                <a:cs typeface="72" panose="020B0503030000000003" pitchFamily="34" charset="0"/>
+                <a:latin typeface="Arial" panose="020B0604020202020204" pitchFamily="34" charset="0"/>
+                <a:cs typeface="Arial" panose="020B0604020202020204" pitchFamily="34" charset="0"/>
               </a:rPr>
               <a:t>Clase para modelar el objeto elegido:</a:t>
             </a:r>
             <a:endParaRPr lang="es-MX" sz="1800" dirty="0">
-              <a:latin typeface="72" panose="020B0503030000000003" pitchFamily="34" charset="0"/>
-              <a:cs typeface="72" panose="020B0503030000000003" pitchFamily="34" charset="0"/>
+              <a:latin typeface="Arial" panose="020B0604020202020204" pitchFamily="34" charset="0"/>
+              <a:cs typeface="Arial" panose="020B0604020202020204" pitchFamily="34" charset="0"/>
             </a:endParaRPr>
           </a:p>
           <a:p>
@@ -9830,8 +11689,8 @@
             </a:pPr>
             <a:r>
               <a:rPr lang="es-MX" sz="1800" dirty="0">
-                <a:latin typeface="72" panose="020B0503030000000003" pitchFamily="34" charset="0"/>
-                <a:cs typeface="72" panose="020B0503030000000003" pitchFamily="34" charset="0"/>
+                <a:latin typeface="Arial" panose="020B0604020202020204" pitchFamily="34" charset="0"/>
+                <a:cs typeface="Arial" panose="020B0604020202020204" pitchFamily="34" charset="0"/>
               </a:rPr>
               <a:t>5 atributos, correctamente encapsulados</a:t>
             </a:r>
@@ -9843,8 +11702,8 @@
             </a:pPr>
             <a:r>
               <a:rPr lang="es-MX" sz="1800" dirty="0">
-                <a:latin typeface="72" panose="020B0503030000000003" pitchFamily="34" charset="0"/>
-                <a:cs typeface="72" panose="020B0503030000000003" pitchFamily="34" charset="0"/>
+                <a:latin typeface="Arial" panose="020B0604020202020204" pitchFamily="34" charset="0"/>
+                <a:cs typeface="Arial" panose="020B0604020202020204" pitchFamily="34" charset="0"/>
               </a:rPr>
               <a:t>1 constructor</a:t>
             </a:r>
@@ -9856,8 +11715,8 @@
             </a:pPr>
             <a:r>
               <a:rPr lang="es-MX" sz="1800" dirty="0">
-                <a:latin typeface="72" panose="020B0503030000000003" pitchFamily="34" charset="0"/>
-                <a:cs typeface="72" panose="020B0503030000000003" pitchFamily="34" charset="0"/>
+                <a:latin typeface="Arial" panose="020B0604020202020204" pitchFamily="34" charset="0"/>
+                <a:cs typeface="Arial" panose="020B0604020202020204" pitchFamily="34" charset="0"/>
               </a:rPr>
               <a:t>Getters y setters necesarios para interactuar con la clase</a:t>
             </a:r>
@@ -9869,36 +11728,25 @@
             </a:pPr>
             <a:r>
               <a:rPr lang="es-MX" sz="1800" dirty="0">
-                <a:latin typeface="72" panose="020B0503030000000003" pitchFamily="34" charset="0"/>
-                <a:cs typeface="72" panose="020B0503030000000003" pitchFamily="34" charset="0"/>
-              </a:rPr>
-              <a:t>Métodos para realizar </a:t>
-            </a:r>
-            <a:r>
-              <a:rPr lang="es-MX" sz="1800">
-                <a:latin typeface="72" panose="020B0503030000000003" pitchFamily="34" charset="0"/>
-                <a:cs typeface="72" panose="020B0503030000000003" pitchFamily="34" charset="0"/>
-              </a:rPr>
-              <a:t>los cálculos</a:t>
-            </a:r>
+                <a:latin typeface="Arial" panose="020B0604020202020204" pitchFamily="34" charset="0"/>
+                <a:cs typeface="Arial" panose="020B0604020202020204" pitchFamily="34" charset="0"/>
+              </a:rPr>
+              <a:t>Métodos para realizar los cálculos</a:t>
+            </a:r>
+          </a:p>
+          <a:p>
             <a:endParaRPr lang="es-MX" sz="1800" dirty="0">
-              <a:latin typeface="72" panose="020B0503030000000003" pitchFamily="34" charset="0"/>
-              <a:cs typeface="72" panose="020B0503030000000003" pitchFamily="34" charset="0"/>
+              <a:latin typeface="Arial" panose="020B0604020202020204" pitchFamily="34" charset="0"/>
+              <a:cs typeface="Arial" panose="020B0604020202020204" pitchFamily="34" charset="0"/>
             </a:endParaRPr>
           </a:p>
           <a:p>
-            <a:endParaRPr lang="es-MX" sz="1800" dirty="0">
-              <a:latin typeface="72" panose="020B0503030000000003" pitchFamily="34" charset="0"/>
-              <a:cs typeface="72" panose="020B0503030000000003" pitchFamily="34" charset="0"/>
-            </a:endParaRPr>
-          </a:p>
-          <a:p>
             <a:r>
               <a:rPr lang="es-MX" sz="1800" b="1" dirty="0">
-                <a:latin typeface="72" panose="020B0503030000000003" pitchFamily="34" charset="0"/>
-                <a:cs typeface="72" panose="020B0503030000000003" pitchFamily="34" charset="0"/>
-              </a:rPr>
-              <a:t>Interfaz Gráfica:</a:t>
+                <a:latin typeface="Arial" panose="020B0604020202020204" pitchFamily="34" charset="0"/>
+                <a:cs typeface="Arial" panose="020B0604020202020204" pitchFamily="34" charset="0"/>
+              </a:rPr>
+              <a:t>GUI</a:t>
             </a:r>
           </a:p>
           <a:p>
@@ -9908,11 +11756,36 @@
             </a:pPr>
             <a:r>
               <a:rPr lang="es-MX" sz="1800" dirty="0">
-                <a:latin typeface="72" panose="020B0503030000000003" pitchFamily="34" charset="0"/>
-                <a:cs typeface="72" panose="020B0503030000000003" pitchFamily="34" charset="0"/>
-              </a:rPr>
-              <a:t>2 ventanas</a:t>
-            </a:r>
+                <a:latin typeface="Arial" panose="020B0604020202020204" pitchFamily="34" charset="0"/>
+                <a:cs typeface="Arial" panose="020B0604020202020204" pitchFamily="34" charset="0"/>
+              </a:rPr>
+              <a:t>At </a:t>
+            </a:r>
+            <a:r>
+              <a:rPr lang="es-MX" sz="1800" dirty="0" err="1">
+                <a:latin typeface="Arial" panose="020B0604020202020204" pitchFamily="34" charset="0"/>
+                <a:cs typeface="Arial" panose="020B0604020202020204" pitchFamily="34" charset="0"/>
+              </a:rPr>
+              <a:t>least</a:t>
+            </a:r>
+            <a:r>
+              <a:rPr lang="es-MX" sz="1800" dirty="0">
+                <a:latin typeface="Arial" panose="020B0604020202020204" pitchFamily="34" charset="0"/>
+                <a:cs typeface="Arial" panose="020B0604020202020204" pitchFamily="34" charset="0"/>
+              </a:rPr>
+              <a:t> 2 </a:t>
+            </a:r>
+            <a:r>
+              <a:rPr lang="es-MX" sz="1800" dirty="0" err="1">
+                <a:latin typeface="Arial" panose="020B0604020202020204" pitchFamily="34" charset="0"/>
+                <a:cs typeface="Arial" panose="020B0604020202020204" pitchFamily="34" charset="0"/>
+              </a:rPr>
+              <a:t>windows</a:t>
+            </a:r>
+            <a:endParaRPr lang="es-MX" sz="1800" dirty="0">
+              <a:latin typeface="Arial" panose="020B0604020202020204" pitchFamily="34" charset="0"/>
+              <a:cs typeface="Arial" panose="020B0604020202020204" pitchFamily="34" charset="0"/>
+            </a:endParaRPr>
           </a:p>
           <a:p>
             <a:pPr marL="342900" indent="-342900">
@@ -9921,11 +11794,22 @@
             </a:pPr>
             <a:r>
               <a:rPr lang="es-MX" sz="1800" dirty="0">
-                <a:latin typeface="72" panose="020B0503030000000003" pitchFamily="34" charset="0"/>
-                <a:cs typeface="72" panose="020B0503030000000003" pitchFamily="34" charset="0"/>
-              </a:rPr>
-              <a:t>2 botones</a:t>
-            </a:r>
+                <a:latin typeface="Arial" panose="020B0604020202020204" pitchFamily="34" charset="0"/>
+                <a:cs typeface="Arial" panose="020B0604020202020204" pitchFamily="34" charset="0"/>
+              </a:rPr>
+              <a:t>2 </a:t>
+            </a:r>
+            <a:r>
+              <a:rPr lang="es-MX" sz="1800" dirty="0" err="1">
+                <a:latin typeface="Arial" panose="020B0604020202020204" pitchFamily="34" charset="0"/>
+                <a:cs typeface="Arial" panose="020B0604020202020204" pitchFamily="34" charset="0"/>
+              </a:rPr>
+              <a:t>buttons</a:t>
+            </a:r>
+            <a:endParaRPr lang="es-MX" sz="1800" dirty="0">
+              <a:latin typeface="Arial" panose="020B0604020202020204" pitchFamily="34" charset="0"/>
+              <a:cs typeface="Arial" panose="020B0604020202020204" pitchFamily="34" charset="0"/>
+            </a:endParaRPr>
           </a:p>
           <a:p>
             <a:pPr marL="342900" indent="-342900">
@@ -9934,11 +11818,22 @@
             </a:pPr>
             <a:r>
               <a:rPr lang="es-MX" sz="1800" dirty="0">
-                <a:latin typeface="72" panose="020B0503030000000003" pitchFamily="34" charset="0"/>
-                <a:cs typeface="72" panose="020B0503030000000003" pitchFamily="34" charset="0"/>
-              </a:rPr>
-              <a:t>2 imágenes</a:t>
-            </a:r>
+                <a:latin typeface="Arial" panose="020B0604020202020204" pitchFamily="34" charset="0"/>
+                <a:cs typeface="Arial" panose="020B0604020202020204" pitchFamily="34" charset="0"/>
+              </a:rPr>
+              <a:t>2 </a:t>
+            </a:r>
+            <a:r>
+              <a:rPr lang="es-MX" sz="1800" dirty="0" err="1">
+                <a:latin typeface="Arial" panose="020B0604020202020204" pitchFamily="34" charset="0"/>
+                <a:cs typeface="Arial" panose="020B0604020202020204" pitchFamily="34" charset="0"/>
+              </a:rPr>
+              <a:t>images</a:t>
+            </a:r>
+            <a:endParaRPr lang="es-MX" sz="1800" dirty="0">
+              <a:latin typeface="Arial" panose="020B0604020202020204" pitchFamily="34" charset="0"/>
+              <a:cs typeface="Arial" panose="020B0604020202020204" pitchFamily="34" charset="0"/>
+            </a:endParaRPr>
           </a:p>
           <a:p>
             <a:pPr marL="342900" indent="-342900">
@@ -9946,17 +11841,35 @@
               <a:buChar char="•"/>
             </a:pPr>
             <a:r>
+              <a:rPr lang="es-MX" sz="1800" dirty="0" err="1">
+                <a:latin typeface="Arial" panose="020B0604020202020204" pitchFamily="34" charset="0"/>
+                <a:cs typeface="Arial" panose="020B0604020202020204" pitchFamily="34" charset="0"/>
+              </a:rPr>
+              <a:t>Labels</a:t>
+            </a:r>
+            <a:r>
               <a:rPr lang="es-MX" sz="1800" dirty="0">
-                <a:latin typeface="72" panose="020B0503030000000003" pitchFamily="34" charset="0"/>
-                <a:cs typeface="72" panose="020B0503030000000003" pitchFamily="34" charset="0"/>
-              </a:rPr>
-              <a:t>Labels e input boxes necesarios</a:t>
-            </a:r>
+                <a:latin typeface="Arial" panose="020B0604020202020204" pitchFamily="34" charset="0"/>
+                <a:cs typeface="Arial" panose="020B0604020202020204" pitchFamily="34" charset="0"/>
+              </a:rPr>
+              <a:t> and input boxes as </a:t>
+            </a:r>
+            <a:r>
+              <a:rPr lang="es-MX" sz="1800" dirty="0" err="1">
+                <a:latin typeface="Arial" panose="020B0604020202020204" pitchFamily="34" charset="0"/>
+                <a:cs typeface="Arial" panose="020B0604020202020204" pitchFamily="34" charset="0"/>
+              </a:rPr>
+              <a:t>needed</a:t>
+            </a:r>
+            <a:endParaRPr lang="es-MX" sz="1800" dirty="0">
+              <a:latin typeface="Arial" panose="020B0604020202020204" pitchFamily="34" charset="0"/>
+              <a:cs typeface="Arial" panose="020B0604020202020204" pitchFamily="34" charset="0"/>
+            </a:endParaRPr>
           </a:p>
           <a:p>
             <a:endParaRPr lang="es-MX" sz="1800" b="1" dirty="0">
-              <a:latin typeface="72" panose="020B0503030000000003" pitchFamily="34" charset="0"/>
-              <a:cs typeface="72" panose="020B0503030000000003" pitchFamily="34" charset="0"/>
+              <a:latin typeface="Arial" panose="020B0604020202020204" pitchFamily="34" charset="0"/>
+              <a:cs typeface="Arial" panose="020B0604020202020204" pitchFamily="34" charset="0"/>
             </a:endParaRPr>
           </a:p>
         </p:txBody>

--- a/PROYECTO/01 Medium Level/PROY_M00.pptx
+++ b/PROYECTO/01 Medium Level/PROY_M00.pptx
@@ -5,7 +5,7 @@
     <p:sldMasterId id="2147483659" r:id="rId1"/>
   </p:sldMasterIdLst>
   <p:notesMasterIdLst>
-    <p:notesMasterId r:id="rId14"/>
+    <p:notesMasterId r:id="rId15"/>
   </p:notesMasterIdLst>
   <p:sldIdLst>
     <p:sldId id="256" r:id="rId2"/>
@@ -14,22 +14,23 @@
     <p:sldId id="271" r:id="rId5"/>
     <p:sldId id="276" r:id="rId6"/>
     <p:sldId id="275" r:id="rId7"/>
-    <p:sldId id="264" r:id="rId8"/>
-    <p:sldId id="266" r:id="rId9"/>
-    <p:sldId id="272" r:id="rId10"/>
-    <p:sldId id="267" r:id="rId11"/>
-    <p:sldId id="265" r:id="rId12"/>
-    <p:sldId id="273" r:id="rId13"/>
+    <p:sldId id="277" r:id="rId8"/>
+    <p:sldId id="264" r:id="rId9"/>
+    <p:sldId id="266" r:id="rId10"/>
+    <p:sldId id="272" r:id="rId11"/>
+    <p:sldId id="267" r:id="rId12"/>
+    <p:sldId id="265" r:id="rId13"/>
+    <p:sldId id="273" r:id="rId14"/>
   </p:sldIdLst>
   <p:sldSz cx="9144000" cy="5143500" type="screen16x9"/>
   <p:notesSz cx="6858000" cy="9144000"/>
   <p:embeddedFontLst>
     <p:embeddedFont>
       <p:font typeface="Roboto" panose="02000000000000000000" pitchFamily="2" charset="0"/>
-      <p:regular r:id="rId15"/>
-      <p:bold r:id="rId16"/>
-      <p:italic r:id="rId17"/>
-      <p:boldItalic r:id="rId18"/>
+      <p:regular r:id="rId16"/>
+      <p:bold r:id="rId17"/>
+      <p:italic r:id="rId18"/>
+      <p:boldItalic r:id="rId19"/>
     </p:embeddedFont>
   </p:embeddedFontLst>
   <p:defaultTextStyle>
@@ -6098,6 +6099,378 @@
         <p:spPr>
           <a:xfrm>
             <a:off x="0" y="893134"/>
+            <a:ext cx="9101470" cy="3693319"/>
+          </a:xfrm>
+          <a:prstGeom prst="rect">
+            <a:avLst/>
+          </a:prstGeom>
+          <a:noFill/>
+        </p:spPr>
+        <p:txBody>
+          <a:bodyPr wrap="square" rtlCol="0">
+            <a:spAutoFit/>
+          </a:bodyPr>
+          <a:lstStyle/>
+          <a:p>
+            <a:r>
+              <a:rPr lang="es-MX" sz="1800" dirty="0">
+                <a:latin typeface="Arial" panose="020B0604020202020204" pitchFamily="34" charset="0"/>
+                <a:cs typeface="Arial" panose="020B0604020202020204" pitchFamily="34" charset="0"/>
+              </a:rPr>
+              <a:t>La funcionalidad mínima esperada es:</a:t>
+            </a:r>
+          </a:p>
+          <a:p>
+            <a:r>
+              <a:rPr lang="es-MX" sz="1800" b="1" dirty="0">
+                <a:latin typeface="Arial" panose="020B0604020202020204" pitchFamily="34" charset="0"/>
+                <a:cs typeface="Arial" panose="020B0604020202020204" pitchFamily="34" charset="0"/>
+              </a:rPr>
+              <a:t>Clase para modelar el objeto elegido:</a:t>
+            </a:r>
+            <a:endParaRPr lang="es-MX" sz="1800" dirty="0">
+              <a:latin typeface="Arial" panose="020B0604020202020204" pitchFamily="34" charset="0"/>
+              <a:cs typeface="Arial" panose="020B0604020202020204" pitchFamily="34" charset="0"/>
+            </a:endParaRPr>
+          </a:p>
+          <a:p>
+            <a:pPr marL="342900" indent="-342900">
+              <a:buFont typeface="Arial" panose="020B0604020202020204" pitchFamily="34" charset="0"/>
+              <a:buChar char="•"/>
+            </a:pPr>
+            <a:r>
+              <a:rPr lang="es-MX" sz="1800" dirty="0">
+                <a:latin typeface="Arial" panose="020B0604020202020204" pitchFamily="34" charset="0"/>
+                <a:cs typeface="Arial" panose="020B0604020202020204" pitchFamily="34" charset="0"/>
+              </a:rPr>
+              <a:t>5 atributos, correctamente encapsulados</a:t>
+            </a:r>
+          </a:p>
+          <a:p>
+            <a:pPr marL="342900" indent="-342900">
+              <a:buFont typeface="Arial" panose="020B0604020202020204" pitchFamily="34" charset="0"/>
+              <a:buChar char="•"/>
+            </a:pPr>
+            <a:r>
+              <a:rPr lang="es-MX" sz="1800" dirty="0">
+                <a:latin typeface="Arial" panose="020B0604020202020204" pitchFamily="34" charset="0"/>
+                <a:cs typeface="Arial" panose="020B0604020202020204" pitchFamily="34" charset="0"/>
+              </a:rPr>
+              <a:t>1 constructor</a:t>
+            </a:r>
+          </a:p>
+          <a:p>
+            <a:pPr marL="342900" indent="-342900">
+              <a:buFont typeface="Arial" panose="020B0604020202020204" pitchFamily="34" charset="0"/>
+              <a:buChar char="•"/>
+            </a:pPr>
+            <a:r>
+              <a:rPr lang="es-MX" sz="1800" dirty="0">
+                <a:latin typeface="Arial" panose="020B0604020202020204" pitchFamily="34" charset="0"/>
+                <a:cs typeface="Arial" panose="020B0604020202020204" pitchFamily="34" charset="0"/>
+              </a:rPr>
+              <a:t>Getters y setters necesarios para interactuar con la clase</a:t>
+            </a:r>
+          </a:p>
+          <a:p>
+            <a:pPr marL="342900" indent="-342900">
+              <a:buFont typeface="Arial" panose="020B0604020202020204" pitchFamily="34" charset="0"/>
+              <a:buChar char="•"/>
+            </a:pPr>
+            <a:r>
+              <a:rPr lang="es-MX" sz="1800" dirty="0">
+                <a:latin typeface="Arial" panose="020B0604020202020204" pitchFamily="34" charset="0"/>
+                <a:cs typeface="Arial" panose="020B0604020202020204" pitchFamily="34" charset="0"/>
+              </a:rPr>
+              <a:t>Métodos para realizar los cálculos</a:t>
+            </a:r>
+          </a:p>
+          <a:p>
+            <a:endParaRPr lang="es-MX" sz="1800" dirty="0">
+              <a:latin typeface="Arial" panose="020B0604020202020204" pitchFamily="34" charset="0"/>
+              <a:cs typeface="Arial" panose="020B0604020202020204" pitchFamily="34" charset="0"/>
+            </a:endParaRPr>
+          </a:p>
+          <a:p>
+            <a:r>
+              <a:rPr lang="es-MX" sz="1800" b="1" dirty="0">
+                <a:latin typeface="Arial" panose="020B0604020202020204" pitchFamily="34" charset="0"/>
+                <a:cs typeface="Arial" panose="020B0604020202020204" pitchFamily="34" charset="0"/>
+              </a:rPr>
+              <a:t>GUI</a:t>
+            </a:r>
+          </a:p>
+          <a:p>
+            <a:pPr marL="342900" indent="-342900">
+              <a:buFont typeface="Arial" panose="020B0604020202020204" pitchFamily="34" charset="0"/>
+              <a:buChar char="•"/>
+            </a:pPr>
+            <a:r>
+              <a:rPr lang="es-MX" sz="1800" dirty="0">
+                <a:latin typeface="Arial" panose="020B0604020202020204" pitchFamily="34" charset="0"/>
+                <a:cs typeface="Arial" panose="020B0604020202020204" pitchFamily="34" charset="0"/>
+              </a:rPr>
+              <a:t>At </a:t>
+            </a:r>
+            <a:r>
+              <a:rPr lang="es-MX" sz="1800" dirty="0" err="1">
+                <a:latin typeface="Arial" panose="020B0604020202020204" pitchFamily="34" charset="0"/>
+                <a:cs typeface="Arial" panose="020B0604020202020204" pitchFamily="34" charset="0"/>
+              </a:rPr>
+              <a:t>least</a:t>
+            </a:r>
+            <a:r>
+              <a:rPr lang="es-MX" sz="1800" dirty="0">
+                <a:latin typeface="Arial" panose="020B0604020202020204" pitchFamily="34" charset="0"/>
+                <a:cs typeface="Arial" panose="020B0604020202020204" pitchFamily="34" charset="0"/>
+              </a:rPr>
+              <a:t> 2 </a:t>
+            </a:r>
+            <a:r>
+              <a:rPr lang="es-MX" sz="1800" dirty="0" err="1">
+                <a:latin typeface="Arial" panose="020B0604020202020204" pitchFamily="34" charset="0"/>
+                <a:cs typeface="Arial" panose="020B0604020202020204" pitchFamily="34" charset="0"/>
+              </a:rPr>
+              <a:t>windows</a:t>
+            </a:r>
+            <a:endParaRPr lang="es-MX" sz="1800" dirty="0">
+              <a:latin typeface="Arial" panose="020B0604020202020204" pitchFamily="34" charset="0"/>
+              <a:cs typeface="Arial" panose="020B0604020202020204" pitchFamily="34" charset="0"/>
+            </a:endParaRPr>
+          </a:p>
+          <a:p>
+            <a:pPr marL="342900" indent="-342900">
+              <a:buFont typeface="Arial" panose="020B0604020202020204" pitchFamily="34" charset="0"/>
+              <a:buChar char="•"/>
+            </a:pPr>
+            <a:r>
+              <a:rPr lang="es-MX" sz="1800" dirty="0">
+                <a:latin typeface="Arial" panose="020B0604020202020204" pitchFamily="34" charset="0"/>
+                <a:cs typeface="Arial" panose="020B0604020202020204" pitchFamily="34" charset="0"/>
+              </a:rPr>
+              <a:t>2 </a:t>
+            </a:r>
+            <a:r>
+              <a:rPr lang="es-MX" sz="1800" dirty="0" err="1">
+                <a:latin typeface="Arial" panose="020B0604020202020204" pitchFamily="34" charset="0"/>
+                <a:cs typeface="Arial" panose="020B0604020202020204" pitchFamily="34" charset="0"/>
+              </a:rPr>
+              <a:t>buttons</a:t>
+            </a:r>
+            <a:endParaRPr lang="es-MX" sz="1800" dirty="0">
+              <a:latin typeface="Arial" panose="020B0604020202020204" pitchFamily="34" charset="0"/>
+              <a:cs typeface="Arial" panose="020B0604020202020204" pitchFamily="34" charset="0"/>
+            </a:endParaRPr>
+          </a:p>
+          <a:p>
+            <a:pPr marL="342900" indent="-342900">
+              <a:buFont typeface="Arial" panose="020B0604020202020204" pitchFamily="34" charset="0"/>
+              <a:buChar char="•"/>
+            </a:pPr>
+            <a:r>
+              <a:rPr lang="es-MX" sz="1800" dirty="0">
+                <a:latin typeface="Arial" panose="020B0604020202020204" pitchFamily="34" charset="0"/>
+                <a:cs typeface="Arial" panose="020B0604020202020204" pitchFamily="34" charset="0"/>
+              </a:rPr>
+              <a:t>2 </a:t>
+            </a:r>
+            <a:r>
+              <a:rPr lang="es-MX" sz="1800" dirty="0" err="1">
+                <a:latin typeface="Arial" panose="020B0604020202020204" pitchFamily="34" charset="0"/>
+                <a:cs typeface="Arial" panose="020B0604020202020204" pitchFamily="34" charset="0"/>
+              </a:rPr>
+              <a:t>images</a:t>
+            </a:r>
+            <a:endParaRPr lang="es-MX" sz="1800" dirty="0">
+              <a:latin typeface="Arial" panose="020B0604020202020204" pitchFamily="34" charset="0"/>
+              <a:cs typeface="Arial" panose="020B0604020202020204" pitchFamily="34" charset="0"/>
+            </a:endParaRPr>
+          </a:p>
+          <a:p>
+            <a:pPr marL="342900" indent="-342900">
+              <a:buFont typeface="Arial" panose="020B0604020202020204" pitchFamily="34" charset="0"/>
+              <a:buChar char="•"/>
+            </a:pPr>
+            <a:r>
+              <a:rPr lang="es-MX" sz="1800" dirty="0" err="1">
+                <a:latin typeface="Arial" panose="020B0604020202020204" pitchFamily="34" charset="0"/>
+                <a:cs typeface="Arial" panose="020B0604020202020204" pitchFamily="34" charset="0"/>
+              </a:rPr>
+              <a:t>Labels</a:t>
+            </a:r>
+            <a:r>
+              <a:rPr lang="es-MX" sz="1800" dirty="0">
+                <a:latin typeface="Arial" panose="020B0604020202020204" pitchFamily="34" charset="0"/>
+                <a:cs typeface="Arial" panose="020B0604020202020204" pitchFamily="34" charset="0"/>
+              </a:rPr>
+              <a:t> and input boxes as </a:t>
+            </a:r>
+            <a:r>
+              <a:rPr lang="es-MX" sz="1800" dirty="0" err="1">
+                <a:latin typeface="Arial" panose="020B0604020202020204" pitchFamily="34" charset="0"/>
+                <a:cs typeface="Arial" panose="020B0604020202020204" pitchFamily="34" charset="0"/>
+              </a:rPr>
+              <a:t>needed</a:t>
+            </a:r>
+            <a:endParaRPr lang="es-MX" sz="1800" dirty="0">
+              <a:latin typeface="Arial" panose="020B0604020202020204" pitchFamily="34" charset="0"/>
+              <a:cs typeface="Arial" panose="020B0604020202020204" pitchFamily="34" charset="0"/>
+            </a:endParaRPr>
+          </a:p>
+          <a:p>
+            <a:endParaRPr lang="es-MX" sz="1800" b="1" dirty="0">
+              <a:latin typeface="Arial" panose="020B0604020202020204" pitchFamily="34" charset="0"/>
+              <a:cs typeface="Arial" panose="020B0604020202020204" pitchFamily="34" charset="0"/>
+            </a:endParaRPr>
+          </a:p>
+        </p:txBody>
+      </p:sp>
+      <p:pic>
+        <p:nvPicPr>
+          <p:cNvPr id="5" name="Graphic 4" descr="Presentation with media">
+            <a:extLst>
+              <a:ext uri="{FF2B5EF4-FFF2-40B4-BE49-F238E27FC236}">
+                <a16:creationId xmlns:a16="http://schemas.microsoft.com/office/drawing/2014/main" id="{A7255E5F-6B86-4D1A-AB33-47A60F5AC5D6}"/>
+              </a:ext>
+            </a:extLst>
+          </p:cNvPr>
+          <p:cNvPicPr>
+            <a:picLocks noChangeAspect="1"/>
+          </p:cNvPicPr>
+          <p:nvPr/>
+        </p:nvPicPr>
+        <p:blipFill>
+          <a:blip r:embed="rId2">
+            <a:extLst>
+              <a:ext uri="{96DAC541-7B7A-43D3-8B79-37D633B846F1}">
+                <asvg:svgBlip xmlns:asvg="http://schemas.microsoft.com/office/drawing/2016/SVG/main" r:embed="rId3"/>
+              </a:ext>
+            </a:extLst>
+          </a:blip>
+          <a:stretch>
+            <a:fillRect/>
+          </a:stretch>
+        </p:blipFill>
+        <p:spPr>
+          <a:xfrm>
+            <a:off x="7624775" y="-47343"/>
+            <a:ext cx="987817" cy="987817"/>
+          </a:xfrm>
+          <a:prstGeom prst="rect">
+            <a:avLst/>
+          </a:prstGeom>
+        </p:spPr>
+      </p:pic>
+    </p:spTree>
+    <p:extLst>
+      <p:ext uri="{BB962C8B-B14F-4D97-AF65-F5344CB8AC3E}">
+        <p14:creationId xmlns:p14="http://schemas.microsoft.com/office/powerpoint/2010/main" val="3145101568"/>
+      </p:ext>
+    </p:extLst>
+  </p:cSld>
+  <p:clrMapOvr>
+    <a:masterClrMapping/>
+  </p:clrMapOvr>
+</p:sld>
+</file>
+
+<file path=ppt/slides/slide11.xml><?xml version="1.0" encoding="utf-8"?>
+<p:sld xmlns:a="http://schemas.openxmlformats.org/drawingml/2006/main" xmlns:r="http://schemas.openxmlformats.org/officeDocument/2006/relationships" xmlns:p="http://schemas.openxmlformats.org/presentationml/2006/main">
+  <p:cSld>
+    <p:spTree>
+      <p:nvGrpSpPr>
+        <p:cNvPr id="1" name=""/>
+        <p:cNvGrpSpPr/>
+        <p:nvPr/>
+      </p:nvGrpSpPr>
+      <p:grpSpPr>
+        <a:xfrm>
+          <a:off x="0" y="0"/>
+          <a:ext cx="0" cy="0"/>
+          <a:chOff x="0" y="0"/>
+          <a:chExt cx="0" cy="0"/>
+        </a:xfrm>
+      </p:grpSpPr>
+      <p:sp>
+        <p:nvSpPr>
+          <p:cNvPr id="11" name="Rectangle 10">
+            <a:extLst>
+              <a:ext uri="{FF2B5EF4-FFF2-40B4-BE49-F238E27FC236}">
+                <a16:creationId xmlns:a16="http://schemas.microsoft.com/office/drawing/2014/main" id="{1BF55567-E569-4783-8A9A-A17C6B815A8F}"/>
+              </a:ext>
+            </a:extLst>
+          </p:cNvPr>
+          <p:cNvSpPr/>
+          <p:nvPr/>
+        </p:nvSpPr>
+        <p:spPr>
+          <a:xfrm>
+            <a:off x="0" y="-1"/>
+            <a:ext cx="9143999" cy="893135"/>
+          </a:xfrm>
+          <a:prstGeom prst="rect">
+            <a:avLst/>
+          </a:prstGeom>
+          <a:solidFill>
+            <a:srgbClr val="B78700"/>
+          </a:solidFill>
+          <a:ln>
+            <a:solidFill>
+              <a:srgbClr val="B78700"/>
+            </a:solidFill>
+          </a:ln>
+        </p:spPr>
+        <p:style>
+          <a:lnRef idx="2">
+            <a:schemeClr val="accent1">
+              <a:shade val="50000"/>
+            </a:schemeClr>
+          </a:lnRef>
+          <a:fillRef idx="1">
+            <a:schemeClr val="accent1"/>
+          </a:fillRef>
+          <a:effectRef idx="0">
+            <a:schemeClr val="accent1"/>
+          </a:effectRef>
+          <a:fontRef idx="minor">
+            <a:schemeClr val="lt1"/>
+          </a:fontRef>
+        </p:style>
+        <p:txBody>
+          <a:bodyPr rtlCol="0" anchor="ctr"/>
+          <a:lstStyle/>
+          <a:p>
+            <a:r>
+              <a:rPr lang="en-US" sz="3000" b="1" dirty="0">
+                <a:solidFill>
+                  <a:schemeClr val="bg1"/>
+                </a:solidFill>
+              </a:rPr>
+              <a:t>2. Coding</a:t>
+            </a:r>
+            <a:endParaRPr lang="es-MX" sz="3000" b="1" dirty="0">
+              <a:solidFill>
+                <a:schemeClr val="bg1"/>
+              </a:solidFill>
+            </a:endParaRPr>
+          </a:p>
+        </p:txBody>
+      </p:sp>
+      <p:sp>
+        <p:nvSpPr>
+          <p:cNvPr id="2" name="TextBox 1">
+            <a:extLst>
+              <a:ext uri="{FF2B5EF4-FFF2-40B4-BE49-F238E27FC236}">
+                <a16:creationId xmlns:a16="http://schemas.microsoft.com/office/drawing/2014/main" id="{26E30AAB-29BC-4CE7-B288-6FE748B82A42}"/>
+              </a:ext>
+            </a:extLst>
+          </p:cNvPr>
+          <p:cNvSpPr txBox="1"/>
+          <p:nvPr/>
+        </p:nvSpPr>
+        <p:spPr>
+          <a:xfrm>
+            <a:off x="0" y="893134"/>
             <a:ext cx="9101470" cy="3170099"/>
           </a:xfrm>
           <a:prstGeom prst="rect">
@@ -6467,7 +6840,7 @@
 </p:sld>
 </file>
 
-<file path=ppt/slides/slide11.xml><?xml version="1.0" encoding="utf-8"?>
+<file path=ppt/slides/slide12.xml><?xml version="1.0" encoding="utf-8"?>
 <p:sld xmlns:a="http://schemas.openxmlformats.org/drawingml/2006/main" xmlns:r="http://schemas.openxmlformats.org/officeDocument/2006/relationships" xmlns:p="http://schemas.openxmlformats.org/presentationml/2006/main">
   <p:cSld>
     <p:spTree>
@@ -7058,7 +7431,7 @@
 </p:sld>
 </file>
 
-<file path=ppt/slides/slide12.xml><?xml version="1.0" encoding="utf-8"?>
+<file path=ppt/slides/slide13.xml><?xml version="1.0" encoding="utf-8"?>
 <p:sld xmlns:a="http://schemas.openxmlformats.org/drawingml/2006/main" xmlns:r="http://schemas.openxmlformats.org/officeDocument/2006/relationships" xmlns:p="http://schemas.openxmlformats.org/presentationml/2006/main">
   <p:cSld>
     <p:spTree>
@@ -10757,7 +11130,793 @@
                   <a:schemeClr val="bg1"/>
                 </a:solidFill>
               </a:rPr>
-              <a:t>1. Design</a:t>
+              <a:t>1. Design – Part 1</a:t>
+            </a:r>
+            <a:endParaRPr lang="es-MX" sz="3000" b="1" dirty="0">
+              <a:solidFill>
+                <a:schemeClr val="bg1"/>
+              </a:solidFill>
+            </a:endParaRPr>
+          </a:p>
+        </p:txBody>
+      </p:sp>
+      <p:sp>
+        <p:nvSpPr>
+          <p:cNvPr id="2" name="TextBox 1">
+            <a:extLst>
+              <a:ext uri="{FF2B5EF4-FFF2-40B4-BE49-F238E27FC236}">
+                <a16:creationId xmlns:a16="http://schemas.microsoft.com/office/drawing/2014/main" id="{26E30AAB-29BC-4CE7-B288-6FE748B82A42}"/>
+              </a:ext>
+            </a:extLst>
+          </p:cNvPr>
+          <p:cNvSpPr txBox="1"/>
+          <p:nvPr/>
+        </p:nvSpPr>
+        <p:spPr>
+          <a:xfrm>
+            <a:off x="0" y="1041990"/>
+            <a:ext cx="9053623" cy="3477875"/>
+          </a:xfrm>
+          <a:prstGeom prst="rect">
+            <a:avLst/>
+          </a:prstGeom>
+          <a:noFill/>
+        </p:spPr>
+        <p:txBody>
+          <a:bodyPr wrap="square" rtlCol="0">
+            <a:spAutoFit/>
+          </a:bodyPr>
+          <a:lstStyle/>
+          <a:p>
+            <a:r>
+              <a:rPr lang="en-US" sz="2000" b="1" dirty="0">
+                <a:latin typeface="Arial" panose="020B0604020202020204" pitchFamily="34" charset="0"/>
+                <a:cs typeface="Arial" panose="020B0604020202020204" pitchFamily="34" charset="0"/>
+              </a:rPr>
+              <a:t>Due date: </a:t>
+            </a:r>
+            <a:r>
+              <a:rPr lang="en-US" sz="2000" dirty="0">
+                <a:latin typeface="Arial" panose="020B0604020202020204" pitchFamily="34" charset="0"/>
+                <a:cs typeface="Arial" panose="020B0604020202020204" pitchFamily="34" charset="0"/>
+              </a:rPr>
+              <a:t>April 8</a:t>
+            </a:r>
+            <a:r>
+              <a:rPr lang="en-US" sz="2000" baseline="30000" dirty="0">
+                <a:latin typeface="Arial" panose="020B0604020202020204" pitchFamily="34" charset="0"/>
+                <a:cs typeface="Arial" panose="020B0604020202020204" pitchFamily="34" charset="0"/>
+              </a:rPr>
+              <a:t>th</a:t>
+            </a:r>
+            <a:r>
+              <a:rPr lang="en-US" sz="2000" dirty="0">
+                <a:latin typeface="Arial" panose="020B0604020202020204" pitchFamily="34" charset="0"/>
+                <a:cs typeface="Arial" panose="020B0604020202020204" pitchFamily="34" charset="0"/>
+              </a:rPr>
+              <a:t> @ 6:00 AM</a:t>
+            </a:r>
+          </a:p>
+          <a:p>
+            <a:endParaRPr lang="en-US" sz="2000" i="1" dirty="0">
+              <a:latin typeface="Arial" panose="020B0604020202020204" pitchFamily="34" charset="0"/>
+              <a:cs typeface="Arial" panose="020B0604020202020204" pitchFamily="34" charset="0"/>
+            </a:endParaRPr>
+          </a:p>
+          <a:p>
+            <a:r>
+              <a:rPr lang="es-MX" sz="2000" b="1" dirty="0" err="1">
+                <a:latin typeface="Arial" panose="020B0604020202020204" pitchFamily="34" charset="0"/>
+                <a:cs typeface="Arial" panose="020B0604020202020204" pitchFamily="34" charset="0"/>
+              </a:rPr>
+              <a:t>Deliverable</a:t>
+            </a:r>
+            <a:r>
+              <a:rPr lang="es-MX" sz="2000" b="1" dirty="0">
+                <a:latin typeface="Arial" panose="020B0604020202020204" pitchFamily="34" charset="0"/>
+                <a:cs typeface="Arial" panose="020B0604020202020204" pitchFamily="34" charset="0"/>
+              </a:rPr>
+              <a:t>: </a:t>
+            </a:r>
+            <a:r>
+              <a:rPr lang="en-US" sz="2000" dirty="0">
+                <a:latin typeface="Arial" panose="020B0604020202020204" pitchFamily="34" charset="0"/>
+                <a:cs typeface="Arial" panose="020B0604020202020204" pitchFamily="34" charset="0"/>
+              </a:rPr>
+              <a:t>Submit a short project description of what you are going to do. It must include:</a:t>
+            </a:r>
+          </a:p>
+          <a:p>
+            <a:endParaRPr lang="en-US" sz="2000" dirty="0">
+              <a:latin typeface="Arial" panose="020B0604020202020204" pitchFamily="34" charset="0"/>
+              <a:cs typeface="Arial" panose="020B0604020202020204" pitchFamily="34" charset="0"/>
+            </a:endParaRPr>
+          </a:p>
+          <a:p>
+            <a:pPr marL="342900" indent="-342900">
+              <a:buFontTx/>
+              <a:buChar char="-"/>
+            </a:pPr>
+            <a:r>
+              <a:rPr lang="en-US" sz="2000" dirty="0">
+                <a:latin typeface="Arial" panose="020B0604020202020204" pitchFamily="34" charset="0"/>
+                <a:cs typeface="Arial" panose="020B0604020202020204" pitchFamily="34" charset="0"/>
+              </a:rPr>
+              <a:t>Brief description of what the program will achieve</a:t>
+            </a:r>
+          </a:p>
+          <a:p>
+            <a:pPr marL="342900" indent="-342900">
+              <a:buFontTx/>
+              <a:buChar char="-"/>
+            </a:pPr>
+            <a:r>
+              <a:rPr lang="es-MX" sz="2000" dirty="0" err="1">
+                <a:latin typeface="Arial" panose="020B0604020202020204" pitchFamily="34" charset="0"/>
+                <a:cs typeface="Arial" panose="020B0604020202020204" pitchFamily="34" charset="0"/>
+              </a:rPr>
+              <a:t>Dataset</a:t>
+            </a:r>
+            <a:r>
+              <a:rPr lang="es-MX" sz="2000" dirty="0">
+                <a:latin typeface="Arial" panose="020B0604020202020204" pitchFamily="34" charset="0"/>
+                <a:cs typeface="Arial" panose="020B0604020202020204" pitchFamily="34" charset="0"/>
+              </a:rPr>
+              <a:t> </a:t>
+            </a:r>
+            <a:r>
+              <a:rPr lang="es-MX" sz="2000" dirty="0" err="1">
+                <a:latin typeface="Arial" panose="020B0604020202020204" pitchFamily="34" charset="0"/>
+                <a:cs typeface="Arial" panose="020B0604020202020204" pitchFamily="34" charset="0"/>
+              </a:rPr>
+              <a:t>that</a:t>
+            </a:r>
+            <a:r>
+              <a:rPr lang="es-MX" sz="2000" dirty="0">
+                <a:latin typeface="Arial" panose="020B0604020202020204" pitchFamily="34" charset="0"/>
+                <a:cs typeface="Arial" panose="020B0604020202020204" pitchFamily="34" charset="0"/>
+              </a:rPr>
+              <a:t> </a:t>
+            </a:r>
+            <a:r>
+              <a:rPr lang="es-MX" sz="2000" dirty="0" err="1">
+                <a:latin typeface="Arial" panose="020B0604020202020204" pitchFamily="34" charset="0"/>
+                <a:cs typeface="Arial" panose="020B0604020202020204" pitchFamily="34" charset="0"/>
+              </a:rPr>
+              <a:t>you</a:t>
+            </a:r>
+            <a:r>
+              <a:rPr lang="es-MX" sz="2000" dirty="0">
+                <a:latin typeface="Arial" panose="020B0604020202020204" pitchFamily="34" charset="0"/>
+                <a:cs typeface="Arial" panose="020B0604020202020204" pitchFamily="34" charset="0"/>
+              </a:rPr>
+              <a:t> </a:t>
+            </a:r>
+            <a:r>
+              <a:rPr lang="es-MX" sz="2000" dirty="0" err="1">
+                <a:latin typeface="Arial" panose="020B0604020202020204" pitchFamily="34" charset="0"/>
+                <a:cs typeface="Arial" panose="020B0604020202020204" pitchFamily="34" charset="0"/>
+              </a:rPr>
+              <a:t>have</a:t>
+            </a:r>
+            <a:r>
+              <a:rPr lang="es-MX" sz="2000" dirty="0">
+                <a:latin typeface="Arial" panose="020B0604020202020204" pitchFamily="34" charset="0"/>
+                <a:cs typeface="Arial" panose="020B0604020202020204" pitchFamily="34" charset="0"/>
+              </a:rPr>
+              <a:t> </a:t>
+            </a:r>
+            <a:r>
+              <a:rPr lang="es-MX" sz="2000" dirty="0" err="1">
+                <a:latin typeface="Arial" panose="020B0604020202020204" pitchFamily="34" charset="0"/>
+                <a:cs typeface="Arial" panose="020B0604020202020204" pitchFamily="34" charset="0"/>
+              </a:rPr>
+              <a:t>selected</a:t>
+            </a:r>
+            <a:r>
+              <a:rPr lang="es-MX" sz="2000" dirty="0">
+                <a:latin typeface="Arial" panose="020B0604020202020204" pitchFamily="34" charset="0"/>
+                <a:cs typeface="Arial" panose="020B0604020202020204" pitchFamily="34" charset="0"/>
+              </a:rPr>
+              <a:t>. </a:t>
+            </a:r>
+            <a:r>
+              <a:rPr lang="es-MX" sz="2000" dirty="0" err="1">
+                <a:latin typeface="Arial" panose="020B0604020202020204" pitchFamily="34" charset="0"/>
+                <a:cs typeface="Arial" panose="020B0604020202020204" pitchFamily="34" charset="0"/>
+              </a:rPr>
+              <a:t>Source</a:t>
+            </a:r>
+            <a:r>
+              <a:rPr lang="es-MX" sz="2000" dirty="0">
+                <a:latin typeface="Arial" panose="020B0604020202020204" pitchFamily="34" charset="0"/>
+                <a:cs typeface="Arial" panose="020B0604020202020204" pitchFamily="34" charset="0"/>
+              </a:rPr>
+              <a:t> </a:t>
+            </a:r>
+            <a:r>
+              <a:rPr lang="es-MX" sz="2000" dirty="0" err="1">
+                <a:latin typeface="Arial" panose="020B0604020202020204" pitchFamily="34" charset="0"/>
+                <a:cs typeface="Arial" panose="020B0604020202020204" pitchFamily="34" charset="0"/>
+              </a:rPr>
+              <a:t>for</a:t>
+            </a:r>
+            <a:r>
+              <a:rPr lang="es-MX" sz="2000" dirty="0">
+                <a:latin typeface="Arial" panose="020B0604020202020204" pitchFamily="34" charset="0"/>
+                <a:cs typeface="Arial" panose="020B0604020202020204" pitchFamily="34" charset="0"/>
+              </a:rPr>
+              <a:t> </a:t>
+            </a:r>
+            <a:r>
+              <a:rPr lang="es-MX" sz="2000" dirty="0" err="1">
+                <a:latin typeface="Arial" panose="020B0604020202020204" pitchFamily="34" charset="0"/>
+                <a:cs typeface="Arial" panose="020B0604020202020204" pitchFamily="34" charset="0"/>
+              </a:rPr>
+              <a:t>the</a:t>
+            </a:r>
+            <a:r>
+              <a:rPr lang="es-MX" sz="2000" dirty="0">
+                <a:latin typeface="Arial" panose="020B0604020202020204" pitchFamily="34" charset="0"/>
+                <a:cs typeface="Arial" panose="020B0604020202020204" pitchFamily="34" charset="0"/>
+              </a:rPr>
+              <a:t> </a:t>
+            </a:r>
+            <a:r>
+              <a:rPr lang="es-MX" sz="2000" dirty="0" err="1">
+                <a:latin typeface="Arial" panose="020B0604020202020204" pitchFamily="34" charset="0"/>
+                <a:cs typeface="Arial" panose="020B0604020202020204" pitchFamily="34" charset="0"/>
+              </a:rPr>
+              <a:t>information</a:t>
+            </a:r>
+            <a:endParaRPr lang="es-MX" sz="2000" dirty="0">
+              <a:latin typeface="Arial" panose="020B0604020202020204" pitchFamily="34" charset="0"/>
+              <a:cs typeface="Arial" panose="020B0604020202020204" pitchFamily="34" charset="0"/>
+            </a:endParaRPr>
+          </a:p>
+          <a:p>
+            <a:pPr marL="342900" indent="-342900">
+              <a:buFontTx/>
+              <a:buChar char="-"/>
+            </a:pPr>
+            <a:endParaRPr lang="es-MX" sz="2000" dirty="0">
+              <a:latin typeface="Arial" panose="020B0604020202020204" pitchFamily="34" charset="0"/>
+              <a:cs typeface="Arial" panose="020B0604020202020204" pitchFamily="34" charset="0"/>
+            </a:endParaRPr>
+          </a:p>
+          <a:p>
+            <a:endParaRPr lang="es-MX" sz="2000" dirty="0">
+              <a:latin typeface="Arial" panose="020B0604020202020204" pitchFamily="34" charset="0"/>
+              <a:cs typeface="Arial" panose="020B0604020202020204" pitchFamily="34" charset="0"/>
+            </a:endParaRPr>
+          </a:p>
+          <a:p>
+            <a:r>
+              <a:rPr lang="es-MX" sz="2000" b="1" dirty="0" err="1">
+                <a:latin typeface="Arial" panose="020B0604020202020204" pitchFamily="34" charset="0"/>
+                <a:cs typeface="Arial" panose="020B0604020202020204" pitchFamily="34" charset="0"/>
+              </a:rPr>
+              <a:t>Format</a:t>
+            </a:r>
+            <a:r>
+              <a:rPr lang="es-MX" sz="2000" b="1" dirty="0">
+                <a:latin typeface="Arial" panose="020B0604020202020204" pitchFamily="34" charset="0"/>
+                <a:cs typeface="Arial" panose="020B0604020202020204" pitchFamily="34" charset="0"/>
+              </a:rPr>
+              <a:t>: </a:t>
+            </a:r>
+            <a:r>
+              <a:rPr lang="es-MX" sz="2000" dirty="0" err="1">
+                <a:latin typeface="Arial" panose="020B0604020202020204" pitchFamily="34" charset="0"/>
+                <a:cs typeface="Arial" panose="020B0604020202020204" pitchFamily="34" charset="0"/>
+              </a:rPr>
+              <a:t>Written</a:t>
+            </a:r>
+            <a:r>
+              <a:rPr lang="es-MX" sz="2000" dirty="0">
+                <a:latin typeface="Arial" panose="020B0604020202020204" pitchFamily="34" charset="0"/>
+                <a:cs typeface="Arial" panose="020B0604020202020204" pitchFamily="34" charset="0"/>
+              </a:rPr>
+              <a:t> </a:t>
+            </a:r>
+            <a:r>
+              <a:rPr lang="es-MX" sz="2000" dirty="0" err="1">
+                <a:latin typeface="Arial" panose="020B0604020202020204" pitchFamily="34" charset="0"/>
+                <a:cs typeface="Arial" panose="020B0604020202020204" pitchFamily="34" charset="0"/>
+              </a:rPr>
+              <a:t>submission</a:t>
+            </a:r>
+            <a:r>
+              <a:rPr lang="es-MX" sz="2000" dirty="0">
+                <a:latin typeface="Arial" panose="020B0604020202020204" pitchFamily="34" charset="0"/>
+                <a:cs typeface="Arial" panose="020B0604020202020204" pitchFamily="34" charset="0"/>
+              </a:rPr>
+              <a:t> (1-2 </a:t>
+            </a:r>
+            <a:r>
+              <a:rPr lang="es-MX" sz="2000" dirty="0" err="1">
+                <a:latin typeface="Arial" panose="020B0604020202020204" pitchFamily="34" charset="0"/>
+                <a:cs typeface="Arial" panose="020B0604020202020204" pitchFamily="34" charset="0"/>
+              </a:rPr>
+              <a:t>paragraphs</a:t>
+            </a:r>
+            <a:r>
+              <a:rPr lang="es-MX" sz="2000" dirty="0">
+                <a:latin typeface="Arial" panose="020B0604020202020204" pitchFamily="34" charset="0"/>
+                <a:cs typeface="Arial" panose="020B0604020202020204" pitchFamily="34" charset="0"/>
+              </a:rPr>
+              <a:t> </a:t>
+            </a:r>
+            <a:r>
+              <a:rPr lang="es-MX" sz="2000" dirty="0" err="1">
+                <a:latin typeface="Arial" panose="020B0604020202020204" pitchFamily="34" charset="0"/>
+                <a:cs typeface="Arial" panose="020B0604020202020204" pitchFamily="34" charset="0"/>
+              </a:rPr>
+              <a:t>is</a:t>
+            </a:r>
+            <a:r>
+              <a:rPr lang="es-MX" sz="2000" dirty="0">
+                <a:latin typeface="Arial" panose="020B0604020202020204" pitchFamily="34" charset="0"/>
+                <a:cs typeface="Arial" panose="020B0604020202020204" pitchFamily="34" charset="0"/>
+              </a:rPr>
+              <a:t> </a:t>
+            </a:r>
+            <a:r>
+              <a:rPr lang="es-MX" sz="2000" dirty="0" err="1">
+                <a:latin typeface="Arial" panose="020B0604020202020204" pitchFamily="34" charset="0"/>
+                <a:cs typeface="Arial" panose="020B0604020202020204" pitchFamily="34" charset="0"/>
+              </a:rPr>
+              <a:t>enough</a:t>
+            </a:r>
+            <a:r>
+              <a:rPr lang="es-MX" sz="2000" dirty="0">
+                <a:latin typeface="Arial" panose="020B0604020202020204" pitchFamily="34" charset="0"/>
+                <a:cs typeface="Arial" panose="020B0604020202020204" pitchFamily="34" charset="0"/>
+              </a:rPr>
+              <a:t>) in a </a:t>
+            </a:r>
+            <a:r>
+              <a:rPr lang="es-MX" sz="2000" dirty="0" err="1">
+                <a:latin typeface="Arial" panose="020B0604020202020204" pitchFamily="34" charset="0"/>
+                <a:cs typeface="Arial" panose="020B0604020202020204" pitchFamily="34" charset="0"/>
+              </a:rPr>
+              <a:t>Canvas</a:t>
+            </a:r>
+            <a:r>
+              <a:rPr lang="es-MX" sz="2000" dirty="0">
+                <a:latin typeface="Arial" panose="020B0604020202020204" pitchFamily="34" charset="0"/>
+                <a:cs typeface="Arial" panose="020B0604020202020204" pitchFamily="34" charset="0"/>
+              </a:rPr>
+              <a:t> </a:t>
+            </a:r>
+            <a:r>
+              <a:rPr lang="es-MX" sz="2000" dirty="0" err="1">
+                <a:latin typeface="Arial" panose="020B0604020202020204" pitchFamily="34" charset="0"/>
+                <a:cs typeface="Arial" panose="020B0604020202020204" pitchFamily="34" charset="0"/>
+              </a:rPr>
+              <a:t>text</a:t>
+            </a:r>
+            <a:r>
+              <a:rPr lang="es-MX" sz="2000" dirty="0">
+                <a:latin typeface="Arial" panose="020B0604020202020204" pitchFamily="34" charset="0"/>
+                <a:cs typeface="Arial" panose="020B0604020202020204" pitchFamily="34" charset="0"/>
+              </a:rPr>
+              <a:t> </a:t>
+            </a:r>
+            <a:r>
+              <a:rPr lang="es-MX" sz="2000" dirty="0" err="1">
+                <a:latin typeface="Arial" panose="020B0604020202020204" pitchFamily="34" charset="0"/>
+                <a:cs typeface="Arial" panose="020B0604020202020204" pitchFamily="34" charset="0"/>
+              </a:rPr>
+              <a:t>entry</a:t>
+            </a:r>
+            <a:r>
+              <a:rPr lang="es-MX" sz="2000" dirty="0">
+                <a:latin typeface="Arial" panose="020B0604020202020204" pitchFamily="34" charset="0"/>
+                <a:cs typeface="Arial" panose="020B0604020202020204" pitchFamily="34" charset="0"/>
+              </a:rPr>
+              <a:t> box</a:t>
+            </a:r>
+          </a:p>
+        </p:txBody>
+      </p:sp>
+      <p:pic>
+        <p:nvPicPr>
+          <p:cNvPr id="12" name="Graphic 11" descr="Lightbulb with solid fill">
+            <a:extLst>
+              <a:ext uri="{FF2B5EF4-FFF2-40B4-BE49-F238E27FC236}">
+                <a16:creationId xmlns:a16="http://schemas.microsoft.com/office/drawing/2014/main" id="{59FDC2D0-9377-4F06-87FF-08F96CFEB385}"/>
+              </a:ext>
+            </a:extLst>
+          </p:cNvPr>
+          <p:cNvPicPr>
+            <a:picLocks noChangeAspect="1"/>
+          </p:cNvPicPr>
+          <p:nvPr/>
+        </p:nvPicPr>
+        <p:blipFill>
+          <a:blip r:embed="rId2">
+            <a:extLst>
+              <a:ext uri="{96DAC541-7B7A-43D3-8B79-37D633B846F1}">
+                <asvg:svgBlip xmlns:asvg="http://schemas.microsoft.com/office/drawing/2016/SVG/main" r:embed="rId3"/>
+              </a:ext>
+            </a:extLst>
+          </a:blip>
+          <a:stretch>
+            <a:fillRect/>
+          </a:stretch>
+        </p:blipFill>
+        <p:spPr>
+          <a:xfrm flipH="1">
+            <a:off x="8064894" y="0"/>
+            <a:ext cx="929379" cy="929379"/>
+          </a:xfrm>
+          <a:prstGeom prst="rect">
+            <a:avLst/>
+          </a:prstGeom>
+        </p:spPr>
+      </p:pic>
+    </p:spTree>
+    <p:extLst>
+      <p:ext uri="{BB962C8B-B14F-4D97-AF65-F5344CB8AC3E}">
+        <p14:creationId xmlns:p14="http://schemas.microsoft.com/office/powerpoint/2010/main" val="2217638461"/>
+      </p:ext>
+    </p:extLst>
+  </p:cSld>
+  <p:clrMapOvr>
+    <a:masterClrMapping/>
+  </p:clrMapOvr>
+  <p:timing>
+    <p:tnLst>
+      <p:par>
+        <p:cTn id="1" dur="indefinite" restart="never" nodeType="tmRoot">
+          <p:childTnLst>
+            <p:seq concurrent="1" nextAc="seek">
+              <p:cTn id="2" dur="indefinite" nodeType="mainSeq">
+                <p:childTnLst>
+                  <p:par>
+                    <p:cTn id="3" fill="hold">
+                      <p:stCondLst>
+                        <p:cond delay="indefinite"/>
+                      </p:stCondLst>
+                      <p:childTnLst>
+                        <p:par>
+                          <p:cTn id="4" fill="hold">
+                            <p:stCondLst>
+                              <p:cond delay="0"/>
+                            </p:stCondLst>
+                            <p:childTnLst>
+                              <p:par>
+                                <p:cTn id="5" presetID="1" presetClass="entr" presetSubtype="0" fill="hold" nodeType="clickEffect">
+                                  <p:stCondLst>
+                                    <p:cond delay="0"/>
+                                  </p:stCondLst>
+                                  <p:childTnLst>
+                                    <p:set>
+                                      <p:cBhvr>
+                                        <p:cTn id="6" dur="1" fill="hold">
+                                          <p:stCondLst>
+                                            <p:cond delay="0"/>
+                                          </p:stCondLst>
+                                        </p:cTn>
+                                        <p:tgtEl>
+                                          <p:spTgt spid="2">
+                                            <p:txEl>
+                                              <p:pRg st="0" end="0"/>
+                                            </p:txEl>
+                                          </p:spTgt>
+                                        </p:tgtEl>
+                                        <p:attrNameLst>
+                                          <p:attrName>style.visibility</p:attrName>
+                                        </p:attrNameLst>
+                                      </p:cBhvr>
+                                      <p:to>
+                                        <p:strVal val="visible"/>
+                                      </p:to>
+                                    </p:set>
+                                  </p:childTnLst>
+                                </p:cTn>
+                              </p:par>
+                            </p:childTnLst>
+                          </p:cTn>
+                        </p:par>
+                      </p:childTnLst>
+                    </p:cTn>
+                  </p:par>
+                  <p:par>
+                    <p:cTn id="7" fill="hold">
+                      <p:stCondLst>
+                        <p:cond delay="indefinite"/>
+                      </p:stCondLst>
+                      <p:childTnLst>
+                        <p:par>
+                          <p:cTn id="8" fill="hold">
+                            <p:stCondLst>
+                              <p:cond delay="0"/>
+                            </p:stCondLst>
+                            <p:childTnLst>
+                              <p:par>
+                                <p:cTn id="9" presetID="1" presetClass="entr" presetSubtype="0" fill="hold" nodeType="clickEffect">
+                                  <p:stCondLst>
+                                    <p:cond delay="0"/>
+                                  </p:stCondLst>
+                                  <p:childTnLst>
+                                    <p:set>
+                                      <p:cBhvr>
+                                        <p:cTn id="10" dur="1" fill="hold">
+                                          <p:stCondLst>
+                                            <p:cond delay="0"/>
+                                          </p:stCondLst>
+                                        </p:cTn>
+                                        <p:tgtEl>
+                                          <p:spTgt spid="2">
+                                            <p:txEl>
+                                              <p:pRg st="2" end="2"/>
+                                            </p:txEl>
+                                          </p:spTgt>
+                                        </p:tgtEl>
+                                        <p:attrNameLst>
+                                          <p:attrName>style.visibility</p:attrName>
+                                        </p:attrNameLst>
+                                      </p:cBhvr>
+                                      <p:to>
+                                        <p:strVal val="visible"/>
+                                      </p:to>
+                                    </p:set>
+                                  </p:childTnLst>
+                                </p:cTn>
+                              </p:par>
+                            </p:childTnLst>
+                          </p:cTn>
+                        </p:par>
+                      </p:childTnLst>
+                    </p:cTn>
+                  </p:par>
+                  <p:par>
+                    <p:cTn id="11" fill="hold">
+                      <p:stCondLst>
+                        <p:cond delay="indefinite"/>
+                      </p:stCondLst>
+                      <p:childTnLst>
+                        <p:par>
+                          <p:cTn id="12" fill="hold">
+                            <p:stCondLst>
+                              <p:cond delay="0"/>
+                            </p:stCondLst>
+                            <p:childTnLst>
+                              <p:par>
+                                <p:cTn id="13" presetID="1" presetClass="entr" presetSubtype="0" fill="hold" nodeType="clickEffect">
+                                  <p:stCondLst>
+                                    <p:cond delay="0"/>
+                                  </p:stCondLst>
+                                  <p:childTnLst>
+                                    <p:set>
+                                      <p:cBhvr>
+                                        <p:cTn id="14" dur="1" fill="hold">
+                                          <p:stCondLst>
+                                            <p:cond delay="0"/>
+                                          </p:stCondLst>
+                                        </p:cTn>
+                                        <p:tgtEl>
+                                          <p:spTgt spid="2">
+                                            <p:txEl>
+                                              <p:pRg st="4" end="4"/>
+                                            </p:txEl>
+                                          </p:spTgt>
+                                        </p:tgtEl>
+                                        <p:attrNameLst>
+                                          <p:attrName>style.visibility</p:attrName>
+                                        </p:attrNameLst>
+                                      </p:cBhvr>
+                                      <p:to>
+                                        <p:strVal val="visible"/>
+                                      </p:to>
+                                    </p:set>
+                                  </p:childTnLst>
+                                </p:cTn>
+                              </p:par>
+                            </p:childTnLst>
+                          </p:cTn>
+                        </p:par>
+                      </p:childTnLst>
+                    </p:cTn>
+                  </p:par>
+                  <p:par>
+                    <p:cTn id="15" fill="hold">
+                      <p:stCondLst>
+                        <p:cond delay="indefinite"/>
+                      </p:stCondLst>
+                      <p:childTnLst>
+                        <p:par>
+                          <p:cTn id="16" fill="hold">
+                            <p:stCondLst>
+                              <p:cond delay="0"/>
+                            </p:stCondLst>
+                            <p:childTnLst>
+                              <p:par>
+                                <p:cTn id="17" presetID="1" presetClass="entr" presetSubtype="0" fill="hold" nodeType="clickEffect">
+                                  <p:stCondLst>
+                                    <p:cond delay="0"/>
+                                  </p:stCondLst>
+                                  <p:childTnLst>
+                                    <p:set>
+                                      <p:cBhvr>
+                                        <p:cTn id="18" dur="1" fill="hold">
+                                          <p:stCondLst>
+                                            <p:cond delay="0"/>
+                                          </p:stCondLst>
+                                        </p:cTn>
+                                        <p:tgtEl>
+                                          <p:spTgt spid="2">
+                                            <p:txEl>
+                                              <p:pRg st="5" end="5"/>
+                                            </p:txEl>
+                                          </p:spTgt>
+                                        </p:tgtEl>
+                                        <p:attrNameLst>
+                                          <p:attrName>style.visibility</p:attrName>
+                                        </p:attrNameLst>
+                                      </p:cBhvr>
+                                      <p:to>
+                                        <p:strVal val="visible"/>
+                                      </p:to>
+                                    </p:set>
+                                  </p:childTnLst>
+                                </p:cTn>
+                              </p:par>
+                            </p:childTnLst>
+                          </p:cTn>
+                        </p:par>
+                      </p:childTnLst>
+                    </p:cTn>
+                  </p:par>
+                  <p:par>
+                    <p:cTn id="19" fill="hold">
+                      <p:stCondLst>
+                        <p:cond delay="indefinite"/>
+                      </p:stCondLst>
+                      <p:childTnLst>
+                        <p:par>
+                          <p:cTn id="20" fill="hold">
+                            <p:stCondLst>
+                              <p:cond delay="0"/>
+                            </p:stCondLst>
+                            <p:childTnLst>
+                              <p:par>
+                                <p:cTn id="21" presetID="1" presetClass="entr" presetSubtype="0" fill="hold" nodeType="clickEffect">
+                                  <p:stCondLst>
+                                    <p:cond delay="0"/>
+                                  </p:stCondLst>
+                                  <p:childTnLst>
+                                    <p:set>
+                                      <p:cBhvr>
+                                        <p:cTn id="22" dur="1" fill="hold">
+                                          <p:stCondLst>
+                                            <p:cond delay="0"/>
+                                          </p:stCondLst>
+                                        </p:cTn>
+                                        <p:tgtEl>
+                                          <p:spTgt spid="2">
+                                            <p:txEl>
+                                              <p:pRg st="8" end="8"/>
+                                            </p:txEl>
+                                          </p:spTgt>
+                                        </p:tgtEl>
+                                        <p:attrNameLst>
+                                          <p:attrName>style.visibility</p:attrName>
+                                        </p:attrNameLst>
+                                      </p:cBhvr>
+                                      <p:to>
+                                        <p:strVal val="visible"/>
+                                      </p:to>
+                                    </p:set>
+                                  </p:childTnLst>
+                                </p:cTn>
+                              </p:par>
+                            </p:childTnLst>
+                          </p:cTn>
+                        </p:par>
+                      </p:childTnLst>
+                    </p:cTn>
+                  </p:par>
+                </p:childTnLst>
+              </p:cTn>
+              <p:prevCondLst>
+                <p:cond evt="onPrev" delay="0">
+                  <p:tgtEl>
+                    <p:sldTgt/>
+                  </p:tgtEl>
+                </p:cond>
+              </p:prevCondLst>
+              <p:nextCondLst>
+                <p:cond evt="onNext" delay="0">
+                  <p:tgtEl>
+                    <p:sldTgt/>
+                  </p:tgtEl>
+                </p:cond>
+              </p:nextCondLst>
+            </p:seq>
+          </p:childTnLst>
+        </p:cTn>
+      </p:par>
+    </p:tnLst>
+  </p:timing>
+</p:sld>
+</file>
+
+<file path=ppt/slides/slide8.xml><?xml version="1.0" encoding="utf-8"?>
+<p:sld xmlns:a="http://schemas.openxmlformats.org/drawingml/2006/main" xmlns:r="http://schemas.openxmlformats.org/officeDocument/2006/relationships" xmlns:p="http://schemas.openxmlformats.org/presentationml/2006/main">
+  <p:cSld>
+    <p:spTree>
+      <p:nvGrpSpPr>
+        <p:cNvPr id="1" name=""/>
+        <p:cNvGrpSpPr/>
+        <p:nvPr/>
+      </p:nvGrpSpPr>
+      <p:grpSpPr>
+        <a:xfrm>
+          <a:off x="0" y="0"/>
+          <a:ext cx="0" cy="0"/>
+          <a:chOff x="0" y="0"/>
+          <a:chExt cx="0" cy="0"/>
+        </a:xfrm>
+      </p:grpSpPr>
+      <p:sp>
+        <p:nvSpPr>
+          <p:cNvPr id="11" name="Rectangle 10">
+            <a:extLst>
+              <a:ext uri="{FF2B5EF4-FFF2-40B4-BE49-F238E27FC236}">
+                <a16:creationId xmlns:a16="http://schemas.microsoft.com/office/drawing/2014/main" id="{1BF55567-E569-4783-8A9A-A17C6B815A8F}"/>
+              </a:ext>
+            </a:extLst>
+          </p:cNvPr>
+          <p:cNvSpPr/>
+          <p:nvPr/>
+        </p:nvSpPr>
+        <p:spPr>
+          <a:xfrm>
+            <a:off x="1" y="0"/>
+            <a:ext cx="9143999" cy="893135"/>
+          </a:xfrm>
+          <a:prstGeom prst="rect">
+            <a:avLst/>
+          </a:prstGeom>
+          <a:solidFill>
+            <a:schemeClr val="tx1"/>
+          </a:solidFill>
+          <a:ln>
+            <a:solidFill>
+              <a:schemeClr val="tx1"/>
+            </a:solidFill>
+          </a:ln>
+        </p:spPr>
+        <p:style>
+          <a:lnRef idx="2">
+            <a:schemeClr val="accent1">
+              <a:shade val="50000"/>
+            </a:schemeClr>
+          </a:lnRef>
+          <a:fillRef idx="1">
+            <a:schemeClr val="accent1"/>
+          </a:fillRef>
+          <a:effectRef idx="0">
+            <a:schemeClr val="accent1"/>
+          </a:effectRef>
+          <a:fontRef idx="minor">
+            <a:schemeClr val="lt1"/>
+          </a:fontRef>
+        </p:style>
+        <p:txBody>
+          <a:bodyPr rtlCol="0" anchor="ctr"/>
+          <a:lstStyle/>
+          <a:p>
+            <a:r>
+              <a:rPr lang="en-US" sz="3000" b="1" dirty="0">
+                <a:solidFill>
+                  <a:schemeClr val="bg1"/>
+                </a:solidFill>
+              </a:rPr>
+              <a:t>1. Design – Part 2</a:t>
             </a:r>
             <a:endParaRPr lang="es-MX" sz="3000" b="1" dirty="0">
               <a:solidFill>
@@ -10821,7 +11980,7 @@
                 <a:latin typeface="Arial" panose="020B0604020202020204" pitchFamily="34" charset="0"/>
                 <a:cs typeface="Arial" panose="020B0604020202020204" pitchFamily="34" charset="0"/>
               </a:rPr>
-              <a:t> @ 7:30 AM</a:t>
+              <a:t> @ 6:00 AM</a:t>
             </a:r>
           </a:p>
           <a:p>
@@ -10878,6 +12037,20 @@
                 <a:latin typeface="Arial" panose="020B0604020202020204" pitchFamily="34" charset="0"/>
                 <a:cs typeface="Arial" panose="020B0604020202020204" pitchFamily="34" charset="0"/>
               </a:rPr>
+              <a:t> a short </a:t>
+            </a:r>
+            <a:r>
+              <a:rPr lang="es-MX" sz="2000" dirty="0" err="1">
+                <a:latin typeface="Arial" panose="020B0604020202020204" pitchFamily="34" charset="0"/>
+                <a:cs typeface="Arial" panose="020B0604020202020204" pitchFamily="34" charset="0"/>
+              </a:rPr>
+              <a:t>description</a:t>
+            </a:r>
+            <a:r>
+              <a:rPr lang="es-MX" sz="2000" dirty="0">
+                <a:latin typeface="Arial" panose="020B0604020202020204" pitchFamily="34" charset="0"/>
+                <a:cs typeface="Arial" panose="020B0604020202020204" pitchFamily="34" charset="0"/>
+              </a:rPr>
               <a:t> </a:t>
             </a:r>
             <a:r>
@@ -10885,6 +12058,20 @@
                 <a:latin typeface="Arial" panose="020B0604020202020204" pitchFamily="34" charset="0"/>
                 <a:cs typeface="Arial" panose="020B0604020202020204" pitchFamily="34" charset="0"/>
               </a:rPr>
+              <a:t>of</a:t>
+            </a:r>
+            <a:r>
+              <a:rPr lang="es-MX" sz="2000" dirty="0">
+                <a:latin typeface="Arial" panose="020B0604020202020204" pitchFamily="34" charset="0"/>
+                <a:cs typeface="Arial" panose="020B0604020202020204" pitchFamily="34" charset="0"/>
+              </a:rPr>
+              <a:t> </a:t>
+            </a:r>
+            <a:r>
+              <a:rPr lang="es-MX" sz="2000" dirty="0" err="1">
+                <a:latin typeface="Arial" panose="020B0604020202020204" pitchFamily="34" charset="0"/>
+                <a:cs typeface="Arial" panose="020B0604020202020204" pitchFamily="34" charset="0"/>
+              </a:rPr>
               <a:t>the</a:t>
             </a:r>
             <a:r>
@@ -10892,6 +12079,20 @@
                 <a:latin typeface="Arial" panose="020B0604020202020204" pitchFamily="34" charset="0"/>
                 <a:cs typeface="Arial" panose="020B0604020202020204" pitchFamily="34" charset="0"/>
               </a:rPr>
+              <a:t> Java </a:t>
+            </a:r>
+            <a:r>
+              <a:rPr lang="es-MX" sz="2000" dirty="0" err="1">
+                <a:latin typeface="Arial" panose="020B0604020202020204" pitchFamily="34" charset="0"/>
+                <a:cs typeface="Arial" panose="020B0604020202020204" pitchFamily="34" charset="0"/>
+              </a:rPr>
+              <a:t>classes</a:t>
+            </a:r>
+            <a:r>
+              <a:rPr lang="es-MX" sz="2000" dirty="0">
+                <a:latin typeface="Arial" panose="020B0604020202020204" pitchFamily="34" charset="0"/>
+                <a:cs typeface="Arial" panose="020B0604020202020204" pitchFamily="34" charset="0"/>
+              </a:rPr>
               <a:t> </a:t>
             </a:r>
             <a:r>
@@ -10899,91 +12100,77 @@
                 <a:latin typeface="Arial" panose="020B0604020202020204" pitchFamily="34" charset="0"/>
                 <a:cs typeface="Arial" panose="020B0604020202020204" pitchFamily="34" charset="0"/>
               </a:rPr>
+              <a:t>that</a:t>
+            </a:r>
+            <a:r>
+              <a:rPr lang="es-MX" sz="2000" dirty="0">
+                <a:latin typeface="Arial" panose="020B0604020202020204" pitchFamily="34" charset="0"/>
+                <a:cs typeface="Arial" panose="020B0604020202020204" pitchFamily="34" charset="0"/>
+              </a:rPr>
+              <a:t> </a:t>
+            </a:r>
+            <a:r>
+              <a:rPr lang="es-MX" sz="2000" dirty="0" err="1">
+                <a:latin typeface="Arial" panose="020B0604020202020204" pitchFamily="34" charset="0"/>
+                <a:cs typeface="Arial" panose="020B0604020202020204" pitchFamily="34" charset="0"/>
+              </a:rPr>
+              <a:t>you</a:t>
+            </a:r>
+            <a:r>
+              <a:rPr lang="es-MX" sz="2000" dirty="0">
+                <a:latin typeface="Arial" panose="020B0604020202020204" pitchFamily="34" charset="0"/>
+                <a:cs typeface="Arial" panose="020B0604020202020204" pitchFamily="34" charset="0"/>
+              </a:rPr>
+              <a:t> </a:t>
+            </a:r>
+            <a:r>
+              <a:rPr lang="es-MX" sz="2000" dirty="0" err="1">
+                <a:latin typeface="Arial" panose="020B0604020202020204" pitchFamily="34" charset="0"/>
+                <a:cs typeface="Arial" panose="020B0604020202020204" pitchFamily="34" charset="0"/>
+              </a:rPr>
+              <a:t>will</a:t>
+            </a:r>
+            <a:r>
+              <a:rPr lang="es-MX" sz="2000" dirty="0">
+                <a:latin typeface="Arial" panose="020B0604020202020204" pitchFamily="34" charset="0"/>
+                <a:cs typeface="Arial" panose="020B0604020202020204" pitchFamily="34" charset="0"/>
+              </a:rPr>
+              <a:t> </a:t>
+            </a:r>
+            <a:r>
+              <a:rPr lang="es-MX" sz="2000" dirty="0" err="1">
+                <a:latin typeface="Arial" panose="020B0604020202020204" pitchFamily="34" charset="0"/>
+                <a:cs typeface="Arial" panose="020B0604020202020204" pitchFamily="34" charset="0"/>
+              </a:rPr>
+              <a:t>code</a:t>
+            </a:r>
+            <a:r>
+              <a:rPr lang="es-MX" sz="2000" dirty="0">
+                <a:latin typeface="Arial" panose="020B0604020202020204" pitchFamily="34" charset="0"/>
+                <a:cs typeface="Arial" panose="020B0604020202020204" pitchFamily="34" charset="0"/>
+              </a:rPr>
+              <a:t> in </a:t>
+            </a:r>
+            <a:r>
+              <a:rPr lang="es-MX" sz="2000" dirty="0" err="1">
+                <a:latin typeface="Arial" panose="020B0604020202020204" pitchFamily="34" charset="0"/>
+                <a:cs typeface="Arial" panose="020B0604020202020204" pitchFamily="34" charset="0"/>
+              </a:rPr>
+              <a:t>your</a:t>
+            </a:r>
+            <a:r>
+              <a:rPr lang="es-MX" sz="2000" dirty="0">
+                <a:latin typeface="Arial" panose="020B0604020202020204" pitchFamily="34" charset="0"/>
+                <a:cs typeface="Arial" panose="020B0604020202020204" pitchFamily="34" charset="0"/>
+              </a:rPr>
+              <a:t> </a:t>
+            </a:r>
+            <a:r>
+              <a:rPr lang="es-MX" sz="2000" dirty="0" err="1">
+                <a:latin typeface="Arial" panose="020B0604020202020204" pitchFamily="34" charset="0"/>
+                <a:cs typeface="Arial" panose="020B0604020202020204" pitchFamily="34" charset="0"/>
+              </a:rPr>
               <a:t>project</a:t>
-            </a:r>
-            <a:r>
-              <a:rPr lang="es-MX" sz="2000" dirty="0">
-                <a:latin typeface="Arial" panose="020B0604020202020204" pitchFamily="34" charset="0"/>
-                <a:cs typeface="Arial" panose="020B0604020202020204" pitchFamily="34" charset="0"/>
-              </a:rPr>
-              <a:t> </a:t>
-            </a:r>
-            <a:r>
-              <a:rPr lang="es-MX" sz="2000" dirty="0" err="1">
-                <a:latin typeface="Arial" panose="020B0604020202020204" pitchFamily="34" charset="0"/>
-                <a:cs typeface="Arial" panose="020B0604020202020204" pitchFamily="34" charset="0"/>
-              </a:rPr>
-              <a:t>goals</a:t>
-            </a:r>
-            <a:r>
-              <a:rPr lang="es-MX" sz="2000" dirty="0">
-                <a:latin typeface="Arial" panose="020B0604020202020204" pitchFamily="34" charset="0"/>
-                <a:cs typeface="Arial" panose="020B0604020202020204" pitchFamily="34" charset="0"/>
-              </a:rPr>
-              <a:t>, and Java </a:t>
-            </a:r>
-            <a:r>
-              <a:rPr lang="es-MX" sz="2000" dirty="0" err="1">
-                <a:latin typeface="Arial" panose="020B0604020202020204" pitchFamily="34" charset="0"/>
-                <a:cs typeface="Arial" panose="020B0604020202020204" pitchFamily="34" charset="0"/>
-              </a:rPr>
-              <a:t>classes</a:t>
-            </a:r>
-            <a:r>
-              <a:rPr lang="es-MX" sz="2000" dirty="0">
-                <a:latin typeface="Arial" panose="020B0604020202020204" pitchFamily="34" charset="0"/>
-                <a:cs typeface="Arial" panose="020B0604020202020204" pitchFamily="34" charset="0"/>
-              </a:rPr>
-              <a:t> </a:t>
-            </a:r>
-            <a:r>
-              <a:rPr lang="es-MX" sz="2000" dirty="0" err="1">
-                <a:latin typeface="Arial" panose="020B0604020202020204" pitchFamily="34" charset="0"/>
-                <a:cs typeface="Arial" panose="020B0604020202020204" pitchFamily="34" charset="0"/>
-              </a:rPr>
-              <a:t>that</a:t>
-            </a:r>
-            <a:r>
-              <a:rPr lang="es-MX" sz="2000" dirty="0">
-                <a:latin typeface="Arial" panose="020B0604020202020204" pitchFamily="34" charset="0"/>
-                <a:cs typeface="Arial" panose="020B0604020202020204" pitchFamily="34" charset="0"/>
-              </a:rPr>
-              <a:t> </a:t>
-            </a:r>
-            <a:r>
-              <a:rPr lang="es-MX" sz="2000" dirty="0" err="1">
-                <a:latin typeface="Arial" panose="020B0604020202020204" pitchFamily="34" charset="0"/>
-                <a:cs typeface="Arial" panose="020B0604020202020204" pitchFamily="34" charset="0"/>
-              </a:rPr>
-              <a:t>you</a:t>
-            </a:r>
-            <a:r>
-              <a:rPr lang="es-MX" sz="2000" dirty="0">
-                <a:latin typeface="Arial" panose="020B0604020202020204" pitchFamily="34" charset="0"/>
-                <a:cs typeface="Arial" panose="020B0604020202020204" pitchFamily="34" charset="0"/>
-              </a:rPr>
-              <a:t> </a:t>
-            </a:r>
-            <a:r>
-              <a:rPr lang="es-MX" sz="2000" dirty="0" err="1">
-                <a:latin typeface="Arial" panose="020B0604020202020204" pitchFamily="34" charset="0"/>
-                <a:cs typeface="Arial" panose="020B0604020202020204" pitchFamily="34" charset="0"/>
-              </a:rPr>
-              <a:t>will</a:t>
-            </a:r>
-            <a:r>
-              <a:rPr lang="es-MX" sz="2000" dirty="0">
-                <a:latin typeface="Arial" panose="020B0604020202020204" pitchFamily="34" charset="0"/>
-                <a:cs typeface="Arial" panose="020B0604020202020204" pitchFamily="34" charset="0"/>
-              </a:rPr>
-              <a:t> </a:t>
-            </a:r>
-            <a:r>
-              <a:rPr lang="es-MX" sz="2000" dirty="0" err="1">
-                <a:latin typeface="Arial" panose="020B0604020202020204" pitchFamily="34" charset="0"/>
-                <a:cs typeface="Arial" panose="020B0604020202020204" pitchFamily="34" charset="0"/>
-              </a:rPr>
-              <a:t>code</a:t>
             </a:r>
             <a:r>
               <a:rPr lang="es-MX" sz="2000" dirty="0">
@@ -11299,258 +12486,6 @@
 </p:sld>
 </file>
 
-<file path=ppt/slides/slide8.xml><?xml version="1.0" encoding="utf-8"?>
-<p:sld xmlns:a="http://schemas.openxmlformats.org/drawingml/2006/main" xmlns:r="http://schemas.openxmlformats.org/officeDocument/2006/relationships" xmlns:p="http://schemas.openxmlformats.org/presentationml/2006/main">
-  <p:cSld>
-    <p:spTree>
-      <p:nvGrpSpPr>
-        <p:cNvPr id="1" name=""/>
-        <p:cNvGrpSpPr/>
-        <p:nvPr/>
-      </p:nvGrpSpPr>
-      <p:grpSpPr>
-        <a:xfrm>
-          <a:off x="0" y="0"/>
-          <a:ext cx="0" cy="0"/>
-          <a:chOff x="0" y="0"/>
-          <a:chExt cx="0" cy="0"/>
-        </a:xfrm>
-      </p:grpSpPr>
-      <p:sp>
-        <p:nvSpPr>
-          <p:cNvPr id="11" name="Rectangle 10">
-            <a:extLst>
-              <a:ext uri="{FF2B5EF4-FFF2-40B4-BE49-F238E27FC236}">
-                <a16:creationId xmlns:a16="http://schemas.microsoft.com/office/drawing/2014/main" id="{1BF55567-E569-4783-8A9A-A17C6B815A8F}"/>
-              </a:ext>
-            </a:extLst>
-          </p:cNvPr>
-          <p:cNvSpPr/>
-          <p:nvPr/>
-        </p:nvSpPr>
-        <p:spPr>
-          <a:xfrm>
-            <a:off x="0" y="-1"/>
-            <a:ext cx="9143999" cy="893135"/>
-          </a:xfrm>
-          <a:prstGeom prst="rect">
-            <a:avLst/>
-          </a:prstGeom>
-          <a:solidFill>
-            <a:srgbClr val="B78700"/>
-          </a:solidFill>
-          <a:ln>
-            <a:solidFill>
-              <a:srgbClr val="B78700"/>
-            </a:solidFill>
-          </a:ln>
-        </p:spPr>
-        <p:style>
-          <a:lnRef idx="2">
-            <a:schemeClr val="accent1">
-              <a:shade val="50000"/>
-            </a:schemeClr>
-          </a:lnRef>
-          <a:fillRef idx="1">
-            <a:schemeClr val="accent1"/>
-          </a:fillRef>
-          <a:effectRef idx="0">
-            <a:schemeClr val="accent1"/>
-          </a:effectRef>
-          <a:fontRef idx="minor">
-            <a:schemeClr val="lt1"/>
-          </a:fontRef>
-        </p:style>
-        <p:txBody>
-          <a:bodyPr rtlCol="0" anchor="ctr"/>
-          <a:lstStyle/>
-          <a:p>
-            <a:r>
-              <a:rPr lang="en-US" sz="3000" b="1" dirty="0">
-                <a:solidFill>
-                  <a:schemeClr val="bg1"/>
-                </a:solidFill>
-              </a:rPr>
-              <a:t>2. Coding</a:t>
-            </a:r>
-            <a:endParaRPr lang="es-MX" sz="3000" b="1" dirty="0">
-              <a:solidFill>
-                <a:schemeClr val="bg1"/>
-              </a:solidFill>
-            </a:endParaRPr>
-          </a:p>
-        </p:txBody>
-      </p:sp>
-      <p:sp>
-        <p:nvSpPr>
-          <p:cNvPr id="2" name="TextBox 1">
-            <a:extLst>
-              <a:ext uri="{FF2B5EF4-FFF2-40B4-BE49-F238E27FC236}">
-                <a16:creationId xmlns:a16="http://schemas.microsoft.com/office/drawing/2014/main" id="{26E30AAB-29BC-4CE7-B288-6FE748B82A42}"/>
-              </a:ext>
-            </a:extLst>
-          </p:cNvPr>
-          <p:cNvSpPr txBox="1"/>
-          <p:nvPr/>
-        </p:nvSpPr>
-        <p:spPr>
-          <a:xfrm>
-            <a:off x="0" y="893134"/>
-            <a:ext cx="9101470" cy="1938992"/>
-          </a:xfrm>
-          <a:prstGeom prst="rect">
-            <a:avLst/>
-          </a:prstGeom>
-          <a:noFill/>
-        </p:spPr>
-        <p:txBody>
-          <a:bodyPr wrap="square" rtlCol="0">
-            <a:spAutoFit/>
-          </a:bodyPr>
-          <a:lstStyle/>
-          <a:p>
-            <a:r>
-              <a:rPr lang="en-US" sz="2000" b="1" dirty="0">
-                <a:latin typeface="Arial" panose="020B0604020202020204" pitchFamily="34" charset="0"/>
-                <a:cs typeface="Arial" panose="020B0604020202020204" pitchFamily="34" charset="0"/>
-              </a:rPr>
-              <a:t>Due date: </a:t>
-            </a:r>
-            <a:r>
-              <a:rPr lang="en-US" sz="2000" dirty="0">
-                <a:latin typeface="Arial" panose="020B0604020202020204" pitchFamily="34" charset="0"/>
-                <a:cs typeface="Arial" panose="020B0604020202020204" pitchFamily="34" charset="0"/>
-              </a:rPr>
-              <a:t>April 22</a:t>
-            </a:r>
-            <a:r>
-              <a:rPr lang="en-US" sz="2000" baseline="30000" dirty="0">
-                <a:latin typeface="Arial" panose="020B0604020202020204" pitchFamily="34" charset="0"/>
-                <a:cs typeface="Arial" panose="020B0604020202020204" pitchFamily="34" charset="0"/>
-              </a:rPr>
-              <a:t>nd</a:t>
-            </a:r>
-            <a:r>
-              <a:rPr lang="en-US" sz="2000" dirty="0">
-                <a:latin typeface="Arial" panose="020B0604020202020204" pitchFamily="34" charset="0"/>
-                <a:cs typeface="Arial" panose="020B0604020202020204" pitchFamily="34" charset="0"/>
-              </a:rPr>
-              <a:t> @ 7:30 AM</a:t>
-            </a:r>
-          </a:p>
-          <a:p>
-            <a:endParaRPr lang="en-US" sz="2000" dirty="0">
-              <a:latin typeface="Arial" panose="020B0604020202020204" pitchFamily="34" charset="0"/>
-              <a:cs typeface="Arial" panose="020B0604020202020204" pitchFamily="34" charset="0"/>
-            </a:endParaRPr>
-          </a:p>
-          <a:p>
-            <a:r>
-              <a:rPr lang="es-MX" sz="2000" b="1" dirty="0">
-                <a:latin typeface="Arial" panose="020B0604020202020204" pitchFamily="34" charset="0"/>
-                <a:cs typeface="Arial" panose="020B0604020202020204" pitchFamily="34" charset="0"/>
-              </a:rPr>
-              <a:t>Entregable:</a:t>
-            </a:r>
-            <a:r>
-              <a:rPr lang="es-MX" sz="2000" dirty="0">
-                <a:latin typeface="Arial" panose="020B0604020202020204" pitchFamily="34" charset="0"/>
-                <a:cs typeface="Arial" panose="020B0604020202020204" pitchFamily="34" charset="0"/>
-              </a:rPr>
-              <a:t> El programa entregado deberá constar de </a:t>
-            </a:r>
-            <a:r>
-              <a:rPr lang="es-MX" sz="2000" u="sng" dirty="0">
-                <a:latin typeface="Arial" panose="020B0604020202020204" pitchFamily="34" charset="0"/>
-                <a:cs typeface="Arial" panose="020B0604020202020204" pitchFamily="34" charset="0"/>
-              </a:rPr>
-              <a:t>por lo menos</a:t>
-            </a:r>
-            <a:r>
-              <a:rPr lang="es-MX" sz="2000" dirty="0">
-                <a:latin typeface="Arial" panose="020B0604020202020204" pitchFamily="34" charset="0"/>
-                <a:cs typeface="Arial" panose="020B0604020202020204" pitchFamily="34" charset="0"/>
-              </a:rPr>
-              <a:t> tres clases, con la siguiente funcionalidad:</a:t>
-            </a:r>
-          </a:p>
-          <a:p>
-            <a:pPr marL="342900" indent="-342900">
-              <a:buFont typeface="Arial" panose="020B0604020202020204" pitchFamily="34" charset="0"/>
-              <a:buChar char="•"/>
-            </a:pPr>
-            <a:r>
-              <a:rPr lang="es-MX" sz="2000" dirty="0">
-                <a:latin typeface="Arial" panose="020B0604020202020204" pitchFamily="34" charset="0"/>
-                <a:cs typeface="Arial" panose="020B0604020202020204" pitchFamily="34" charset="0"/>
-              </a:rPr>
-              <a:t>Clase que modela el objeto elegido</a:t>
-            </a:r>
-          </a:p>
-          <a:p>
-            <a:pPr marL="342900" indent="-342900">
-              <a:buFont typeface="Arial" panose="020B0604020202020204" pitchFamily="34" charset="0"/>
-              <a:buChar char="•"/>
-            </a:pPr>
-            <a:r>
-              <a:rPr lang="es-MX" sz="2000" dirty="0">
-                <a:latin typeface="Arial" panose="020B0604020202020204" pitchFamily="34" charset="0"/>
-                <a:cs typeface="Arial" panose="020B0604020202020204" pitchFamily="34" charset="0"/>
-              </a:rPr>
-              <a:t>Clase que administra y maneja la interfaz gráfica.</a:t>
-            </a:r>
-          </a:p>
-        </p:txBody>
-      </p:sp>
-      <p:pic>
-        <p:nvPicPr>
-          <p:cNvPr id="5" name="Graphic 4" descr="Presentation with media">
-            <a:extLst>
-              <a:ext uri="{FF2B5EF4-FFF2-40B4-BE49-F238E27FC236}">
-                <a16:creationId xmlns:a16="http://schemas.microsoft.com/office/drawing/2014/main" id="{A7255E5F-6B86-4D1A-AB33-47A60F5AC5D6}"/>
-              </a:ext>
-            </a:extLst>
-          </p:cNvPr>
-          <p:cNvPicPr>
-            <a:picLocks noChangeAspect="1"/>
-          </p:cNvPicPr>
-          <p:nvPr/>
-        </p:nvPicPr>
-        <p:blipFill>
-          <a:blip r:embed="rId2">
-            <a:extLst>
-              <a:ext uri="{96DAC541-7B7A-43D3-8B79-37D633B846F1}">
-                <asvg:svgBlip xmlns:asvg="http://schemas.microsoft.com/office/drawing/2016/SVG/main" r:embed="rId3"/>
-              </a:ext>
-            </a:extLst>
-          </a:blip>
-          <a:stretch>
-            <a:fillRect/>
-          </a:stretch>
-        </p:blipFill>
-        <p:spPr>
-          <a:xfrm>
-            <a:off x="7624775" y="-47343"/>
-            <a:ext cx="987817" cy="987817"/>
-          </a:xfrm>
-          <a:prstGeom prst="rect">
-            <a:avLst/>
-          </a:prstGeom>
-        </p:spPr>
-      </p:pic>
-    </p:spTree>
-    <p:extLst>
-      <p:ext uri="{BB962C8B-B14F-4D97-AF65-F5344CB8AC3E}">
-        <p14:creationId xmlns:p14="http://schemas.microsoft.com/office/powerpoint/2010/main" val="2313295308"/>
-      </p:ext>
-    </p:extLst>
-  </p:cSld>
-  <p:clrMapOvr>
-    <a:masterClrMapping/>
-  </p:clrMapOvr>
-</p:sld>
-</file>
-
 <file path=ppt/slides/slide9.xml><?xml version="1.0" encoding="utf-8"?>
 <p:sld xmlns:a="http://schemas.openxmlformats.org/drawingml/2006/main" xmlns:r="http://schemas.openxmlformats.org/officeDocument/2006/relationships" xmlns:p="http://schemas.openxmlformats.org/presentationml/2006/main">
   <p:cSld>
@@ -11648,7 +12583,7 @@
         <p:spPr>
           <a:xfrm>
             <a:off x="0" y="893134"/>
-            <a:ext cx="9101470" cy="3693319"/>
+            <a:ext cx="9101470" cy="2554545"/>
           </a:xfrm>
           <a:prstGeom prst="rect">
             <a:avLst/>
@@ -11662,25 +12597,84 @@
           <a:lstStyle/>
           <a:p>
             <a:r>
-              <a:rPr lang="es-MX" sz="1800" dirty="0">
-                <a:latin typeface="Arial" panose="020B0604020202020204" pitchFamily="34" charset="0"/>
-                <a:cs typeface="Arial" panose="020B0604020202020204" pitchFamily="34" charset="0"/>
-              </a:rPr>
-              <a:t>La funcionalidad mínima esperada es:</a:t>
+              <a:rPr lang="en-US" sz="2000" b="1" dirty="0">
+                <a:latin typeface="Arial" panose="020B0604020202020204" pitchFamily="34" charset="0"/>
+                <a:cs typeface="Arial" panose="020B0604020202020204" pitchFamily="34" charset="0"/>
+              </a:rPr>
+              <a:t>Due date: </a:t>
+            </a:r>
+            <a:r>
+              <a:rPr lang="en-US" sz="2000" dirty="0">
+                <a:latin typeface="Arial" panose="020B0604020202020204" pitchFamily="34" charset="0"/>
+                <a:cs typeface="Arial" panose="020B0604020202020204" pitchFamily="34" charset="0"/>
+              </a:rPr>
+              <a:t>April 22</a:t>
+            </a:r>
+            <a:r>
+              <a:rPr lang="en-US" sz="2000" baseline="30000" dirty="0">
+                <a:latin typeface="Arial" panose="020B0604020202020204" pitchFamily="34" charset="0"/>
+                <a:cs typeface="Arial" panose="020B0604020202020204" pitchFamily="34" charset="0"/>
+              </a:rPr>
+              <a:t>nd</a:t>
+            </a:r>
+            <a:r>
+              <a:rPr lang="en-US" sz="2000" dirty="0">
+                <a:latin typeface="Arial" panose="020B0604020202020204" pitchFamily="34" charset="0"/>
+                <a:cs typeface="Arial" panose="020B0604020202020204" pitchFamily="34" charset="0"/>
+              </a:rPr>
+              <a:t> @ 7:30 AM</a:t>
             </a:r>
           </a:p>
           <a:p>
-            <a:r>
-              <a:rPr lang="es-MX" sz="1800" b="1" dirty="0">
-                <a:latin typeface="Arial" panose="020B0604020202020204" pitchFamily="34" charset="0"/>
-                <a:cs typeface="Arial" panose="020B0604020202020204" pitchFamily="34" charset="0"/>
-              </a:rPr>
-              <a:t>Clase para modelar el objeto elegido:</a:t>
-            </a:r>
-            <a:endParaRPr lang="es-MX" sz="1800" dirty="0">
+            <a:endParaRPr lang="en-US" sz="2000" dirty="0">
               <a:latin typeface="Arial" panose="020B0604020202020204" pitchFamily="34" charset="0"/>
               <a:cs typeface="Arial" panose="020B0604020202020204" pitchFamily="34" charset="0"/>
             </a:endParaRPr>
+          </a:p>
+          <a:p>
+            <a:r>
+              <a:rPr lang="en-US" sz="2000" b="1" dirty="0">
+                <a:latin typeface="Arial" panose="020B0604020202020204" pitchFamily="34" charset="0"/>
+                <a:cs typeface="Arial" panose="020B0604020202020204" pitchFamily="34" charset="0"/>
+              </a:rPr>
+              <a:t>Deliverable:</a:t>
+            </a:r>
+            <a:r>
+              <a:rPr lang="en-US" sz="2000" dirty="0">
+                <a:latin typeface="Arial" panose="020B0604020202020204" pitchFamily="34" charset="0"/>
+                <a:cs typeface="Arial" panose="020B0604020202020204" pitchFamily="34" charset="0"/>
+              </a:rPr>
+              <a:t> Hand in all project source code. </a:t>
+            </a:r>
+          </a:p>
+          <a:p>
+            <a:endParaRPr lang="en-US" sz="2000" dirty="0">
+              <a:latin typeface="Arial" panose="020B0604020202020204" pitchFamily="34" charset="0"/>
+              <a:cs typeface="Arial" panose="020B0604020202020204" pitchFamily="34" charset="0"/>
+            </a:endParaRPr>
+          </a:p>
+          <a:p>
+            <a:r>
+              <a:rPr lang="en-US" sz="2000" dirty="0">
+                <a:latin typeface="Arial" panose="020B0604020202020204" pitchFamily="34" charset="0"/>
+                <a:cs typeface="Arial" panose="020B0604020202020204" pitchFamily="34" charset="0"/>
+              </a:rPr>
+              <a:t>Consider that the project should include </a:t>
+            </a:r>
+            <a:r>
+              <a:rPr lang="en-US" sz="2000" u="sng" dirty="0">
+                <a:latin typeface="Arial" panose="020B0604020202020204" pitchFamily="34" charset="0"/>
+                <a:cs typeface="Arial" panose="020B0604020202020204" pitchFamily="34" charset="0"/>
+              </a:rPr>
+              <a:t>at least three classes,</a:t>
+            </a:r>
+            <a:r>
+              <a:rPr lang="en-US" sz="2000" dirty="0">
+                <a:latin typeface="Arial" panose="020B0604020202020204" pitchFamily="34" charset="0"/>
+                <a:cs typeface="Arial" panose="020B0604020202020204" pitchFamily="34" charset="0"/>
+              </a:rPr>
+              <a:t> with the following functionality:</a:t>
+            </a:r>
           </a:p>
           <a:p>
             <a:pPr marL="342900" indent="-342900">
@@ -11688,11 +12682,11 @@
               <a:buChar char="•"/>
             </a:pPr>
             <a:r>
-              <a:rPr lang="es-MX" sz="1800" dirty="0">
-                <a:latin typeface="Arial" panose="020B0604020202020204" pitchFamily="34" charset="0"/>
-                <a:cs typeface="Arial" panose="020B0604020202020204" pitchFamily="34" charset="0"/>
-              </a:rPr>
-              <a:t>5 atributos, correctamente encapsulados</a:t>
+              <a:rPr lang="en-US" sz="2000" dirty="0">
+                <a:latin typeface="Arial" panose="020B0604020202020204" pitchFamily="34" charset="0"/>
+                <a:cs typeface="Arial" panose="020B0604020202020204" pitchFamily="34" charset="0"/>
+              </a:rPr>
+              <a:t>One class that models the selected object</a:t>
             </a:r>
           </a:p>
           <a:p>
@@ -11701,176 +12695,12 @@
               <a:buChar char="•"/>
             </a:pPr>
             <a:r>
-              <a:rPr lang="es-MX" sz="1800" dirty="0">
-                <a:latin typeface="Arial" panose="020B0604020202020204" pitchFamily="34" charset="0"/>
-                <a:cs typeface="Arial" panose="020B0604020202020204" pitchFamily="34" charset="0"/>
-              </a:rPr>
-              <a:t>1 constructor</a:t>
-            </a:r>
-          </a:p>
-          <a:p>
-            <a:pPr marL="342900" indent="-342900">
-              <a:buFont typeface="Arial" panose="020B0604020202020204" pitchFamily="34" charset="0"/>
-              <a:buChar char="•"/>
-            </a:pPr>
-            <a:r>
-              <a:rPr lang="es-MX" sz="1800" dirty="0">
-                <a:latin typeface="Arial" panose="020B0604020202020204" pitchFamily="34" charset="0"/>
-                <a:cs typeface="Arial" panose="020B0604020202020204" pitchFamily="34" charset="0"/>
-              </a:rPr>
-              <a:t>Getters y setters necesarios para interactuar con la clase</a:t>
-            </a:r>
-          </a:p>
-          <a:p>
-            <a:pPr marL="342900" indent="-342900">
-              <a:buFont typeface="Arial" panose="020B0604020202020204" pitchFamily="34" charset="0"/>
-              <a:buChar char="•"/>
-            </a:pPr>
-            <a:r>
-              <a:rPr lang="es-MX" sz="1800" dirty="0">
-                <a:latin typeface="Arial" panose="020B0604020202020204" pitchFamily="34" charset="0"/>
-                <a:cs typeface="Arial" panose="020B0604020202020204" pitchFamily="34" charset="0"/>
-              </a:rPr>
-              <a:t>Métodos para realizar los cálculos</a:t>
-            </a:r>
-          </a:p>
-          <a:p>
-            <a:endParaRPr lang="es-MX" sz="1800" dirty="0">
-              <a:latin typeface="Arial" panose="020B0604020202020204" pitchFamily="34" charset="0"/>
-              <a:cs typeface="Arial" panose="020B0604020202020204" pitchFamily="34" charset="0"/>
-            </a:endParaRPr>
-          </a:p>
-          <a:p>
-            <a:r>
-              <a:rPr lang="es-MX" sz="1800" b="1" dirty="0">
-                <a:latin typeface="Arial" panose="020B0604020202020204" pitchFamily="34" charset="0"/>
-                <a:cs typeface="Arial" panose="020B0604020202020204" pitchFamily="34" charset="0"/>
-              </a:rPr>
-              <a:t>GUI</a:t>
-            </a:r>
-          </a:p>
-          <a:p>
-            <a:pPr marL="342900" indent="-342900">
-              <a:buFont typeface="Arial" panose="020B0604020202020204" pitchFamily="34" charset="0"/>
-              <a:buChar char="•"/>
-            </a:pPr>
-            <a:r>
-              <a:rPr lang="es-MX" sz="1800" dirty="0">
-                <a:latin typeface="Arial" panose="020B0604020202020204" pitchFamily="34" charset="0"/>
-                <a:cs typeface="Arial" panose="020B0604020202020204" pitchFamily="34" charset="0"/>
-              </a:rPr>
-              <a:t>At </a:t>
-            </a:r>
-            <a:r>
-              <a:rPr lang="es-MX" sz="1800" dirty="0" err="1">
-                <a:latin typeface="Arial" panose="020B0604020202020204" pitchFamily="34" charset="0"/>
-                <a:cs typeface="Arial" panose="020B0604020202020204" pitchFamily="34" charset="0"/>
-              </a:rPr>
-              <a:t>least</a:t>
-            </a:r>
-            <a:r>
-              <a:rPr lang="es-MX" sz="1800" dirty="0">
-                <a:latin typeface="Arial" panose="020B0604020202020204" pitchFamily="34" charset="0"/>
-                <a:cs typeface="Arial" panose="020B0604020202020204" pitchFamily="34" charset="0"/>
-              </a:rPr>
-              <a:t> 2 </a:t>
-            </a:r>
-            <a:r>
-              <a:rPr lang="es-MX" sz="1800" dirty="0" err="1">
-                <a:latin typeface="Arial" panose="020B0604020202020204" pitchFamily="34" charset="0"/>
-                <a:cs typeface="Arial" panose="020B0604020202020204" pitchFamily="34" charset="0"/>
-              </a:rPr>
-              <a:t>windows</a:t>
-            </a:r>
-            <a:endParaRPr lang="es-MX" sz="1800" dirty="0">
-              <a:latin typeface="Arial" panose="020B0604020202020204" pitchFamily="34" charset="0"/>
-              <a:cs typeface="Arial" panose="020B0604020202020204" pitchFamily="34" charset="0"/>
-            </a:endParaRPr>
-          </a:p>
-          <a:p>
-            <a:pPr marL="342900" indent="-342900">
-              <a:buFont typeface="Arial" panose="020B0604020202020204" pitchFamily="34" charset="0"/>
-              <a:buChar char="•"/>
-            </a:pPr>
-            <a:r>
-              <a:rPr lang="es-MX" sz="1800" dirty="0">
-                <a:latin typeface="Arial" panose="020B0604020202020204" pitchFamily="34" charset="0"/>
-                <a:cs typeface="Arial" panose="020B0604020202020204" pitchFamily="34" charset="0"/>
-              </a:rPr>
-              <a:t>2 </a:t>
-            </a:r>
-            <a:r>
-              <a:rPr lang="es-MX" sz="1800" dirty="0" err="1">
-                <a:latin typeface="Arial" panose="020B0604020202020204" pitchFamily="34" charset="0"/>
-                <a:cs typeface="Arial" panose="020B0604020202020204" pitchFamily="34" charset="0"/>
-              </a:rPr>
-              <a:t>buttons</a:t>
-            </a:r>
-            <a:endParaRPr lang="es-MX" sz="1800" dirty="0">
-              <a:latin typeface="Arial" panose="020B0604020202020204" pitchFamily="34" charset="0"/>
-              <a:cs typeface="Arial" panose="020B0604020202020204" pitchFamily="34" charset="0"/>
-            </a:endParaRPr>
-          </a:p>
-          <a:p>
-            <a:pPr marL="342900" indent="-342900">
-              <a:buFont typeface="Arial" panose="020B0604020202020204" pitchFamily="34" charset="0"/>
-              <a:buChar char="•"/>
-            </a:pPr>
-            <a:r>
-              <a:rPr lang="es-MX" sz="1800" dirty="0">
-                <a:latin typeface="Arial" panose="020B0604020202020204" pitchFamily="34" charset="0"/>
-                <a:cs typeface="Arial" panose="020B0604020202020204" pitchFamily="34" charset="0"/>
-              </a:rPr>
-              <a:t>2 </a:t>
-            </a:r>
-            <a:r>
-              <a:rPr lang="es-MX" sz="1800" dirty="0" err="1">
-                <a:latin typeface="Arial" panose="020B0604020202020204" pitchFamily="34" charset="0"/>
-                <a:cs typeface="Arial" panose="020B0604020202020204" pitchFamily="34" charset="0"/>
-              </a:rPr>
-              <a:t>images</a:t>
-            </a:r>
-            <a:endParaRPr lang="es-MX" sz="1800" dirty="0">
-              <a:latin typeface="Arial" panose="020B0604020202020204" pitchFamily="34" charset="0"/>
-              <a:cs typeface="Arial" panose="020B0604020202020204" pitchFamily="34" charset="0"/>
-            </a:endParaRPr>
-          </a:p>
-          <a:p>
-            <a:pPr marL="342900" indent="-342900">
-              <a:buFont typeface="Arial" panose="020B0604020202020204" pitchFamily="34" charset="0"/>
-              <a:buChar char="•"/>
-            </a:pPr>
-            <a:r>
-              <a:rPr lang="es-MX" sz="1800" dirty="0" err="1">
-                <a:latin typeface="Arial" panose="020B0604020202020204" pitchFamily="34" charset="0"/>
-                <a:cs typeface="Arial" panose="020B0604020202020204" pitchFamily="34" charset="0"/>
-              </a:rPr>
-              <a:t>Labels</a:t>
-            </a:r>
-            <a:r>
-              <a:rPr lang="es-MX" sz="1800" dirty="0">
-                <a:latin typeface="Arial" panose="020B0604020202020204" pitchFamily="34" charset="0"/>
-                <a:cs typeface="Arial" panose="020B0604020202020204" pitchFamily="34" charset="0"/>
-              </a:rPr>
-              <a:t> and input boxes as </a:t>
-            </a:r>
-            <a:r>
-              <a:rPr lang="es-MX" sz="1800" dirty="0" err="1">
-                <a:latin typeface="Arial" panose="020B0604020202020204" pitchFamily="34" charset="0"/>
-                <a:cs typeface="Arial" panose="020B0604020202020204" pitchFamily="34" charset="0"/>
-              </a:rPr>
-              <a:t>needed</a:t>
-            </a:r>
-            <a:endParaRPr lang="es-MX" sz="1800" dirty="0">
-              <a:latin typeface="Arial" panose="020B0604020202020204" pitchFamily="34" charset="0"/>
-              <a:cs typeface="Arial" panose="020B0604020202020204" pitchFamily="34" charset="0"/>
-            </a:endParaRPr>
-          </a:p>
-          <a:p>
-            <a:endParaRPr lang="es-MX" sz="1800" b="1" dirty="0">
-              <a:latin typeface="Arial" panose="020B0604020202020204" pitchFamily="34" charset="0"/>
-              <a:cs typeface="Arial" panose="020B0604020202020204" pitchFamily="34" charset="0"/>
-            </a:endParaRPr>
+              <a:rPr lang="en-US" sz="2000" dirty="0">
+                <a:latin typeface="Arial" panose="020B0604020202020204" pitchFamily="34" charset="0"/>
+                <a:cs typeface="Arial" panose="020B0604020202020204" pitchFamily="34" charset="0"/>
+              </a:rPr>
+              <a:t>Two classes that handle and administer the GUI (one per Window)</a:t>
+            </a:r>
           </a:p>
         </p:txBody>
       </p:sp>
@@ -11913,7 +12743,7 @@
     </p:spTree>
     <p:extLst>
       <p:ext uri="{BB962C8B-B14F-4D97-AF65-F5344CB8AC3E}">
-        <p14:creationId xmlns:p14="http://schemas.microsoft.com/office/powerpoint/2010/main" val="3145101568"/>
+        <p14:creationId xmlns:p14="http://schemas.microsoft.com/office/powerpoint/2010/main" val="2313295308"/>
       </p:ext>
     </p:extLst>
   </p:cSld>
